--- a/soci2534/midterm/SOCIMidterm.pptx
+++ b/soci2534/midterm/SOCIMidterm.pptx
@@ -5,23 +5,21 @@
     <p:sldMasterId id="2147483660" r:id="rId1"/>
   </p:sldMasterIdLst>
   <p:notesMasterIdLst>
-    <p:notesMasterId r:id="rId16"/>
+    <p:notesMasterId r:id="rId14"/>
   </p:notesMasterIdLst>
   <p:sldIdLst>
     <p:sldId id="256" r:id="rId2"/>
     <p:sldId id="257" r:id="rId3"/>
     <p:sldId id="258" r:id="rId4"/>
-    <p:sldId id="259" r:id="rId5"/>
-    <p:sldId id="262" r:id="rId6"/>
-    <p:sldId id="263" r:id="rId7"/>
-    <p:sldId id="264" r:id="rId8"/>
-    <p:sldId id="260" r:id="rId9"/>
-    <p:sldId id="265" r:id="rId10"/>
-    <p:sldId id="266" r:id="rId11"/>
-    <p:sldId id="267" r:id="rId12"/>
-    <p:sldId id="268" r:id="rId13"/>
-    <p:sldId id="270" r:id="rId14"/>
-    <p:sldId id="261" r:id="rId15"/>
+    <p:sldId id="262" r:id="rId5"/>
+    <p:sldId id="263" r:id="rId6"/>
+    <p:sldId id="264" r:id="rId7"/>
+    <p:sldId id="265" r:id="rId8"/>
+    <p:sldId id="266" r:id="rId9"/>
+    <p:sldId id="259" r:id="rId10"/>
+    <p:sldId id="268" r:id="rId11"/>
+    <p:sldId id="269" r:id="rId12"/>
+    <p:sldId id="261" r:id="rId13"/>
   </p:sldIdLst>
   <p:sldSz cx="12192000" cy="6858000"/>
   <p:notesSz cx="6858000" cy="9144000"/>
@@ -120,6 +118,11 @@
       </a:defRPr>
     </a:lvl9pPr>
   </p:defaultTextStyle>
+  <p:extLst>
+    <p:ext uri="{EFAFB233-063F-42B5-8137-9DF3F51BA10A}">
+      <p15:sldGuideLst xmlns:p15="http://schemas.microsoft.com/office/powerpoint/2012/main"/>
+    </p:ext>
+  </p:extLst>
 </p:presentation>
 </file>
 
@@ -1052,6 +1055,927 @@
 </dgm:colorsDef>
 </file>
 
+<file path=ppt/diagrams/colors2.xml><?xml version="1.0" encoding="utf-8"?>
+<dgm:colorsDef xmlns:dgm="http://schemas.openxmlformats.org/drawingml/2006/diagram" xmlns:a="http://schemas.openxmlformats.org/drawingml/2006/main" uniqueId="urn:microsoft.com/office/officeart/2018/5/colors/Iconchunking_neutralicontext_colorful1">
+  <dgm:title val=""/>
+  <dgm:desc val=""/>
+  <dgm:catLst>
+    <dgm:cat type="colorful" pri="10100"/>
+  </dgm:catLst>
+  <dgm:styleLbl name="node0">
+    <dgm:fillClrLst meth="repeat">
+      <a:schemeClr val="accent1"/>
+    </dgm:fillClrLst>
+    <dgm:linClrLst meth="repeat">
+      <a:schemeClr val="lt1"/>
+    </dgm:linClrLst>
+    <dgm:effectClrLst/>
+    <dgm:txLinClrLst/>
+    <dgm:txFillClrLst/>
+    <dgm:txEffectClrLst/>
+  </dgm:styleLbl>
+  <dgm:styleLbl name="node1">
+    <dgm:fillClrLst meth="repeat">
+      <a:schemeClr val="bg1"/>
+    </dgm:fillClrLst>
+    <dgm:linClrLst meth="repeat">
+      <a:schemeClr val="lt1">
+        <a:alpha val="0"/>
+      </a:schemeClr>
+    </dgm:linClrLst>
+    <dgm:effectClrLst/>
+    <dgm:txLinClrLst/>
+    <dgm:txFillClrLst meth="repeat">
+      <a:schemeClr val="dk1"/>
+    </dgm:txFillClrLst>
+    <dgm:txEffectClrLst/>
+  </dgm:styleLbl>
+  <dgm:styleLbl name="alignNode1">
+    <dgm:fillClrLst meth="repeat">
+      <a:schemeClr val="accent2"/>
+      <a:schemeClr val="accent3"/>
+      <a:schemeClr val="accent4"/>
+      <a:schemeClr val="accent5"/>
+      <a:schemeClr val="accent6"/>
+    </dgm:fillClrLst>
+    <dgm:linClrLst meth="repeat">
+      <a:schemeClr val="accent2"/>
+      <a:schemeClr val="accent3"/>
+      <a:schemeClr val="accent4"/>
+      <a:schemeClr val="accent5"/>
+      <a:schemeClr val="accent6"/>
+    </dgm:linClrLst>
+    <dgm:effectClrLst/>
+    <dgm:txLinClrLst/>
+    <dgm:txFillClrLst/>
+    <dgm:txEffectClrLst/>
+  </dgm:styleLbl>
+  <dgm:styleLbl name="lnNode1">
+    <dgm:fillClrLst meth="repeat">
+      <a:schemeClr val="accent2"/>
+      <a:schemeClr val="accent3"/>
+      <a:schemeClr val="accent4"/>
+      <a:schemeClr val="accent5"/>
+      <a:schemeClr val="accent6"/>
+    </dgm:fillClrLst>
+    <dgm:linClrLst meth="repeat">
+      <a:schemeClr val="lt1"/>
+    </dgm:linClrLst>
+    <dgm:effectClrLst/>
+    <dgm:txLinClrLst/>
+    <dgm:txFillClrLst/>
+    <dgm:txEffectClrLst/>
+  </dgm:styleLbl>
+  <dgm:styleLbl name="vennNode1">
+    <dgm:fillClrLst meth="repeat">
+      <a:schemeClr val="accent2">
+        <a:alpha val="50000"/>
+      </a:schemeClr>
+      <a:schemeClr val="accent3">
+        <a:alpha val="50000"/>
+      </a:schemeClr>
+      <a:schemeClr val="accent4">
+        <a:alpha val="50000"/>
+      </a:schemeClr>
+      <a:schemeClr val="accent5">
+        <a:alpha val="50000"/>
+      </a:schemeClr>
+      <a:schemeClr val="accent6">
+        <a:alpha val="50000"/>
+      </a:schemeClr>
+    </dgm:fillClrLst>
+    <dgm:linClrLst meth="repeat">
+      <a:schemeClr val="lt1"/>
+    </dgm:linClrLst>
+    <dgm:effectClrLst/>
+    <dgm:txLinClrLst/>
+    <dgm:txFillClrLst/>
+    <dgm:txEffectClrLst/>
+  </dgm:styleLbl>
+  <dgm:styleLbl name="node2">
+    <dgm:fillClrLst>
+      <a:schemeClr val="accent2"/>
+    </dgm:fillClrLst>
+    <dgm:linClrLst meth="repeat">
+      <a:schemeClr val="lt1"/>
+    </dgm:linClrLst>
+    <dgm:effectClrLst/>
+    <dgm:txLinClrLst/>
+    <dgm:txFillClrLst/>
+    <dgm:txEffectClrLst/>
+  </dgm:styleLbl>
+  <dgm:styleLbl name="node3">
+    <dgm:fillClrLst>
+      <a:schemeClr val="accent3"/>
+    </dgm:fillClrLst>
+    <dgm:linClrLst meth="repeat">
+      <a:schemeClr val="lt1"/>
+    </dgm:linClrLst>
+    <dgm:effectClrLst/>
+    <dgm:txLinClrLst/>
+    <dgm:txFillClrLst/>
+    <dgm:txEffectClrLst/>
+  </dgm:styleLbl>
+  <dgm:styleLbl name="node4">
+    <dgm:fillClrLst>
+      <a:schemeClr val="accent4"/>
+    </dgm:fillClrLst>
+    <dgm:linClrLst meth="repeat">
+      <a:schemeClr val="lt1"/>
+    </dgm:linClrLst>
+    <dgm:effectClrLst/>
+    <dgm:txLinClrLst/>
+    <dgm:txFillClrLst/>
+    <dgm:txEffectClrLst/>
+  </dgm:styleLbl>
+  <dgm:styleLbl name="fgImgPlace1">
+    <dgm:fillClrLst meth="repeat">
+      <a:schemeClr val="accent2">
+        <a:tint val="50000"/>
+      </a:schemeClr>
+      <a:schemeClr val="accent3">
+        <a:tint val="50000"/>
+      </a:schemeClr>
+      <a:schemeClr val="accent4">
+        <a:tint val="50000"/>
+      </a:schemeClr>
+      <a:schemeClr val="accent5">
+        <a:tint val="50000"/>
+      </a:schemeClr>
+      <a:schemeClr val="accent6">
+        <a:tint val="50000"/>
+      </a:schemeClr>
+    </dgm:fillClrLst>
+    <dgm:linClrLst meth="repeat">
+      <a:schemeClr val="lt1"/>
+    </dgm:linClrLst>
+    <dgm:effectClrLst/>
+    <dgm:txLinClrLst/>
+    <dgm:txFillClrLst meth="repeat">
+      <a:schemeClr val="lt1"/>
+    </dgm:txFillClrLst>
+    <dgm:txEffectClrLst/>
+  </dgm:styleLbl>
+  <dgm:styleLbl name="alignImgPlace1">
+    <dgm:fillClrLst>
+      <a:schemeClr val="accent1">
+        <a:tint val="50000"/>
+      </a:schemeClr>
+      <a:schemeClr val="accent2">
+        <a:tint val="20000"/>
+      </a:schemeClr>
+    </dgm:fillClrLst>
+    <dgm:linClrLst meth="repeat">
+      <a:schemeClr val="lt1"/>
+    </dgm:linClrLst>
+    <dgm:effectClrLst/>
+    <dgm:txLinClrLst/>
+    <dgm:txFillClrLst meth="repeat">
+      <a:schemeClr val="lt1"/>
+    </dgm:txFillClrLst>
+    <dgm:txEffectClrLst/>
+  </dgm:styleLbl>
+  <dgm:styleLbl name="bgImgPlace1">
+    <dgm:fillClrLst>
+      <a:schemeClr val="accent1">
+        <a:tint val="50000"/>
+      </a:schemeClr>
+      <a:schemeClr val="accent2">
+        <a:tint val="20000"/>
+      </a:schemeClr>
+    </dgm:fillClrLst>
+    <dgm:linClrLst meth="repeat">
+      <a:schemeClr val="lt1"/>
+    </dgm:linClrLst>
+    <dgm:effectClrLst/>
+    <dgm:txLinClrLst/>
+    <dgm:txFillClrLst meth="repeat">
+      <a:schemeClr val="lt1"/>
+    </dgm:txFillClrLst>
+    <dgm:txEffectClrLst/>
+  </dgm:styleLbl>
+  <dgm:styleLbl name="sibTrans2D1">
+    <dgm:fillClrLst meth="repeat">
+      <a:schemeClr val="accent2"/>
+      <a:schemeClr val="accent3"/>
+      <a:schemeClr val="accent4"/>
+      <a:schemeClr val="accent5"/>
+      <a:schemeClr val="accent6"/>
+    </dgm:fillClrLst>
+    <dgm:linClrLst meth="cycle">
+      <a:schemeClr val="lt1"/>
+    </dgm:linClrLst>
+    <dgm:effectClrLst/>
+    <dgm:txLinClrLst/>
+    <dgm:txFillClrLst/>
+    <dgm:txEffectClrLst/>
+  </dgm:styleLbl>
+  <dgm:styleLbl name="fgSibTrans2D1">
+    <dgm:fillClrLst meth="repeat">
+      <a:schemeClr val="accent2"/>
+      <a:schemeClr val="accent3"/>
+      <a:schemeClr val="accent4"/>
+      <a:schemeClr val="accent5"/>
+      <a:schemeClr val="accent6"/>
+    </dgm:fillClrLst>
+    <dgm:linClrLst meth="cycle">
+      <a:schemeClr val="lt1"/>
+    </dgm:linClrLst>
+    <dgm:effectClrLst/>
+    <dgm:txLinClrLst/>
+    <dgm:txFillClrLst meth="repeat">
+      <a:schemeClr val="lt1"/>
+    </dgm:txFillClrLst>
+    <dgm:txEffectClrLst/>
+  </dgm:styleLbl>
+  <dgm:styleLbl name="bgSibTrans2D1">
+    <dgm:fillClrLst meth="repeat">
+      <a:schemeClr val="accent2"/>
+      <a:schemeClr val="accent3"/>
+      <a:schemeClr val="accent4"/>
+      <a:schemeClr val="accent5"/>
+      <a:schemeClr val="accent6"/>
+    </dgm:fillClrLst>
+    <dgm:linClrLst meth="cycle">
+      <a:schemeClr val="lt1"/>
+    </dgm:linClrLst>
+    <dgm:effectClrLst/>
+    <dgm:txLinClrLst/>
+    <dgm:txFillClrLst meth="repeat">
+      <a:schemeClr val="lt1"/>
+    </dgm:txFillClrLst>
+    <dgm:txEffectClrLst/>
+  </dgm:styleLbl>
+  <dgm:styleLbl name="sibTrans1D1">
+    <dgm:fillClrLst meth="repeat">
+      <a:schemeClr val="accent2"/>
+      <a:schemeClr val="accent3"/>
+      <a:schemeClr val="accent4"/>
+      <a:schemeClr val="accent5"/>
+      <a:schemeClr val="accent6"/>
+    </dgm:fillClrLst>
+    <dgm:linClrLst meth="repeat">
+      <a:schemeClr val="accent2"/>
+      <a:schemeClr val="accent3"/>
+      <a:schemeClr val="accent4"/>
+      <a:schemeClr val="accent5"/>
+      <a:schemeClr val="accent6"/>
+    </dgm:linClrLst>
+    <dgm:effectClrLst/>
+    <dgm:txLinClrLst/>
+    <dgm:txFillClrLst meth="repeat">
+      <a:schemeClr val="tx1"/>
+    </dgm:txFillClrLst>
+    <dgm:txEffectClrLst/>
+  </dgm:styleLbl>
+  <dgm:styleLbl name="callout">
+    <dgm:fillClrLst meth="repeat">
+      <a:schemeClr val="accent2"/>
+    </dgm:fillClrLst>
+    <dgm:linClrLst meth="repeat">
+      <a:schemeClr val="accent2">
+        <a:tint val="50000"/>
+      </a:schemeClr>
+    </dgm:linClrLst>
+    <dgm:effectClrLst/>
+    <dgm:txLinClrLst/>
+    <dgm:txFillClrLst meth="repeat">
+      <a:schemeClr val="tx1"/>
+    </dgm:txFillClrLst>
+    <dgm:txEffectClrLst/>
+  </dgm:styleLbl>
+  <dgm:styleLbl name="asst0">
+    <dgm:fillClrLst meth="repeat">
+      <a:schemeClr val="accent1"/>
+    </dgm:fillClrLst>
+    <dgm:linClrLst meth="repeat">
+      <a:schemeClr val="lt1"/>
+    </dgm:linClrLst>
+    <dgm:effectClrLst/>
+    <dgm:txLinClrLst/>
+    <dgm:txFillClrLst/>
+    <dgm:txEffectClrLst/>
+  </dgm:styleLbl>
+  <dgm:styleLbl name="asst1">
+    <dgm:fillClrLst meth="repeat">
+      <a:schemeClr val="accent2"/>
+    </dgm:fillClrLst>
+    <dgm:linClrLst meth="repeat">
+      <a:schemeClr val="lt1"/>
+    </dgm:linClrLst>
+    <dgm:effectClrLst/>
+    <dgm:txLinClrLst/>
+    <dgm:txFillClrLst/>
+    <dgm:txEffectClrLst/>
+  </dgm:styleLbl>
+  <dgm:styleLbl name="asst2">
+    <dgm:fillClrLst>
+      <a:schemeClr val="accent3"/>
+    </dgm:fillClrLst>
+    <dgm:linClrLst meth="repeat">
+      <a:schemeClr val="lt1"/>
+    </dgm:linClrLst>
+    <dgm:effectClrLst/>
+    <dgm:txLinClrLst/>
+    <dgm:txFillClrLst/>
+    <dgm:txEffectClrLst/>
+  </dgm:styleLbl>
+  <dgm:styleLbl name="asst3">
+    <dgm:fillClrLst>
+      <a:schemeClr val="accent4"/>
+    </dgm:fillClrLst>
+    <dgm:linClrLst meth="repeat">
+      <a:schemeClr val="lt1"/>
+    </dgm:linClrLst>
+    <dgm:effectClrLst/>
+    <dgm:txLinClrLst/>
+    <dgm:txFillClrLst/>
+    <dgm:txEffectClrLst/>
+  </dgm:styleLbl>
+  <dgm:styleLbl name="asst4">
+    <dgm:fillClrLst>
+      <a:schemeClr val="accent5"/>
+    </dgm:fillClrLst>
+    <dgm:linClrLst meth="repeat">
+      <a:schemeClr val="lt1"/>
+    </dgm:linClrLst>
+    <dgm:effectClrLst/>
+    <dgm:txLinClrLst/>
+    <dgm:txFillClrLst/>
+    <dgm:txEffectClrLst/>
+  </dgm:styleLbl>
+  <dgm:styleLbl name="parChTrans2D1">
+    <dgm:fillClrLst meth="repeat">
+      <a:schemeClr val="accent2"/>
+    </dgm:fillClrLst>
+    <dgm:linClrLst meth="repeat">
+      <a:schemeClr val="lt1"/>
+    </dgm:linClrLst>
+    <dgm:effectClrLst/>
+    <dgm:txLinClrLst/>
+    <dgm:txFillClrLst meth="repeat">
+      <a:schemeClr val="lt1"/>
+    </dgm:txFillClrLst>
+    <dgm:txEffectClrLst/>
+  </dgm:styleLbl>
+  <dgm:styleLbl name="parChTrans2D2">
+    <dgm:fillClrLst meth="repeat">
+      <a:schemeClr val="accent3"/>
+    </dgm:fillClrLst>
+    <dgm:linClrLst meth="repeat">
+      <a:schemeClr val="lt1"/>
+    </dgm:linClrLst>
+    <dgm:effectClrLst/>
+    <dgm:txLinClrLst/>
+    <dgm:txFillClrLst/>
+    <dgm:txEffectClrLst/>
+  </dgm:styleLbl>
+  <dgm:styleLbl name="parChTrans2D3">
+    <dgm:fillClrLst meth="repeat">
+      <a:schemeClr val="accent4"/>
+    </dgm:fillClrLst>
+    <dgm:linClrLst meth="repeat">
+      <a:schemeClr val="lt1"/>
+    </dgm:linClrLst>
+    <dgm:effectClrLst/>
+    <dgm:txLinClrLst/>
+    <dgm:txFillClrLst/>
+    <dgm:txEffectClrLst/>
+  </dgm:styleLbl>
+  <dgm:styleLbl name="parChTrans2D4">
+    <dgm:fillClrLst meth="repeat">
+      <a:schemeClr val="accent5"/>
+    </dgm:fillClrLst>
+    <dgm:linClrLst meth="repeat">
+      <a:schemeClr val="lt1"/>
+    </dgm:linClrLst>
+    <dgm:effectClrLst/>
+    <dgm:txLinClrLst/>
+    <dgm:txFillClrLst meth="repeat">
+      <a:schemeClr val="lt1"/>
+    </dgm:txFillClrLst>
+    <dgm:txEffectClrLst/>
+  </dgm:styleLbl>
+  <dgm:styleLbl name="parChTrans1D1">
+    <dgm:fillClrLst meth="repeat">
+      <a:schemeClr val="accent2"/>
+    </dgm:fillClrLst>
+    <dgm:linClrLst meth="repeat">
+      <a:schemeClr val="accent1"/>
+    </dgm:linClrLst>
+    <dgm:effectClrLst/>
+    <dgm:txLinClrLst/>
+    <dgm:txFillClrLst meth="repeat">
+      <a:schemeClr val="tx1"/>
+    </dgm:txFillClrLst>
+    <dgm:txEffectClrLst/>
+  </dgm:styleLbl>
+  <dgm:styleLbl name="parChTrans1D2">
+    <dgm:fillClrLst meth="repeat">
+      <a:schemeClr val="accent3">
+        <a:tint val="90000"/>
+      </a:schemeClr>
+    </dgm:fillClrLst>
+    <dgm:linClrLst meth="repeat">
+      <a:schemeClr val="accent2"/>
+    </dgm:linClrLst>
+    <dgm:effectClrLst/>
+    <dgm:txLinClrLst/>
+    <dgm:txFillClrLst meth="repeat">
+      <a:schemeClr val="tx1"/>
+    </dgm:txFillClrLst>
+    <dgm:txEffectClrLst/>
+  </dgm:styleLbl>
+  <dgm:styleLbl name="parChTrans1D3">
+    <dgm:fillClrLst meth="repeat">
+      <a:schemeClr val="accent4">
+        <a:tint val="70000"/>
+      </a:schemeClr>
+    </dgm:fillClrLst>
+    <dgm:linClrLst meth="repeat">
+      <a:schemeClr val="accent3"/>
+    </dgm:linClrLst>
+    <dgm:effectClrLst/>
+    <dgm:txLinClrLst/>
+    <dgm:txFillClrLst meth="repeat">
+      <a:schemeClr val="tx1"/>
+    </dgm:txFillClrLst>
+    <dgm:txEffectClrLst/>
+  </dgm:styleLbl>
+  <dgm:styleLbl name="parChTrans1D4">
+    <dgm:fillClrLst meth="repeat">
+      <a:schemeClr val="accent5">
+        <a:tint val="50000"/>
+      </a:schemeClr>
+    </dgm:fillClrLst>
+    <dgm:linClrLst meth="repeat">
+      <a:schemeClr val="accent4"/>
+    </dgm:linClrLst>
+    <dgm:effectClrLst/>
+    <dgm:txLinClrLst/>
+    <dgm:txFillClrLst meth="repeat">
+      <a:schemeClr val="tx1"/>
+    </dgm:txFillClrLst>
+    <dgm:txEffectClrLst/>
+  </dgm:styleLbl>
+  <dgm:styleLbl name="fgAcc1">
+    <dgm:fillClrLst meth="repeat">
+      <a:schemeClr val="lt1">
+        <a:alpha val="90000"/>
+      </a:schemeClr>
+    </dgm:fillClrLst>
+    <dgm:linClrLst meth="repeat">
+      <a:schemeClr val="accent2"/>
+      <a:schemeClr val="accent3"/>
+      <a:schemeClr val="accent4"/>
+      <a:schemeClr val="accent5"/>
+      <a:schemeClr val="accent6"/>
+    </dgm:linClrLst>
+    <dgm:effectClrLst/>
+    <dgm:txLinClrLst/>
+    <dgm:txFillClrLst meth="repeat">
+      <a:schemeClr val="dk1"/>
+    </dgm:txFillClrLst>
+    <dgm:txEffectClrLst/>
+  </dgm:styleLbl>
+  <dgm:styleLbl name="conFgAcc1">
+    <dgm:fillClrLst meth="repeat">
+      <a:schemeClr val="lt1">
+        <a:alpha val="90000"/>
+      </a:schemeClr>
+    </dgm:fillClrLst>
+    <dgm:linClrLst meth="repeat">
+      <a:schemeClr val="accent2"/>
+      <a:schemeClr val="accent3"/>
+      <a:schemeClr val="accent4"/>
+      <a:schemeClr val="accent5"/>
+      <a:schemeClr val="accent6"/>
+    </dgm:linClrLst>
+    <dgm:effectClrLst/>
+    <dgm:txLinClrLst/>
+    <dgm:txFillClrLst meth="repeat">
+      <a:schemeClr val="dk1"/>
+    </dgm:txFillClrLst>
+    <dgm:txEffectClrLst/>
+  </dgm:styleLbl>
+  <dgm:styleLbl name="alignAcc1">
+    <dgm:fillClrLst meth="repeat">
+      <a:schemeClr val="lt1">
+        <a:alpha val="90000"/>
+      </a:schemeClr>
+    </dgm:fillClrLst>
+    <dgm:linClrLst meth="repeat">
+      <a:schemeClr val="accent2"/>
+      <a:schemeClr val="accent3"/>
+      <a:schemeClr val="accent4"/>
+      <a:schemeClr val="accent5"/>
+      <a:schemeClr val="accent6"/>
+    </dgm:linClrLst>
+    <dgm:effectClrLst/>
+    <dgm:txLinClrLst/>
+    <dgm:txFillClrLst meth="repeat">
+      <a:schemeClr val="dk1"/>
+    </dgm:txFillClrLst>
+    <dgm:txEffectClrLst/>
+  </dgm:styleLbl>
+  <dgm:styleLbl name="trAlignAcc1">
+    <dgm:fillClrLst meth="repeat">
+      <a:schemeClr val="lt1">
+        <a:alpha val="40000"/>
+      </a:schemeClr>
+    </dgm:fillClrLst>
+    <dgm:linClrLst meth="repeat">
+      <a:schemeClr val="accent1"/>
+    </dgm:linClrLst>
+    <dgm:effectClrLst/>
+    <dgm:txLinClrLst/>
+    <dgm:txFillClrLst meth="repeat">
+      <a:schemeClr val="dk1"/>
+    </dgm:txFillClrLst>
+    <dgm:txEffectClrLst/>
+  </dgm:styleLbl>
+  <dgm:styleLbl name="bgAcc1">
+    <dgm:fillClrLst meth="repeat">
+      <a:schemeClr val="lt1">
+        <a:alpha val="90000"/>
+      </a:schemeClr>
+    </dgm:fillClrLst>
+    <dgm:linClrLst meth="repeat">
+      <a:schemeClr val="accent2"/>
+      <a:schemeClr val="accent3"/>
+      <a:schemeClr val="accent4"/>
+      <a:schemeClr val="accent5"/>
+      <a:schemeClr val="accent6"/>
+    </dgm:linClrLst>
+    <dgm:effectClrLst/>
+    <dgm:txLinClrLst/>
+    <dgm:txFillClrLst meth="repeat">
+      <a:schemeClr val="dk1"/>
+    </dgm:txFillClrLst>
+    <dgm:txEffectClrLst/>
+  </dgm:styleLbl>
+  <dgm:styleLbl name="solidFgAcc1">
+    <dgm:fillClrLst meth="repeat">
+      <a:schemeClr val="lt1"/>
+    </dgm:fillClrLst>
+    <dgm:linClrLst meth="repeat">
+      <a:schemeClr val="accent2"/>
+      <a:schemeClr val="accent3"/>
+      <a:schemeClr val="accent4"/>
+      <a:schemeClr val="accent5"/>
+      <a:schemeClr val="accent6"/>
+    </dgm:linClrLst>
+    <dgm:effectClrLst/>
+    <dgm:txLinClrLst/>
+    <dgm:txFillClrLst meth="repeat">
+      <a:schemeClr val="dk1"/>
+    </dgm:txFillClrLst>
+    <dgm:txEffectClrLst/>
+  </dgm:styleLbl>
+  <dgm:styleLbl name="solidAlignAcc1">
+    <dgm:fillClrLst meth="repeat">
+      <a:schemeClr val="lt1"/>
+    </dgm:fillClrLst>
+    <dgm:linClrLst meth="repeat">
+      <a:schemeClr val="accent2"/>
+      <a:schemeClr val="accent3"/>
+      <a:schemeClr val="accent4"/>
+      <a:schemeClr val="accent5"/>
+      <a:schemeClr val="accent6"/>
+    </dgm:linClrLst>
+    <dgm:effectClrLst/>
+    <dgm:txLinClrLst/>
+    <dgm:txFillClrLst meth="repeat">
+      <a:schemeClr val="dk1"/>
+    </dgm:txFillClrLst>
+    <dgm:txEffectClrLst/>
+  </dgm:styleLbl>
+  <dgm:styleLbl name="solidBgAcc1">
+    <dgm:fillClrLst meth="repeat">
+      <a:schemeClr val="lt1"/>
+    </dgm:fillClrLst>
+    <dgm:linClrLst meth="repeat">
+      <a:schemeClr val="accent2"/>
+      <a:schemeClr val="accent3"/>
+      <a:schemeClr val="accent4"/>
+      <a:schemeClr val="accent5"/>
+      <a:schemeClr val="accent6"/>
+    </dgm:linClrLst>
+    <dgm:effectClrLst/>
+    <dgm:txLinClrLst/>
+    <dgm:txFillClrLst meth="repeat">
+      <a:schemeClr val="dk1"/>
+    </dgm:txFillClrLst>
+    <dgm:txEffectClrLst/>
+  </dgm:styleLbl>
+  <dgm:styleLbl name="fgAccFollowNode1">
+    <dgm:fillClrLst meth="repeat">
+      <a:schemeClr val="accent2">
+        <a:tint val="40000"/>
+        <a:alpha val="90000"/>
+      </a:schemeClr>
+      <a:schemeClr val="accent3">
+        <a:tint val="40000"/>
+        <a:alpha val="90000"/>
+      </a:schemeClr>
+      <a:schemeClr val="accent4">
+        <a:tint val="40000"/>
+        <a:alpha val="90000"/>
+      </a:schemeClr>
+      <a:schemeClr val="accent5">
+        <a:tint val="40000"/>
+        <a:alpha val="90000"/>
+      </a:schemeClr>
+      <a:schemeClr val="accent6">
+        <a:tint val="40000"/>
+        <a:alpha val="90000"/>
+      </a:schemeClr>
+    </dgm:fillClrLst>
+    <dgm:linClrLst meth="repeat">
+      <a:schemeClr val="accent2">
+        <a:tint val="40000"/>
+        <a:alpha val="90000"/>
+      </a:schemeClr>
+      <a:schemeClr val="accent3">
+        <a:tint val="40000"/>
+        <a:alpha val="90000"/>
+      </a:schemeClr>
+      <a:schemeClr val="accent4">
+        <a:tint val="40000"/>
+        <a:alpha val="90000"/>
+      </a:schemeClr>
+      <a:schemeClr val="accent5">
+        <a:tint val="40000"/>
+        <a:alpha val="90000"/>
+      </a:schemeClr>
+      <a:schemeClr val="accent6">
+        <a:tint val="40000"/>
+        <a:alpha val="90000"/>
+      </a:schemeClr>
+    </dgm:linClrLst>
+    <dgm:effectClrLst/>
+    <dgm:txLinClrLst/>
+    <dgm:txFillClrLst meth="repeat">
+      <a:schemeClr val="dk1"/>
+    </dgm:txFillClrLst>
+    <dgm:txEffectClrLst/>
+  </dgm:styleLbl>
+  <dgm:styleLbl name="alignAccFollowNode1">
+    <dgm:fillClrLst meth="repeat">
+      <a:schemeClr val="accent2">
+        <a:tint val="40000"/>
+        <a:alpha val="90000"/>
+      </a:schemeClr>
+      <a:schemeClr val="accent3">
+        <a:tint val="40000"/>
+        <a:alpha val="90000"/>
+      </a:schemeClr>
+      <a:schemeClr val="accent4">
+        <a:tint val="40000"/>
+        <a:alpha val="90000"/>
+      </a:schemeClr>
+      <a:schemeClr val="accent5">
+        <a:tint val="40000"/>
+        <a:alpha val="90000"/>
+      </a:schemeClr>
+      <a:schemeClr val="accent6">
+        <a:tint val="40000"/>
+        <a:alpha val="90000"/>
+      </a:schemeClr>
+    </dgm:fillClrLst>
+    <dgm:linClrLst meth="repeat">
+      <a:schemeClr val="accent2">
+        <a:tint val="40000"/>
+        <a:alpha val="90000"/>
+      </a:schemeClr>
+      <a:schemeClr val="accent3">
+        <a:tint val="40000"/>
+        <a:alpha val="90000"/>
+      </a:schemeClr>
+      <a:schemeClr val="accent4">
+        <a:tint val="40000"/>
+        <a:alpha val="90000"/>
+      </a:schemeClr>
+      <a:schemeClr val="accent5">
+        <a:tint val="40000"/>
+        <a:alpha val="90000"/>
+      </a:schemeClr>
+      <a:schemeClr val="accent6">
+        <a:tint val="40000"/>
+        <a:alpha val="90000"/>
+      </a:schemeClr>
+    </dgm:linClrLst>
+    <dgm:effectClrLst/>
+    <dgm:txLinClrLst/>
+    <dgm:txFillClrLst meth="repeat">
+      <a:schemeClr val="dk1"/>
+    </dgm:txFillClrLst>
+    <dgm:txEffectClrLst/>
+  </dgm:styleLbl>
+  <dgm:styleLbl name="bgAccFollowNode1">
+    <dgm:fillClrLst meth="repeat">
+      <a:schemeClr val="accent2">
+        <a:tint val="40000"/>
+        <a:alpha val="90000"/>
+      </a:schemeClr>
+      <a:schemeClr val="accent3">
+        <a:tint val="40000"/>
+        <a:alpha val="90000"/>
+      </a:schemeClr>
+      <a:schemeClr val="accent4">
+        <a:tint val="40000"/>
+        <a:alpha val="90000"/>
+      </a:schemeClr>
+      <a:schemeClr val="accent5">
+        <a:tint val="40000"/>
+        <a:alpha val="90000"/>
+      </a:schemeClr>
+      <a:schemeClr val="accent6">
+        <a:tint val="40000"/>
+        <a:alpha val="90000"/>
+      </a:schemeClr>
+    </dgm:fillClrLst>
+    <dgm:linClrLst meth="repeat">
+      <a:schemeClr val="accent2">
+        <a:tint val="40000"/>
+        <a:alpha val="90000"/>
+      </a:schemeClr>
+      <a:schemeClr val="accent3">
+        <a:tint val="40000"/>
+        <a:alpha val="90000"/>
+      </a:schemeClr>
+      <a:schemeClr val="accent4">
+        <a:tint val="40000"/>
+        <a:alpha val="90000"/>
+      </a:schemeClr>
+      <a:schemeClr val="accent5">
+        <a:tint val="40000"/>
+        <a:alpha val="90000"/>
+      </a:schemeClr>
+      <a:schemeClr val="accent6">
+        <a:tint val="40000"/>
+        <a:alpha val="90000"/>
+      </a:schemeClr>
+    </dgm:linClrLst>
+    <dgm:effectClrLst/>
+    <dgm:txLinClrLst/>
+    <dgm:txFillClrLst meth="repeat">
+      <a:schemeClr val="dk1"/>
+    </dgm:txFillClrLst>
+    <dgm:txEffectClrLst/>
+  </dgm:styleLbl>
+  <dgm:styleLbl name="fgAcc0">
+    <dgm:fillClrLst meth="repeat">
+      <a:schemeClr val="lt1">
+        <a:alpha val="90000"/>
+      </a:schemeClr>
+    </dgm:fillClrLst>
+    <dgm:linClrLst>
+      <a:schemeClr val="accent1"/>
+    </dgm:linClrLst>
+    <dgm:effectClrLst/>
+    <dgm:txLinClrLst/>
+    <dgm:txFillClrLst meth="repeat">
+      <a:schemeClr val="dk1"/>
+    </dgm:txFillClrLst>
+    <dgm:txEffectClrLst/>
+  </dgm:styleLbl>
+  <dgm:styleLbl name="fgAcc2">
+    <dgm:fillClrLst meth="repeat">
+      <a:schemeClr val="lt1">
+        <a:alpha val="90000"/>
+      </a:schemeClr>
+    </dgm:fillClrLst>
+    <dgm:linClrLst>
+      <a:schemeClr val="accent2"/>
+    </dgm:linClrLst>
+    <dgm:effectClrLst/>
+    <dgm:txLinClrLst/>
+    <dgm:txFillClrLst meth="repeat">
+      <a:schemeClr val="dk1"/>
+    </dgm:txFillClrLst>
+    <dgm:txEffectClrLst/>
+  </dgm:styleLbl>
+  <dgm:styleLbl name="fgAcc3">
+    <dgm:fillClrLst meth="repeat">
+      <a:schemeClr val="lt1">
+        <a:alpha val="90000"/>
+      </a:schemeClr>
+    </dgm:fillClrLst>
+    <dgm:linClrLst>
+      <a:schemeClr val="accent3"/>
+    </dgm:linClrLst>
+    <dgm:effectClrLst/>
+    <dgm:txLinClrLst/>
+    <dgm:txFillClrLst meth="repeat">
+      <a:schemeClr val="dk1"/>
+    </dgm:txFillClrLst>
+    <dgm:txEffectClrLst/>
+  </dgm:styleLbl>
+  <dgm:styleLbl name="fgAcc4">
+    <dgm:fillClrLst meth="repeat">
+      <a:schemeClr val="lt1">
+        <a:alpha val="90000"/>
+      </a:schemeClr>
+    </dgm:fillClrLst>
+    <dgm:linClrLst>
+      <a:schemeClr val="accent4"/>
+    </dgm:linClrLst>
+    <dgm:effectClrLst/>
+    <dgm:txLinClrLst/>
+    <dgm:txFillClrLst meth="repeat">
+      <a:schemeClr val="dk1"/>
+    </dgm:txFillClrLst>
+    <dgm:txEffectClrLst/>
+  </dgm:styleLbl>
+  <dgm:styleLbl name="bgShp">
+    <dgm:fillClrLst meth="repeat">
+      <a:schemeClr val="accent2"/>
+      <a:schemeClr val="accent3"/>
+      <a:schemeClr val="accent4"/>
+      <a:schemeClr val="accent5"/>
+      <a:schemeClr val="accent6"/>
+    </dgm:fillClrLst>
+    <dgm:linClrLst meth="repeat">
+      <a:schemeClr val="lt1">
+        <a:alpha val="0"/>
+      </a:schemeClr>
+    </dgm:linClrLst>
+    <dgm:effectClrLst/>
+    <dgm:txLinClrLst/>
+    <dgm:txFillClrLst/>
+    <dgm:txEffectClrLst/>
+  </dgm:styleLbl>
+  <dgm:styleLbl name="dkBgShp">
+    <dgm:fillClrLst meth="repeat">
+      <a:schemeClr val="accent2">
+        <a:shade val="90000"/>
+      </a:schemeClr>
+    </dgm:fillClrLst>
+    <dgm:linClrLst meth="repeat">
+      <a:schemeClr val="dk1"/>
+    </dgm:linClrLst>
+    <dgm:effectClrLst/>
+    <dgm:txLinClrLst/>
+    <dgm:txFillClrLst meth="repeat">
+      <a:schemeClr val="lt1"/>
+    </dgm:txFillClrLst>
+    <dgm:txEffectClrLst/>
+  </dgm:styleLbl>
+  <dgm:styleLbl name="trBgShp">
+    <dgm:fillClrLst meth="repeat">
+      <a:schemeClr val="accent1">
+        <a:tint val="50000"/>
+        <a:alpha val="40000"/>
+      </a:schemeClr>
+    </dgm:fillClrLst>
+    <dgm:linClrLst meth="repeat">
+      <a:schemeClr val="accent2"/>
+    </dgm:linClrLst>
+    <dgm:effectClrLst/>
+    <dgm:txLinClrLst/>
+    <dgm:txFillClrLst meth="repeat">
+      <a:schemeClr val="lt1"/>
+    </dgm:txFillClrLst>
+    <dgm:txEffectClrLst/>
+  </dgm:styleLbl>
+  <dgm:styleLbl name="fgShp">
+    <dgm:fillClrLst meth="repeat">
+      <a:schemeClr val="accent2">
+        <a:tint val="40000"/>
+      </a:schemeClr>
+    </dgm:fillClrLst>
+    <dgm:linClrLst meth="repeat">
+      <a:schemeClr val="lt1"/>
+    </dgm:linClrLst>
+    <dgm:effectClrLst/>
+    <dgm:txLinClrLst/>
+    <dgm:txFillClrLst meth="repeat">
+      <a:schemeClr val="dk1"/>
+    </dgm:txFillClrLst>
+    <dgm:txEffectClrLst/>
+  </dgm:styleLbl>
+  <dgm:styleLbl name="revTx">
+    <dgm:fillClrLst meth="repeat">
+      <a:schemeClr val="lt1">
+        <a:alpha val="0"/>
+      </a:schemeClr>
+    </dgm:fillClrLst>
+    <dgm:linClrLst meth="repeat">
+      <a:schemeClr val="dk1">
+        <a:alpha val="0"/>
+      </a:schemeClr>
+    </dgm:linClrLst>
+    <dgm:effectClrLst/>
+    <dgm:txLinClrLst/>
+    <dgm:txFillClrLst meth="repeat">
+      <a:schemeClr val="bg1"/>
+    </dgm:txFillClrLst>
+    <dgm:txEffectClrLst/>
+  </dgm:styleLbl>
+</dgm:colorsDef>
+</file>
+
 <file path=ppt/diagrams/data1.xml><?xml version="1.0" encoding="utf-8"?>
 <dgm:dataModel xmlns:dgm="http://schemas.openxmlformats.org/drawingml/2006/diagram" xmlns:a="http://schemas.openxmlformats.org/drawingml/2006/main">
   <dgm:ptLst>
@@ -1077,8 +2001,8 @@
             <a:defRPr cap="all"/>
           </a:pPr>
           <a:r>
-            <a:rPr lang="en-US"/>
-            <a:t>Talk about algorithms and search engines and their effect on out society</a:t>
+            <a:rPr lang="en-US" dirty="0"/>
+            <a:t>Talk about algorithmic bias and its effect on our society</a:t>
           </a:r>
         </a:p>
       </dgm:t>
@@ -1116,7 +2040,7 @@
             <a:defRPr cap="all"/>
           </a:pPr>
           <a:r>
-            <a:rPr lang="en-US"/>
+            <a:rPr lang="en-US" dirty="0"/>
             <a:t>Review algorithmic bias articles</a:t>
           </a:r>
         </a:p>
@@ -1155,8 +2079,8 @@
             <a:defRPr cap="all"/>
           </a:pPr>
           <a:r>
-            <a:rPr lang="en-US"/>
-            <a:t>Talk about this week’s activities</a:t>
+            <a:rPr lang="en-US" dirty="0"/>
+            <a:t>Talk about this week’s activity</a:t>
           </a:r>
         </a:p>
       </dgm:t>
@@ -1373,6 +2297,237 @@
     <dgm:cxn modelId="{80FAD536-DC27-4144-A680-A3175FFE2A5E}" type="presParOf" srcId="{88D933CE-B682-4594-BE85-A231202AF5A1}" destId="{B7E33E25-640D-4EFD-B37D-AF1F86A3B9FC}" srcOrd="1" destOrd="0" presId="urn:microsoft.com/office/officeart/2018/5/layout/IconCircleLabelList"/>
     <dgm:cxn modelId="{6513D9F5-19C0-42C8-8FA0-4F4B9C0DEBE4}" type="presParOf" srcId="{88D933CE-B682-4594-BE85-A231202AF5A1}" destId="{4BF753E8-845C-43BA-BFD2-162734C7FF7E}" srcOrd="2" destOrd="0" presId="urn:microsoft.com/office/officeart/2018/5/layout/IconCircleLabelList"/>
     <dgm:cxn modelId="{4B11FD56-8D29-47FF-A398-A89FEB2C4FAB}" type="presParOf" srcId="{88D933CE-B682-4594-BE85-A231202AF5A1}" destId="{E87ABB52-BD48-4673-A0D9-08C703EEF706}" srcOrd="3" destOrd="0" presId="urn:microsoft.com/office/officeart/2018/5/layout/IconCircleLabelList"/>
+  </dgm:cxnLst>
+  <dgm:bg/>
+  <dgm:whole/>
+  <dgm:extLst>
+    <a:ext uri="http://schemas.microsoft.com/office/drawing/2008/diagram">
+      <dsp:dataModelExt xmlns:dsp="http://schemas.microsoft.com/office/drawing/2008/diagram" relId="rId6" minVer="http://schemas.openxmlformats.org/drawingml/2006/diagram"/>
+    </a:ext>
+  </dgm:extLst>
+</dgm:dataModel>
+</file>
+
+<file path=ppt/diagrams/data2.xml><?xml version="1.0" encoding="utf-8"?>
+<dgm:dataModel xmlns:dgm="http://schemas.openxmlformats.org/drawingml/2006/diagram" xmlns:a="http://schemas.openxmlformats.org/drawingml/2006/main">
+  <dgm:ptLst>
+    <dgm:pt modelId="{CBD62F78-6E63-4B3C-A36B-D81C09806475}" type="doc">
+      <dgm:prSet loTypeId="urn:microsoft.com/office/officeart/2018/2/layout/IconVerticalSolidList" loCatId="icon" qsTypeId="urn:microsoft.com/office/officeart/2005/8/quickstyle/simple1" qsCatId="simple" csTypeId="urn:microsoft.com/office/officeart/2018/5/colors/Iconchunking_neutralicontext_colorful1" csCatId="colorful" phldr="1"/>
+      <dgm:spPr/>
+      <dgm:t>
+        <a:bodyPr/>
+        <a:lstStyle/>
+        <a:p>
+          <a:endParaRPr lang="en-US"/>
+        </a:p>
+      </dgm:t>
+    </dgm:pt>
+    <dgm:pt modelId="{9BCA0EA6-4547-473C-B4A4-D60AB28BA3AD}">
+      <dgm:prSet/>
+      <dgm:spPr/>
+      <dgm:t>
+        <a:bodyPr/>
+        <a:lstStyle/>
+        <a:p>
+          <a:r>
+            <a:rPr lang="en-US"/>
+            <a:t>Most people think of the Web as their favorite social media platforms and a few other sites they visit frequently. However, Ricardo Baeza-Yates is looking at the bigger picture. The way he sees it is… </a:t>
+          </a:r>
+        </a:p>
+      </dgm:t>
+    </dgm:pt>
+    <dgm:pt modelId="{F2E7854A-4A83-4B35-A87D-68ACA69F67A6}" type="parTrans" cxnId="{D2611D12-E2CD-4D19-A2A7-C30BF0C8F6CE}">
+      <dgm:prSet/>
+      <dgm:spPr/>
+      <dgm:t>
+        <a:bodyPr/>
+        <a:lstStyle/>
+        <a:p>
+          <a:endParaRPr lang="en-US"/>
+        </a:p>
+      </dgm:t>
+    </dgm:pt>
+    <dgm:pt modelId="{9C3BB2BC-C40D-47AB-896E-B9AC5F35204D}" type="sibTrans" cxnId="{D2611D12-E2CD-4D19-A2A7-C30BF0C8F6CE}">
+      <dgm:prSet/>
+      <dgm:spPr/>
+      <dgm:t>
+        <a:bodyPr/>
+        <a:lstStyle/>
+        <a:p>
+          <a:endParaRPr lang="en-US"/>
+        </a:p>
+      </dgm:t>
+    </dgm:pt>
+    <dgm:pt modelId="{C7801EB6-7970-4F0E-8940-571DE68CAEFD}">
+      <dgm:prSet/>
+      <dgm:spPr/>
+      <dgm:t>
+        <a:bodyPr/>
+        <a:lstStyle/>
+        <a:p>
+          <a:r>
+            <a:rPr lang="en-US" dirty="0"/>
+            <a:t>“</a:t>
+          </a:r>
+          <a:r>
+            <a:rPr lang="en-CA" dirty="0"/>
+            <a:t>The Web is the largest public big data repository that humankind has created. In this overwhelming data ocean we need to be aware of the quality of data extracted from it.”</a:t>
+          </a:r>
+          <a:endParaRPr lang="en-US" dirty="0"/>
+        </a:p>
+      </dgm:t>
+    </dgm:pt>
+    <dgm:pt modelId="{4CE2A088-E5AC-4BB4-823D-CB6DB92BA22A}" type="parTrans" cxnId="{6C99F4B0-BD5E-45B1-8096-9590BED4605B}">
+      <dgm:prSet/>
+      <dgm:spPr/>
+      <dgm:t>
+        <a:bodyPr/>
+        <a:lstStyle/>
+        <a:p>
+          <a:endParaRPr lang="en-US"/>
+        </a:p>
+      </dgm:t>
+    </dgm:pt>
+    <dgm:pt modelId="{3A042F9D-6D9C-42FC-B7AA-0051C6D01B6B}" type="sibTrans" cxnId="{6C99F4B0-BD5E-45B1-8096-9590BED4605B}">
+      <dgm:prSet/>
+      <dgm:spPr/>
+      <dgm:t>
+        <a:bodyPr/>
+        <a:lstStyle/>
+        <a:p>
+          <a:endParaRPr lang="en-US"/>
+        </a:p>
+      </dgm:t>
+    </dgm:pt>
+    <dgm:pt modelId="{DB163E8B-C76F-40FA-919C-BA4F2AE2724D}" type="pres">
+      <dgm:prSet presAssocID="{CBD62F78-6E63-4B3C-A36B-D81C09806475}" presName="root" presStyleCnt="0">
+        <dgm:presLayoutVars>
+          <dgm:dir/>
+          <dgm:resizeHandles val="exact"/>
+        </dgm:presLayoutVars>
+      </dgm:prSet>
+      <dgm:spPr/>
+    </dgm:pt>
+    <dgm:pt modelId="{A0B6DA39-2BE0-4843-8B01-90289344E15F}" type="pres">
+      <dgm:prSet presAssocID="{9BCA0EA6-4547-473C-B4A4-D60AB28BA3AD}" presName="compNode" presStyleCnt="0"/>
+      <dgm:spPr/>
+    </dgm:pt>
+    <dgm:pt modelId="{5D2FCD1E-F573-41C9-8618-35318E8FE1C8}" type="pres">
+      <dgm:prSet presAssocID="{9BCA0EA6-4547-473C-B4A4-D60AB28BA3AD}" presName="bgRect" presStyleLbl="bgShp" presStyleIdx="0" presStyleCnt="2"/>
+      <dgm:spPr/>
+    </dgm:pt>
+    <dgm:pt modelId="{7D17C6EE-9C89-46A3-A69C-235BE89C146E}" type="pres">
+      <dgm:prSet presAssocID="{9BCA0EA6-4547-473C-B4A4-D60AB28BA3AD}" presName="iconRect" presStyleLbl="node1" presStyleIdx="0" presStyleCnt="2"/>
+      <dgm:spPr>
+        <a:blipFill>
+          <a:blip xmlns:r="http://schemas.openxmlformats.org/officeDocument/2006/relationships" r:embed="rId1">
+            <a:extLst>
+              <a:ext uri="{28A0092B-C50C-407E-A947-70E740481C1C}">
+                <a14:useLocalDpi xmlns:a14="http://schemas.microsoft.com/office/drawing/2010/main" val="0"/>
+              </a:ext>
+              <a:ext uri="{96DAC541-7B7A-43D3-8B79-37D633B846F1}">
+                <asvg:svgBlip xmlns:asvg="http://schemas.microsoft.com/office/drawing/2016/SVG/main" r:embed="rId2"/>
+              </a:ext>
+            </a:extLst>
+          </a:blip>
+          <a:stretch>
+            <a:fillRect/>
+          </a:stretch>
+        </a:blipFill>
+        <a:ln>
+          <a:noFill/>
+        </a:ln>
+      </dgm:spPr>
+      <dgm:extLst>
+        <a:ext uri="{E40237B7-FDA0-4F09-8148-C483321AD2D9}">
+          <dgm14:cNvPr xmlns:dgm14="http://schemas.microsoft.com/office/drawing/2010/diagram" id="0" name="" descr="Connections"/>
+        </a:ext>
+      </dgm:extLst>
+    </dgm:pt>
+    <dgm:pt modelId="{120F705B-D907-4A19-B0D6-9795960B7ED7}" type="pres">
+      <dgm:prSet presAssocID="{9BCA0EA6-4547-473C-B4A4-D60AB28BA3AD}" presName="spaceRect" presStyleCnt="0"/>
+      <dgm:spPr/>
+    </dgm:pt>
+    <dgm:pt modelId="{F6C63613-AFAF-429A-82B6-FBED62362F94}" type="pres">
+      <dgm:prSet presAssocID="{9BCA0EA6-4547-473C-B4A4-D60AB28BA3AD}" presName="parTx" presStyleLbl="revTx" presStyleIdx="0" presStyleCnt="2">
+        <dgm:presLayoutVars>
+          <dgm:chMax val="0"/>
+          <dgm:chPref val="0"/>
+        </dgm:presLayoutVars>
+      </dgm:prSet>
+      <dgm:spPr/>
+    </dgm:pt>
+    <dgm:pt modelId="{D5114532-B93A-47A5-AB97-EDA5BAB0511F}" type="pres">
+      <dgm:prSet presAssocID="{9C3BB2BC-C40D-47AB-896E-B9AC5F35204D}" presName="sibTrans" presStyleCnt="0"/>
+      <dgm:spPr/>
+    </dgm:pt>
+    <dgm:pt modelId="{554DDDF2-8612-4557-9444-E5BF90BD985B}" type="pres">
+      <dgm:prSet presAssocID="{C7801EB6-7970-4F0E-8940-571DE68CAEFD}" presName="compNode" presStyleCnt="0"/>
+      <dgm:spPr/>
+    </dgm:pt>
+    <dgm:pt modelId="{AB35531C-764F-4FA8-8E57-C5AC0641161B}" type="pres">
+      <dgm:prSet presAssocID="{C7801EB6-7970-4F0E-8940-571DE68CAEFD}" presName="bgRect" presStyleLbl="bgShp" presStyleIdx="1" presStyleCnt="2"/>
+      <dgm:spPr/>
+    </dgm:pt>
+    <dgm:pt modelId="{98FC2501-E34A-4B67-A3B7-939FC632DE77}" type="pres">
+      <dgm:prSet presAssocID="{C7801EB6-7970-4F0E-8940-571DE68CAEFD}" presName="iconRect" presStyleLbl="node1" presStyleIdx="1" presStyleCnt="2"/>
+      <dgm:spPr>
+        <a:blipFill>
+          <a:blip xmlns:r="http://schemas.openxmlformats.org/officeDocument/2006/relationships" r:embed="rId3">
+            <a:extLst>
+              <a:ext uri="{28A0092B-C50C-407E-A947-70E740481C1C}">
+                <a14:useLocalDpi xmlns:a14="http://schemas.microsoft.com/office/drawing/2010/main" val="0"/>
+              </a:ext>
+              <a:ext uri="{96DAC541-7B7A-43D3-8B79-37D633B846F1}">
+                <asvg:svgBlip xmlns:asvg="http://schemas.microsoft.com/office/drawing/2016/SVG/main" r:embed="rId4"/>
+              </a:ext>
+            </a:extLst>
+          </a:blip>
+          <a:stretch>
+            <a:fillRect/>
+          </a:stretch>
+        </a:blipFill>
+        <a:ln>
+          <a:noFill/>
+        </a:ln>
+      </dgm:spPr>
+      <dgm:extLst>
+        <a:ext uri="{E40237B7-FDA0-4F09-8148-C483321AD2D9}">
+          <dgm14:cNvPr xmlns:dgm14="http://schemas.microsoft.com/office/drawing/2010/diagram" id="0" name="" descr="Processor"/>
+        </a:ext>
+      </dgm:extLst>
+    </dgm:pt>
+    <dgm:pt modelId="{0738D609-0A72-4AFE-A4DB-C9532B720A48}" type="pres">
+      <dgm:prSet presAssocID="{C7801EB6-7970-4F0E-8940-571DE68CAEFD}" presName="spaceRect" presStyleCnt="0"/>
+      <dgm:spPr/>
+    </dgm:pt>
+    <dgm:pt modelId="{5B3E8FFA-74B6-42C4-96D0-F823289A9CDC}" type="pres">
+      <dgm:prSet presAssocID="{C7801EB6-7970-4F0E-8940-571DE68CAEFD}" presName="parTx" presStyleLbl="revTx" presStyleIdx="1" presStyleCnt="2">
+        <dgm:presLayoutVars>
+          <dgm:chMax val="0"/>
+          <dgm:chPref val="0"/>
+        </dgm:presLayoutVars>
+      </dgm:prSet>
+      <dgm:spPr/>
+    </dgm:pt>
+  </dgm:ptLst>
+  <dgm:cxnLst>
+    <dgm:cxn modelId="{D2611D12-E2CD-4D19-A2A7-C30BF0C8F6CE}" srcId="{CBD62F78-6E63-4B3C-A36B-D81C09806475}" destId="{9BCA0EA6-4547-473C-B4A4-D60AB28BA3AD}" srcOrd="0" destOrd="0" parTransId="{F2E7854A-4A83-4B35-A87D-68ACA69F67A6}" sibTransId="{9C3BB2BC-C40D-47AB-896E-B9AC5F35204D}"/>
+    <dgm:cxn modelId="{E37EE0A0-7FFD-46FB-877E-417504F44C92}" type="presOf" srcId="{C7801EB6-7970-4F0E-8940-571DE68CAEFD}" destId="{5B3E8FFA-74B6-42C4-96D0-F823289A9CDC}" srcOrd="0" destOrd="0" presId="urn:microsoft.com/office/officeart/2018/2/layout/IconVerticalSolidList"/>
+    <dgm:cxn modelId="{6C99F4B0-BD5E-45B1-8096-9590BED4605B}" srcId="{CBD62F78-6E63-4B3C-A36B-D81C09806475}" destId="{C7801EB6-7970-4F0E-8940-571DE68CAEFD}" srcOrd="1" destOrd="0" parTransId="{4CE2A088-E5AC-4BB4-823D-CB6DB92BA22A}" sibTransId="{3A042F9D-6D9C-42FC-B7AA-0051C6D01B6B}"/>
+    <dgm:cxn modelId="{1F9B5CB1-EA59-41E5-830A-DCE7D6EAE5D0}" type="presOf" srcId="{9BCA0EA6-4547-473C-B4A4-D60AB28BA3AD}" destId="{F6C63613-AFAF-429A-82B6-FBED62362F94}" srcOrd="0" destOrd="0" presId="urn:microsoft.com/office/officeart/2018/2/layout/IconVerticalSolidList"/>
+    <dgm:cxn modelId="{75C3DBF7-9198-4E68-BE97-8334207B8390}" type="presOf" srcId="{CBD62F78-6E63-4B3C-A36B-D81C09806475}" destId="{DB163E8B-C76F-40FA-919C-BA4F2AE2724D}" srcOrd="0" destOrd="0" presId="urn:microsoft.com/office/officeart/2018/2/layout/IconVerticalSolidList"/>
+    <dgm:cxn modelId="{8730B669-2ACA-43F5-B91F-83AC0B979B7B}" type="presParOf" srcId="{DB163E8B-C76F-40FA-919C-BA4F2AE2724D}" destId="{A0B6DA39-2BE0-4843-8B01-90289344E15F}" srcOrd="0" destOrd="0" presId="urn:microsoft.com/office/officeart/2018/2/layout/IconVerticalSolidList"/>
+    <dgm:cxn modelId="{BFCF1C4F-CE36-4E8D-B78B-CFDF6FBC2E32}" type="presParOf" srcId="{A0B6DA39-2BE0-4843-8B01-90289344E15F}" destId="{5D2FCD1E-F573-41C9-8618-35318E8FE1C8}" srcOrd="0" destOrd="0" presId="urn:microsoft.com/office/officeart/2018/2/layout/IconVerticalSolidList"/>
+    <dgm:cxn modelId="{0F9F9B1B-7CBA-47A4-872A-097F496F4349}" type="presParOf" srcId="{A0B6DA39-2BE0-4843-8B01-90289344E15F}" destId="{7D17C6EE-9C89-46A3-A69C-235BE89C146E}" srcOrd="1" destOrd="0" presId="urn:microsoft.com/office/officeart/2018/2/layout/IconVerticalSolidList"/>
+    <dgm:cxn modelId="{5D7E5831-7D9C-4084-9470-431BA16E81BC}" type="presParOf" srcId="{A0B6DA39-2BE0-4843-8B01-90289344E15F}" destId="{120F705B-D907-4A19-B0D6-9795960B7ED7}" srcOrd="2" destOrd="0" presId="urn:microsoft.com/office/officeart/2018/2/layout/IconVerticalSolidList"/>
+    <dgm:cxn modelId="{AB0BC464-4FBB-486E-ADB6-D8C8C6FF415B}" type="presParOf" srcId="{A0B6DA39-2BE0-4843-8B01-90289344E15F}" destId="{F6C63613-AFAF-429A-82B6-FBED62362F94}" srcOrd="3" destOrd="0" presId="urn:microsoft.com/office/officeart/2018/2/layout/IconVerticalSolidList"/>
+    <dgm:cxn modelId="{025FD194-D4DA-4331-BB4D-1E98B8F04F83}" type="presParOf" srcId="{DB163E8B-C76F-40FA-919C-BA4F2AE2724D}" destId="{D5114532-B93A-47A5-AB97-EDA5BAB0511F}" srcOrd="1" destOrd="0" presId="urn:microsoft.com/office/officeart/2018/2/layout/IconVerticalSolidList"/>
+    <dgm:cxn modelId="{637D39E6-EDE3-4D5C-A9F5-941D99531FA4}" type="presParOf" srcId="{DB163E8B-C76F-40FA-919C-BA4F2AE2724D}" destId="{554DDDF2-8612-4557-9444-E5BF90BD985B}" srcOrd="2" destOrd="0" presId="urn:microsoft.com/office/officeart/2018/2/layout/IconVerticalSolidList"/>
+    <dgm:cxn modelId="{BB94C44D-6BCE-4204-8482-C4420773C0DB}" type="presParOf" srcId="{554DDDF2-8612-4557-9444-E5BF90BD985B}" destId="{AB35531C-764F-4FA8-8E57-C5AC0641161B}" srcOrd="0" destOrd="0" presId="urn:microsoft.com/office/officeart/2018/2/layout/IconVerticalSolidList"/>
+    <dgm:cxn modelId="{4EC14FD6-A95F-4A95-8100-5D9A05848554}" type="presParOf" srcId="{554DDDF2-8612-4557-9444-E5BF90BD985B}" destId="{98FC2501-E34A-4B67-A3B7-939FC632DE77}" srcOrd="1" destOrd="0" presId="urn:microsoft.com/office/officeart/2018/2/layout/IconVerticalSolidList"/>
+    <dgm:cxn modelId="{BCF27CE6-2D97-4E4C-AAFE-10A47630539C}" type="presParOf" srcId="{554DDDF2-8612-4557-9444-E5BF90BD985B}" destId="{0738D609-0A72-4AFE-A4DB-C9532B720A48}" srcOrd="2" destOrd="0" presId="urn:microsoft.com/office/officeart/2018/2/layout/IconVerticalSolidList"/>
+    <dgm:cxn modelId="{E4F93CEC-19F1-413E-B16C-CA14DCE287B9}" type="presParOf" srcId="{554DDDF2-8612-4557-9444-E5BF90BD985B}" destId="{5B3E8FFA-74B6-42C4-96D0-F823289A9CDC}" srcOrd="3" destOrd="0" presId="urn:microsoft.com/office/officeart/2018/2/layout/IconVerticalSolidList"/>
   </dgm:cxnLst>
   <dgm:bg/>
   <dgm:whole/>
@@ -1518,7 +2673,7 @@
         </a:bodyPr>
         <a:lstStyle/>
         <a:p>
-          <a:pPr marL="0" lvl="0" indent="0" algn="ctr" defTabSz="711200">
+          <a:pPr marL="0" lvl="0" indent="0" algn="ctr" defTabSz="755650">
             <a:lnSpc>
               <a:spcPct val="90000"/>
             </a:lnSpc>
@@ -1532,8 +2687,8 @@
             <a:defRPr cap="all"/>
           </a:pPr>
           <a:r>
-            <a:rPr lang="en-US" sz="1600" kern="1200"/>
-            <a:t>Talk about algorithms and search engines and their effect on out society</a:t>
+            <a:rPr lang="en-US" sz="1700" kern="1200" dirty="0"/>
+            <a:t>Talk about algorithmic bias and its effect on our society</a:t>
           </a:r>
         </a:p>
       </dsp:txBody>
@@ -1668,7 +2823,7 @@
         </a:bodyPr>
         <a:lstStyle/>
         <a:p>
-          <a:pPr marL="0" lvl="0" indent="0" algn="ctr" defTabSz="711200">
+          <a:pPr marL="0" lvl="0" indent="0" algn="ctr" defTabSz="755650">
             <a:lnSpc>
               <a:spcPct val="90000"/>
             </a:lnSpc>
@@ -1682,7 +2837,7 @@
             <a:defRPr cap="all"/>
           </a:pPr>
           <a:r>
-            <a:rPr lang="en-US" sz="1600" kern="1200"/>
+            <a:rPr lang="en-US" sz="1700" kern="1200" dirty="0"/>
             <a:t>Review algorithmic bias articles</a:t>
           </a:r>
         </a:p>
@@ -1818,7 +2973,7 @@
         </a:bodyPr>
         <a:lstStyle/>
         <a:p>
-          <a:pPr marL="0" lvl="0" indent="0" algn="ctr" defTabSz="711200">
+          <a:pPr marL="0" lvl="0" indent="0" algn="ctr" defTabSz="755650">
             <a:lnSpc>
               <a:spcPct val="90000"/>
             </a:lnSpc>
@@ -1832,14 +2987,333 @@
             <a:defRPr cap="all"/>
           </a:pPr>
           <a:r>
-            <a:rPr lang="en-US" sz="1600" kern="1200"/>
-            <a:t>Talk about this week’s activities</a:t>
+            <a:rPr lang="en-US" sz="1700" kern="1200" dirty="0"/>
+            <a:t>Talk about this week’s activity</a:t>
           </a:r>
         </a:p>
       </dsp:txBody>
       <dsp:txXfrm>
         <a:off x="7341509" y="3145212"/>
         <a:ext cx="3093750" cy="720000"/>
+      </dsp:txXfrm>
+    </dsp:sp>
+  </dsp:spTree>
+</dsp:drawing>
+</file>
+
+<file path=ppt/diagrams/drawing2.xml><?xml version="1.0" encoding="utf-8"?>
+<dsp:drawing xmlns:dgm="http://schemas.openxmlformats.org/drawingml/2006/diagram" xmlns:dsp="http://schemas.microsoft.com/office/drawing/2008/diagram" xmlns:a="http://schemas.openxmlformats.org/drawingml/2006/main">
+  <dsp:spTree>
+    <dsp:nvGrpSpPr>
+      <dsp:cNvPr id="0" name=""/>
+      <dsp:cNvGrpSpPr/>
+    </dsp:nvGrpSpPr>
+    <dsp:grpSpPr/>
+    <dsp:sp modelId="{5D2FCD1E-F573-41C9-8618-35318E8FE1C8}">
+      <dsp:nvSpPr>
+        <dsp:cNvPr id="0" name=""/>
+        <dsp:cNvSpPr/>
+      </dsp:nvSpPr>
+      <dsp:spPr>
+        <a:xfrm>
+          <a:off x="0" y="737006"/>
+          <a:ext cx="10506456" cy="1360627"/>
+        </a:xfrm>
+        <a:prstGeom prst="roundRect">
+          <a:avLst>
+            <a:gd name="adj" fmla="val 10000"/>
+          </a:avLst>
+        </a:prstGeom>
+        <a:solidFill>
+          <a:schemeClr val="accent2">
+            <a:hueOff val="0"/>
+            <a:satOff val="0"/>
+            <a:lumOff val="0"/>
+            <a:alphaOff val="0"/>
+          </a:schemeClr>
+        </a:solidFill>
+        <a:ln>
+          <a:noFill/>
+        </a:ln>
+        <a:effectLst/>
+      </dsp:spPr>
+      <dsp:style>
+        <a:lnRef idx="0">
+          <a:scrgbClr r="0" g="0" b="0"/>
+        </a:lnRef>
+        <a:fillRef idx="1">
+          <a:scrgbClr r="0" g="0" b="0"/>
+        </a:fillRef>
+        <a:effectRef idx="0">
+          <a:scrgbClr r="0" g="0" b="0"/>
+        </a:effectRef>
+        <a:fontRef idx="minor"/>
+      </dsp:style>
+    </dsp:sp>
+    <dsp:sp modelId="{7D17C6EE-9C89-46A3-A69C-235BE89C146E}">
+      <dsp:nvSpPr>
+        <dsp:cNvPr id="0" name=""/>
+        <dsp:cNvSpPr/>
+      </dsp:nvSpPr>
+      <dsp:spPr>
+        <a:xfrm>
+          <a:off x="411589" y="1043147"/>
+          <a:ext cx="748344" cy="748344"/>
+        </a:xfrm>
+        <a:prstGeom prst="rect">
+          <a:avLst/>
+        </a:prstGeom>
+        <a:blipFill>
+          <a:blip xmlns:r="http://schemas.openxmlformats.org/officeDocument/2006/relationships" r:embed="rId1">
+            <a:extLst>
+              <a:ext uri="{28A0092B-C50C-407E-A947-70E740481C1C}">
+                <a14:useLocalDpi xmlns:a14="http://schemas.microsoft.com/office/drawing/2010/main" val="0"/>
+              </a:ext>
+              <a:ext uri="{96DAC541-7B7A-43D3-8B79-37D633B846F1}">
+                <asvg:svgBlip xmlns:asvg="http://schemas.microsoft.com/office/drawing/2016/SVG/main" r:embed="rId2"/>
+              </a:ext>
+            </a:extLst>
+          </a:blip>
+          <a:stretch>
+            <a:fillRect/>
+          </a:stretch>
+        </a:blipFill>
+        <a:ln w="12700" cap="flat" cmpd="sng" algn="ctr">
+          <a:noFill/>
+          <a:prstDash val="solid"/>
+          <a:miter lim="800000"/>
+        </a:ln>
+        <a:effectLst/>
+      </dsp:spPr>
+      <dsp:style>
+        <a:lnRef idx="2">
+          <a:scrgbClr r="0" g="0" b="0"/>
+        </a:lnRef>
+        <a:fillRef idx="1">
+          <a:scrgbClr r="0" g="0" b="0"/>
+        </a:fillRef>
+        <a:effectRef idx="0">
+          <a:scrgbClr r="0" g="0" b="0"/>
+        </a:effectRef>
+        <a:fontRef idx="minor">
+          <a:schemeClr val="lt1"/>
+        </a:fontRef>
+      </dsp:style>
+    </dsp:sp>
+    <dsp:sp modelId="{F6C63613-AFAF-429A-82B6-FBED62362F94}">
+      <dsp:nvSpPr>
+        <dsp:cNvPr id="0" name=""/>
+        <dsp:cNvSpPr/>
+      </dsp:nvSpPr>
+      <dsp:spPr>
+        <a:xfrm>
+          <a:off x="1571524" y="737006"/>
+          <a:ext cx="8934931" cy="1360627"/>
+        </a:xfrm>
+        <a:prstGeom prst="rect">
+          <a:avLst/>
+        </a:prstGeom>
+        <a:noFill/>
+        <a:ln>
+          <a:noFill/>
+        </a:ln>
+        <a:effectLst/>
+      </dsp:spPr>
+      <dsp:style>
+        <a:lnRef idx="0">
+          <a:scrgbClr r="0" g="0" b="0"/>
+        </a:lnRef>
+        <a:fillRef idx="0">
+          <a:scrgbClr r="0" g="0" b="0"/>
+        </a:fillRef>
+        <a:effectRef idx="0">
+          <a:scrgbClr r="0" g="0" b="0"/>
+        </a:effectRef>
+        <a:fontRef idx="minor"/>
+      </dsp:style>
+      <dsp:txBody>
+        <a:bodyPr spcFirstLastPara="0" vert="horz" wrap="square" lIns="144000" tIns="144000" rIns="144000" bIns="144000" numCol="1" spcCol="1270" anchor="ctr" anchorCtr="0">
+          <a:noAutofit/>
+        </a:bodyPr>
+        <a:lstStyle/>
+        <a:p>
+          <a:pPr marL="0" lvl="0" indent="0" algn="l" defTabSz="933450">
+            <a:lnSpc>
+              <a:spcPct val="90000"/>
+            </a:lnSpc>
+            <a:spcBef>
+              <a:spcPct val="0"/>
+            </a:spcBef>
+            <a:spcAft>
+              <a:spcPct val="35000"/>
+            </a:spcAft>
+            <a:buNone/>
+          </a:pPr>
+          <a:r>
+            <a:rPr lang="en-US" sz="2100" kern="1200"/>
+            <a:t>Most people think of the Web as their favorite social media platforms and a few other sites they visit frequently. However, Ricardo Baeza-Yates is looking at the bigger picture. The way he sees it is… </a:t>
+          </a:r>
+        </a:p>
+      </dsp:txBody>
+      <dsp:txXfrm>
+        <a:off x="1571524" y="737006"/>
+        <a:ext cx="8934931" cy="1360627"/>
+      </dsp:txXfrm>
+    </dsp:sp>
+    <dsp:sp modelId="{AB35531C-764F-4FA8-8E57-C5AC0641161B}">
+      <dsp:nvSpPr>
+        <dsp:cNvPr id="0" name=""/>
+        <dsp:cNvSpPr/>
+      </dsp:nvSpPr>
+      <dsp:spPr>
+        <a:xfrm>
+          <a:off x="0" y="2437790"/>
+          <a:ext cx="10506456" cy="1360627"/>
+        </a:xfrm>
+        <a:prstGeom prst="roundRect">
+          <a:avLst>
+            <a:gd name="adj" fmla="val 10000"/>
+          </a:avLst>
+        </a:prstGeom>
+        <a:solidFill>
+          <a:schemeClr val="accent3">
+            <a:hueOff val="0"/>
+            <a:satOff val="0"/>
+            <a:lumOff val="0"/>
+            <a:alphaOff val="0"/>
+          </a:schemeClr>
+        </a:solidFill>
+        <a:ln>
+          <a:noFill/>
+        </a:ln>
+        <a:effectLst/>
+      </dsp:spPr>
+      <dsp:style>
+        <a:lnRef idx="0">
+          <a:scrgbClr r="0" g="0" b="0"/>
+        </a:lnRef>
+        <a:fillRef idx="1">
+          <a:scrgbClr r="0" g="0" b="0"/>
+        </a:fillRef>
+        <a:effectRef idx="0">
+          <a:scrgbClr r="0" g="0" b="0"/>
+        </a:effectRef>
+        <a:fontRef idx="minor"/>
+      </dsp:style>
+    </dsp:sp>
+    <dsp:sp modelId="{98FC2501-E34A-4B67-A3B7-939FC632DE77}">
+      <dsp:nvSpPr>
+        <dsp:cNvPr id="0" name=""/>
+        <dsp:cNvSpPr/>
+      </dsp:nvSpPr>
+      <dsp:spPr>
+        <a:xfrm>
+          <a:off x="411589" y="2743931"/>
+          <a:ext cx="748344" cy="748344"/>
+        </a:xfrm>
+        <a:prstGeom prst="rect">
+          <a:avLst/>
+        </a:prstGeom>
+        <a:blipFill>
+          <a:blip xmlns:r="http://schemas.openxmlformats.org/officeDocument/2006/relationships" r:embed="rId3">
+            <a:extLst>
+              <a:ext uri="{28A0092B-C50C-407E-A947-70E740481C1C}">
+                <a14:useLocalDpi xmlns:a14="http://schemas.microsoft.com/office/drawing/2010/main" val="0"/>
+              </a:ext>
+              <a:ext uri="{96DAC541-7B7A-43D3-8B79-37D633B846F1}">
+                <asvg:svgBlip xmlns:asvg="http://schemas.microsoft.com/office/drawing/2016/SVG/main" r:embed="rId4"/>
+              </a:ext>
+            </a:extLst>
+          </a:blip>
+          <a:stretch>
+            <a:fillRect/>
+          </a:stretch>
+        </a:blipFill>
+        <a:ln w="12700" cap="flat" cmpd="sng" algn="ctr">
+          <a:noFill/>
+          <a:prstDash val="solid"/>
+          <a:miter lim="800000"/>
+        </a:ln>
+        <a:effectLst/>
+      </dsp:spPr>
+      <dsp:style>
+        <a:lnRef idx="2">
+          <a:scrgbClr r="0" g="0" b="0"/>
+        </a:lnRef>
+        <a:fillRef idx="1">
+          <a:scrgbClr r="0" g="0" b="0"/>
+        </a:fillRef>
+        <a:effectRef idx="0">
+          <a:scrgbClr r="0" g="0" b="0"/>
+        </a:effectRef>
+        <a:fontRef idx="minor">
+          <a:schemeClr val="lt1"/>
+        </a:fontRef>
+      </dsp:style>
+    </dsp:sp>
+    <dsp:sp modelId="{5B3E8FFA-74B6-42C4-96D0-F823289A9CDC}">
+      <dsp:nvSpPr>
+        <dsp:cNvPr id="0" name=""/>
+        <dsp:cNvSpPr/>
+      </dsp:nvSpPr>
+      <dsp:spPr>
+        <a:xfrm>
+          <a:off x="1571524" y="2437790"/>
+          <a:ext cx="8934931" cy="1360627"/>
+        </a:xfrm>
+        <a:prstGeom prst="rect">
+          <a:avLst/>
+        </a:prstGeom>
+        <a:noFill/>
+        <a:ln>
+          <a:noFill/>
+        </a:ln>
+        <a:effectLst/>
+      </dsp:spPr>
+      <dsp:style>
+        <a:lnRef idx="0">
+          <a:scrgbClr r="0" g="0" b="0"/>
+        </a:lnRef>
+        <a:fillRef idx="0">
+          <a:scrgbClr r="0" g="0" b="0"/>
+        </a:fillRef>
+        <a:effectRef idx="0">
+          <a:scrgbClr r="0" g="0" b="0"/>
+        </a:effectRef>
+        <a:fontRef idx="minor"/>
+      </dsp:style>
+      <dsp:txBody>
+        <a:bodyPr spcFirstLastPara="0" vert="horz" wrap="square" lIns="144000" tIns="144000" rIns="144000" bIns="144000" numCol="1" spcCol="1270" anchor="ctr" anchorCtr="0">
+          <a:noAutofit/>
+        </a:bodyPr>
+        <a:lstStyle/>
+        <a:p>
+          <a:pPr marL="0" lvl="0" indent="0" algn="l" defTabSz="933450">
+            <a:lnSpc>
+              <a:spcPct val="90000"/>
+            </a:lnSpc>
+            <a:spcBef>
+              <a:spcPct val="0"/>
+            </a:spcBef>
+            <a:spcAft>
+              <a:spcPct val="35000"/>
+            </a:spcAft>
+            <a:buNone/>
+          </a:pPr>
+          <a:r>
+            <a:rPr lang="en-US" sz="2100" kern="1200" dirty="0"/>
+            <a:t>“</a:t>
+          </a:r>
+          <a:r>
+            <a:rPr lang="en-CA" sz="2100" kern="1200" dirty="0"/>
+            <a:t>The Web is the largest public big data repository that humankind has created. In this overwhelming data ocean we need to be aware of the quality of data extracted from it.”</a:t>
+          </a:r>
+          <a:endParaRPr lang="en-US" sz="2100" kern="1200" dirty="0"/>
+        </a:p>
+      </dsp:txBody>
+      <dsp:txXfrm>
+        <a:off x="1571524" y="2437790"/>
+        <a:ext cx="8934931" cy="1360627"/>
       </dsp:txXfrm>
     </dsp:sp>
   </dsp:spTree>
@@ -2061,7 +3535,1335 @@
 </dgm:layoutDef>
 </file>
 
+<file path=ppt/diagrams/layout2.xml><?xml version="1.0" encoding="utf-8"?>
+<dgm:layoutDef xmlns:dgm="http://schemas.openxmlformats.org/drawingml/2006/diagram" xmlns:a="http://schemas.openxmlformats.org/drawingml/2006/main" uniqueId="urn:microsoft.com/office/officeart/2018/2/layout/IconVerticalSolidList">
+  <dgm:title val="Icon Vertical Solid List"/>
+  <dgm:desc val="Use to show a series of visuals from top to bottom with Level 1 or Level 1 and Level 2 text grouped in a shape. Works best with icons or small pictures with lengthier descriptions."/>
+  <dgm:catLst>
+    <dgm:cat type="icon" pri="500"/>
+  </dgm:catLst>
+  <dgm:sampData useDef="1">
+    <dgm:dataModel>
+      <dgm:ptLst/>
+      <dgm:bg/>
+      <dgm:whole/>
+    </dgm:dataModel>
+  </dgm:sampData>
+  <dgm:styleData useDef="1">
+    <dgm:dataModel>
+      <dgm:ptLst/>
+      <dgm:bg/>
+      <dgm:whole/>
+    </dgm:dataModel>
+  </dgm:styleData>
+  <dgm:clrData useDef="1">
+    <dgm:dataModel>
+      <dgm:ptLst/>
+      <dgm:bg/>
+      <dgm:whole/>
+    </dgm:dataModel>
+  </dgm:clrData>
+  <dgm:layoutNode name="root">
+    <dgm:varLst>
+      <dgm:dir/>
+      <dgm:resizeHandles val="exact"/>
+    </dgm:varLst>
+    <dgm:choose name="Name0">
+      <dgm:if name="Name1" axis="self" func="var" arg="dir" op="equ" val="norm">
+        <dgm:alg type="lin">
+          <dgm:param type="linDir" val="fromT"/>
+          <dgm:param type="nodeHorzAlign" val="l"/>
+        </dgm:alg>
+      </dgm:if>
+      <dgm:else name="Name2">
+        <dgm:alg type="lin">
+          <dgm:param type="linDir" val="fromT"/>
+          <dgm:param type="nodeHorzAlign" val="r"/>
+        </dgm:alg>
+      </dgm:else>
+    </dgm:choose>
+    <dgm:shape xmlns:r="http://schemas.openxmlformats.org/officeDocument/2006/relationships" r:blip="">
+      <dgm:adjLst/>
+    </dgm:shape>
+    <dgm:presOf/>
+    <dgm:choose name="Name3">
+      <dgm:if name="Name4" axis="ch" ptType="node" func="cnt" op="lte" val="3">
+        <dgm:constrLst>
+          <dgm:constr type="h" for="ch" forName="compNode" refType="h" fact="0.3"/>
+          <dgm:constr type="w" for="ch" forName="compNode" refType="w"/>
+          <dgm:constr type="h" for="ch" forName="sibTrans" refType="h" refFor="ch" refForName="compNode" fact="0.25"/>
+          <dgm:constr type="primFontSz" for="des" forName="parTx" val="25"/>
+          <dgm:constr type="primFontSz" for="des" forName="desTx" refType="primFontSz" refFor="des" refForName="parTx" op="lte" fact="0.75"/>
+          <dgm:constr type="h" for="des" forName="compNode" op="equ"/>
+          <dgm:constr type="h" for="des" forName="bgRect" op="equ"/>
+          <dgm:constr type="h" for="des" forName="iconRect" op="equ"/>
+          <dgm:constr type="w" for="des" forName="iconRect" op="equ"/>
+          <dgm:constr type="h" for="des" forName="spaceRect" op="equ"/>
+          <dgm:constr type="h" for="des" forName="parTx" op="equ"/>
+          <dgm:constr type="h" for="des" forName="desTx" op="equ"/>
+        </dgm:constrLst>
+      </dgm:if>
+      <dgm:if name="Name5" axis="ch" ptType="node" func="cnt" op="lte" val="4">
+        <dgm:constrLst>
+          <dgm:constr type="h" for="ch" forName="compNode" refType="h" fact="0.3"/>
+          <dgm:constr type="w" for="ch" forName="compNode" refType="w"/>
+          <dgm:constr type="h" for="ch" forName="sibTrans" refType="h" refFor="ch" refForName="compNode" fact="0.25"/>
+          <dgm:constr type="primFontSz" for="des" forName="parTx" val="22"/>
+          <dgm:constr type="primFontSz" for="des" forName="desTx" refType="primFontSz" refFor="des" refForName="parTx" op="lte" fact="0.75"/>
+          <dgm:constr type="h" for="des" forName="compNode" op="equ"/>
+          <dgm:constr type="h" for="des" forName="bgRect" op="equ"/>
+          <dgm:constr type="h" for="des" forName="iconRect" op="equ"/>
+          <dgm:constr type="w" for="des" forName="iconRect" op="equ"/>
+          <dgm:constr type="h" for="des" forName="spaceRect" op="equ"/>
+          <dgm:constr type="h" for="des" forName="parTx" op="equ"/>
+          <dgm:constr type="h" for="des" forName="desTx" op="equ"/>
+        </dgm:constrLst>
+      </dgm:if>
+      <dgm:if name="Name6" axis="ch" ptType="node" func="cnt" op="lte" val="6">
+        <dgm:constrLst>
+          <dgm:constr type="h" for="ch" forName="compNode" refType="h" fact="0.3"/>
+          <dgm:constr type="w" for="ch" forName="compNode" refType="w"/>
+          <dgm:constr type="h" for="ch" forName="sibTrans" refType="h" refFor="ch" refForName="compNode" fact="0.25"/>
+          <dgm:constr type="primFontSz" for="des" forName="parTx" val="19"/>
+          <dgm:constr type="primFontSz" for="des" forName="desTx" refType="primFontSz" refFor="des" refForName="parTx" op="lte" fact="0.75"/>
+          <dgm:constr type="h" for="des" forName="compNode" op="equ"/>
+          <dgm:constr type="h" for="des" forName="bgRect" op="equ"/>
+          <dgm:constr type="h" for="des" forName="iconRect" op="equ"/>
+          <dgm:constr type="w" for="des" forName="iconRect" op="equ"/>
+          <dgm:constr type="h" for="des" forName="spaceRect" op="equ"/>
+          <dgm:constr type="h" for="des" forName="parTx" op="equ"/>
+          <dgm:constr type="h" for="des" forName="desTx" op="equ"/>
+        </dgm:constrLst>
+      </dgm:if>
+      <dgm:else name="Name7">
+        <dgm:constrLst>
+          <dgm:constr type="h" for="ch" forName="compNode" refType="h" fact="0.3"/>
+          <dgm:constr type="w" for="ch" forName="compNode" refType="w"/>
+          <dgm:constr type="h" for="ch" forName="sibTrans" refType="h" refFor="ch" refForName="compNode" fact="0.25"/>
+          <dgm:constr type="primFontSz" for="des" forName="parTx" val="16"/>
+          <dgm:constr type="primFontSz" for="des" forName="desTx" refType="primFontSz" refFor="des" refForName="parTx" op="lte" fact="0.75"/>
+          <dgm:constr type="h" for="des" forName="compNode" op="equ"/>
+          <dgm:constr type="h" for="des" forName="bgRect" op="equ"/>
+          <dgm:constr type="h" for="des" forName="iconRect" op="equ"/>
+          <dgm:constr type="w" for="des" forName="iconRect" op="equ"/>
+          <dgm:constr type="h" for="des" forName="spaceRect" op="equ"/>
+          <dgm:constr type="h" for="des" forName="parTx" op="equ"/>
+          <dgm:constr type="h" for="des" forName="desTx" op="equ"/>
+        </dgm:constrLst>
+      </dgm:else>
+    </dgm:choose>
+    <dgm:ruleLst>
+      <dgm:rule type="h" for="ch" forName="compNode" val="0" fact="NaN" max="NaN"/>
+    </dgm:ruleLst>
+    <dgm:forEach name="Name8" axis="ch" ptType="node">
+      <dgm:layoutNode name="compNode">
+        <dgm:alg type="composite"/>
+        <dgm:shape xmlns:r="http://schemas.openxmlformats.org/officeDocument/2006/relationships" r:blip="">
+          <dgm:adjLst/>
+        </dgm:shape>
+        <dgm:presOf axis="self"/>
+        <dgm:choose name="Name9">
+          <dgm:if name="Name10" axis="ch" ptType="node" func="cnt" op="gte" val="1">
+            <dgm:constrLst>
+              <dgm:constr type="w" for="ch" forName="bgRect" refType="w"/>
+              <dgm:constr type="h" for="ch" forName="bgRect" refType="h"/>
+              <dgm:constr type="l" for="ch" forName="bgRect"/>
+              <dgm:constr type="t" for="ch" forName="bgRect"/>
+              <dgm:constr type="h" for="ch" forName="iconRect" refType="h" fact="0.55"/>
+              <dgm:constr type="w" for="ch" forName="iconRect" refType="h" refFor="ch" refForName="iconRect"/>
+              <dgm:constr type="l" for="ch" forName="iconRect" refType="h" refFor="ch" refForName="iconRect" fact="0.55"/>
+              <dgm:constr type="ctrY" for="ch" forName="iconRect" refType="ctrY" refFor="ch" refForName="bgRect"/>
+              <dgm:constr type="w" for="ch" forName="spaceRect" refType="l" refFor="ch" refForName="iconRect"/>
+              <dgm:constr type="h" for="ch" forName="spaceRect" refType="h"/>
+              <dgm:constr type="l" for="ch" forName="spaceRect" refType="r" refFor="ch" refForName="iconRect"/>
+              <dgm:constr type="t" for="ch" forName="spaceRect"/>
+              <dgm:constr type="w" for="ch" forName="parTx" refType="w" fact="0.45"/>
+              <dgm:constr type="h" for="ch" forName="parTx" refType="h"/>
+              <dgm:constr type="l" for="ch" forName="parTx" refType="r" refFor="ch" refForName="spaceRect"/>
+              <dgm:constr type="t" for="ch" forName="parTx"/>
+              <dgm:constr type="h" for="ch" forName="desTx" refType="h"/>
+              <dgm:constr type="l" for="ch" forName="desTx" refType="r" refFor="ch" refForName="parTx"/>
+              <dgm:constr type="t" for="ch" forName="desTx"/>
+            </dgm:constrLst>
+          </dgm:if>
+          <dgm:else name="Name11">
+            <dgm:constrLst>
+              <dgm:constr type="w" for="ch" forName="bgRect" refType="w"/>
+              <dgm:constr type="h" for="ch" forName="bgRect" refType="h"/>
+              <dgm:constr type="l" for="ch" forName="bgRect"/>
+              <dgm:constr type="t" for="ch" forName="bgRect"/>
+              <dgm:constr type="h" for="ch" forName="iconRect" refType="h" fact="0.55"/>
+              <dgm:constr type="w" for="ch" forName="iconRect" refType="h" refFor="ch" refForName="iconRect"/>
+              <dgm:constr type="l" for="ch" forName="iconRect" refType="h" refFor="ch" refForName="iconRect" fact="0.55"/>
+              <dgm:constr type="ctrY" for="ch" forName="iconRect" refType="ctrY" refFor="ch" refForName="bgRect"/>
+              <dgm:constr type="w" for="ch" forName="spaceRect" refType="l" refFor="ch" refForName="iconRect"/>
+              <dgm:constr type="h" for="ch" forName="spaceRect" refType="h"/>
+              <dgm:constr type="l" for="ch" forName="spaceRect" refType="r" refFor="ch" refForName="iconRect"/>
+              <dgm:constr type="t" for="ch" forName="spaceRect"/>
+              <dgm:constr type="h" for="ch" forName="parTx" refType="h"/>
+              <dgm:constr type="l" for="ch" forName="parTx" refType="r" refFor="ch" refForName="spaceRect"/>
+              <dgm:constr type="t" for="ch" forName="parTx"/>
+            </dgm:constrLst>
+          </dgm:else>
+        </dgm:choose>
+        <dgm:ruleLst>
+          <dgm:rule type="h" val="INF" fact="NaN" max="NaN"/>
+        </dgm:ruleLst>
+        <dgm:layoutNode name="bgRect" styleLbl="bgShp">
+          <dgm:alg type="sp"/>
+          <dgm:shape xmlns:r="http://schemas.openxmlformats.org/officeDocument/2006/relationships" type="roundRect" r:blip="">
+            <dgm:adjLst>
+              <dgm:adj idx="1" val="0.1"/>
+            </dgm:adjLst>
+          </dgm:shape>
+          <dgm:presOf/>
+          <dgm:constrLst/>
+          <dgm:ruleLst/>
+        </dgm:layoutNode>
+        <dgm:layoutNode name="iconRect" styleLbl="node1">
+          <dgm:alg type="sp"/>
+          <dgm:shape xmlns:r="http://schemas.openxmlformats.org/officeDocument/2006/relationships" type="rect" r:blip="" blipPhldr="1">
+            <dgm:adjLst/>
+          </dgm:shape>
+          <dgm:presOf/>
+          <dgm:constrLst/>
+          <dgm:ruleLst/>
+        </dgm:layoutNode>
+        <dgm:layoutNode name="spaceRect">
+          <dgm:alg type="sp"/>
+          <dgm:shape xmlns:r="http://schemas.openxmlformats.org/officeDocument/2006/relationships" r:blip="">
+            <dgm:adjLst/>
+          </dgm:shape>
+          <dgm:presOf/>
+          <dgm:constrLst/>
+          <dgm:ruleLst/>
+        </dgm:layoutNode>
+        <dgm:layoutNode name="parTx" styleLbl="revTx">
+          <dgm:varLst>
+            <dgm:chMax val="0"/>
+            <dgm:chPref val="0"/>
+          </dgm:varLst>
+          <dgm:alg type="tx">
+            <dgm:param type="txAnchorVert" val="mid"/>
+            <dgm:param type="parTxLTRAlign" val="l"/>
+            <dgm:param type="shpTxLTRAlignCh" val="l"/>
+            <dgm:param type="parTxRTLAlign" val="r"/>
+            <dgm:param type="shpTxRTLAlignCh" val="r"/>
+          </dgm:alg>
+          <dgm:shape xmlns:r="http://schemas.openxmlformats.org/officeDocument/2006/relationships" type="rect" r:blip="">
+            <dgm:adjLst/>
+          </dgm:shape>
+          <dgm:presOf axis="self" ptType="node"/>
+          <dgm:constrLst>
+            <dgm:constr type="lMarg" refType="h" fact="0.3"/>
+            <dgm:constr type="rMarg" refType="h" fact="0.3"/>
+            <dgm:constr type="tMarg" refType="h" fact="0.3"/>
+            <dgm:constr type="bMarg" refType="h" fact="0.3"/>
+          </dgm:constrLst>
+          <dgm:ruleLst>
+            <dgm:rule type="primFontSz" val="14" fact="NaN" max="NaN"/>
+            <dgm:rule type="h" val="INF" fact="NaN" max="NaN"/>
+          </dgm:ruleLst>
+        </dgm:layoutNode>
+        <dgm:choose name="Name12">
+          <dgm:if name="Name13" axis="ch" ptType="node" func="cnt" op="gte" val="1">
+            <dgm:layoutNode name="desTx" styleLbl="revTx">
+              <dgm:varLst/>
+              <dgm:alg type="tx">
+                <dgm:param type="txAnchorVertCh" val="mid"/>
+                <dgm:param type="parTxLTRAlign" val="l"/>
+                <dgm:param type="shpTxLTRAlignCh" val="l"/>
+                <dgm:param type="parTxRTLAlign" val="r"/>
+                <dgm:param type="shpTxRTLAlignCh" val="r"/>
+                <dgm:param type="stBulletLvl" val="0"/>
+              </dgm:alg>
+              <dgm:shape xmlns:r="http://schemas.openxmlformats.org/officeDocument/2006/relationships" type="rect" r:blip="">
+                <dgm:adjLst/>
+              </dgm:shape>
+              <dgm:presOf axis="des" ptType="node"/>
+              <dgm:constrLst>
+                <dgm:constr type="primFontSz" val="18"/>
+                <dgm:constr type="secFontSz" refType="primFontSz"/>
+                <dgm:constr type="lMarg" refType="h" fact="0.3"/>
+                <dgm:constr type="rMarg" refType="h" fact="0.3"/>
+                <dgm:constr type="tMarg" refType="h" fact="0.3"/>
+                <dgm:constr type="bMarg" refType="h" fact="0.3"/>
+              </dgm:constrLst>
+              <dgm:ruleLst>
+                <dgm:rule type="primFontSz" val="11" fact="NaN" max="NaN"/>
+              </dgm:ruleLst>
+            </dgm:layoutNode>
+          </dgm:if>
+          <dgm:else name="Name14"/>
+        </dgm:choose>
+      </dgm:layoutNode>
+      <dgm:forEach name="Name15" axis="followSib" ptType="sibTrans" cnt="1">
+        <dgm:layoutNode name="sibTrans">
+          <dgm:alg type="sp"/>
+          <dgm:shape xmlns:r="http://schemas.openxmlformats.org/officeDocument/2006/relationships" r:blip="">
+            <dgm:adjLst/>
+          </dgm:shape>
+          <dgm:presOf axis="self"/>
+          <dgm:constrLst/>
+          <dgm:ruleLst/>
+        </dgm:layoutNode>
+      </dgm:forEach>
+    </dgm:forEach>
+  </dgm:layoutNode>
+  <dgm:extLst>
+    <a:ext uri="{68A01E43-0DF5-4B5B-8FA6-DAF915123BFB}">
+      <dgm1612:lstStyle xmlns:dgm1612="http://schemas.microsoft.com/office/drawing/2016/12/diagram">
+        <a:lvl1pPr>
+          <a:lnSpc>
+            <a:spcPct val="100000"/>
+          </a:lnSpc>
+        </a:lvl1pPr>
+        <a:lvl2pPr>
+          <a:lnSpc>
+            <a:spcPct val="100000"/>
+          </a:lnSpc>
+        </a:lvl2pPr>
+      </dgm1612:lstStyle>
+    </a:ext>
+  </dgm:extLst>
+</dgm:layoutDef>
+</file>
+
 <file path=ppt/diagrams/quickStyle1.xml><?xml version="1.0" encoding="utf-8"?>
+<dgm:styleDef xmlns:dgm="http://schemas.openxmlformats.org/drawingml/2006/diagram" xmlns:a="http://schemas.openxmlformats.org/drawingml/2006/main" uniqueId="urn:microsoft.com/office/officeart/2005/8/quickstyle/simple1">
+  <dgm:title val=""/>
+  <dgm:desc val=""/>
+  <dgm:catLst>
+    <dgm:cat type="simple" pri="10100"/>
+  </dgm:catLst>
+  <dgm:scene3d>
+    <a:camera prst="orthographicFront"/>
+    <a:lightRig rig="threePt" dir="t"/>
+  </dgm:scene3d>
+  <dgm:styleLbl name="node0">
+    <dgm:scene3d>
+      <a:camera prst="orthographicFront"/>
+      <a:lightRig rig="threePt" dir="t"/>
+    </dgm:scene3d>
+    <dgm:sp3d/>
+    <dgm:txPr/>
+    <dgm:style>
+      <a:lnRef idx="2">
+        <a:scrgbClr r="0" g="0" b="0"/>
+      </a:lnRef>
+      <a:fillRef idx="1">
+        <a:scrgbClr r="0" g="0" b="0"/>
+      </a:fillRef>
+      <a:effectRef idx="0">
+        <a:scrgbClr r="0" g="0" b="0"/>
+      </a:effectRef>
+      <a:fontRef idx="minor">
+        <a:schemeClr val="lt1"/>
+      </a:fontRef>
+    </dgm:style>
+  </dgm:styleLbl>
+  <dgm:styleLbl name="lnNode1">
+    <dgm:scene3d>
+      <a:camera prst="orthographicFront"/>
+      <a:lightRig rig="threePt" dir="t"/>
+    </dgm:scene3d>
+    <dgm:sp3d/>
+    <dgm:txPr/>
+    <dgm:style>
+      <a:lnRef idx="2">
+        <a:scrgbClr r="0" g="0" b="0"/>
+      </a:lnRef>
+      <a:fillRef idx="1">
+        <a:scrgbClr r="0" g="0" b="0"/>
+      </a:fillRef>
+      <a:effectRef idx="0">
+        <a:scrgbClr r="0" g="0" b="0"/>
+      </a:effectRef>
+      <a:fontRef idx="minor">
+        <a:schemeClr val="lt1"/>
+      </a:fontRef>
+    </dgm:style>
+  </dgm:styleLbl>
+  <dgm:styleLbl name="vennNode1">
+    <dgm:scene3d>
+      <a:camera prst="orthographicFront"/>
+      <a:lightRig rig="threePt" dir="t"/>
+    </dgm:scene3d>
+    <dgm:sp3d/>
+    <dgm:txPr/>
+    <dgm:style>
+      <a:lnRef idx="2">
+        <a:scrgbClr r="0" g="0" b="0"/>
+      </a:lnRef>
+      <a:fillRef idx="1">
+        <a:scrgbClr r="0" g="0" b="0"/>
+      </a:fillRef>
+      <a:effectRef idx="0">
+        <a:scrgbClr r="0" g="0" b="0"/>
+      </a:effectRef>
+      <a:fontRef idx="minor">
+        <a:schemeClr val="tx1"/>
+      </a:fontRef>
+    </dgm:style>
+  </dgm:styleLbl>
+  <dgm:styleLbl name="alignNode1">
+    <dgm:scene3d>
+      <a:camera prst="orthographicFront"/>
+      <a:lightRig rig="threePt" dir="t"/>
+    </dgm:scene3d>
+    <dgm:sp3d/>
+    <dgm:txPr/>
+    <dgm:style>
+      <a:lnRef idx="2">
+        <a:scrgbClr r="0" g="0" b="0"/>
+      </a:lnRef>
+      <a:fillRef idx="1">
+        <a:scrgbClr r="0" g="0" b="0"/>
+      </a:fillRef>
+      <a:effectRef idx="0">
+        <a:scrgbClr r="0" g="0" b="0"/>
+      </a:effectRef>
+      <a:fontRef idx="minor">
+        <a:schemeClr val="lt1"/>
+      </a:fontRef>
+    </dgm:style>
+  </dgm:styleLbl>
+  <dgm:styleLbl name="node1">
+    <dgm:scene3d>
+      <a:camera prst="orthographicFront"/>
+      <a:lightRig rig="threePt" dir="t"/>
+    </dgm:scene3d>
+    <dgm:sp3d/>
+    <dgm:txPr/>
+    <dgm:style>
+      <a:lnRef idx="2">
+        <a:scrgbClr r="0" g="0" b="0"/>
+      </a:lnRef>
+      <a:fillRef idx="1">
+        <a:scrgbClr r="0" g="0" b="0"/>
+      </a:fillRef>
+      <a:effectRef idx="0">
+        <a:scrgbClr r="0" g="0" b="0"/>
+      </a:effectRef>
+      <a:fontRef idx="minor">
+        <a:schemeClr val="lt1"/>
+      </a:fontRef>
+    </dgm:style>
+  </dgm:styleLbl>
+  <dgm:styleLbl name="node2">
+    <dgm:scene3d>
+      <a:camera prst="orthographicFront"/>
+      <a:lightRig rig="threePt" dir="t"/>
+    </dgm:scene3d>
+    <dgm:sp3d/>
+    <dgm:txPr/>
+    <dgm:style>
+      <a:lnRef idx="2">
+        <a:scrgbClr r="0" g="0" b="0"/>
+      </a:lnRef>
+      <a:fillRef idx="1">
+        <a:scrgbClr r="0" g="0" b="0"/>
+      </a:fillRef>
+      <a:effectRef idx="0">
+        <a:scrgbClr r="0" g="0" b="0"/>
+      </a:effectRef>
+      <a:fontRef idx="minor">
+        <a:schemeClr val="lt1"/>
+      </a:fontRef>
+    </dgm:style>
+  </dgm:styleLbl>
+  <dgm:styleLbl name="node3">
+    <dgm:scene3d>
+      <a:camera prst="orthographicFront"/>
+      <a:lightRig rig="threePt" dir="t"/>
+    </dgm:scene3d>
+    <dgm:sp3d/>
+    <dgm:txPr/>
+    <dgm:style>
+      <a:lnRef idx="2">
+        <a:scrgbClr r="0" g="0" b="0"/>
+      </a:lnRef>
+      <a:fillRef idx="1">
+        <a:scrgbClr r="0" g="0" b="0"/>
+      </a:fillRef>
+      <a:effectRef idx="0">
+        <a:scrgbClr r="0" g="0" b="0"/>
+      </a:effectRef>
+      <a:fontRef idx="minor">
+        <a:schemeClr val="lt1"/>
+      </a:fontRef>
+    </dgm:style>
+  </dgm:styleLbl>
+  <dgm:styleLbl name="node4">
+    <dgm:scene3d>
+      <a:camera prst="orthographicFront"/>
+      <a:lightRig rig="threePt" dir="t"/>
+    </dgm:scene3d>
+    <dgm:sp3d/>
+    <dgm:txPr/>
+    <dgm:style>
+      <a:lnRef idx="2">
+        <a:scrgbClr r="0" g="0" b="0"/>
+      </a:lnRef>
+      <a:fillRef idx="1">
+        <a:scrgbClr r="0" g="0" b="0"/>
+      </a:fillRef>
+      <a:effectRef idx="0">
+        <a:scrgbClr r="0" g="0" b="0"/>
+      </a:effectRef>
+      <a:fontRef idx="minor">
+        <a:schemeClr val="lt1"/>
+      </a:fontRef>
+    </dgm:style>
+  </dgm:styleLbl>
+  <dgm:styleLbl name="fgImgPlace1">
+    <dgm:scene3d>
+      <a:camera prst="orthographicFront"/>
+      <a:lightRig rig="threePt" dir="t"/>
+    </dgm:scene3d>
+    <dgm:sp3d/>
+    <dgm:txPr/>
+    <dgm:style>
+      <a:lnRef idx="2">
+        <a:scrgbClr r="0" g="0" b="0"/>
+      </a:lnRef>
+      <a:fillRef idx="1">
+        <a:scrgbClr r="0" g="0" b="0"/>
+      </a:fillRef>
+      <a:effectRef idx="0">
+        <a:scrgbClr r="0" g="0" b="0"/>
+      </a:effectRef>
+      <a:fontRef idx="minor"/>
+    </dgm:style>
+  </dgm:styleLbl>
+  <dgm:styleLbl name="alignImgPlace1">
+    <dgm:scene3d>
+      <a:camera prst="orthographicFront"/>
+      <a:lightRig rig="threePt" dir="t"/>
+    </dgm:scene3d>
+    <dgm:sp3d/>
+    <dgm:txPr/>
+    <dgm:style>
+      <a:lnRef idx="2">
+        <a:scrgbClr r="0" g="0" b="0"/>
+      </a:lnRef>
+      <a:fillRef idx="1">
+        <a:scrgbClr r="0" g="0" b="0"/>
+      </a:fillRef>
+      <a:effectRef idx="0">
+        <a:scrgbClr r="0" g="0" b="0"/>
+      </a:effectRef>
+      <a:fontRef idx="minor"/>
+    </dgm:style>
+  </dgm:styleLbl>
+  <dgm:styleLbl name="bgImgPlace1">
+    <dgm:scene3d>
+      <a:camera prst="orthographicFront"/>
+      <a:lightRig rig="threePt" dir="t"/>
+    </dgm:scene3d>
+    <dgm:sp3d/>
+    <dgm:txPr/>
+    <dgm:style>
+      <a:lnRef idx="2">
+        <a:scrgbClr r="0" g="0" b="0"/>
+      </a:lnRef>
+      <a:fillRef idx="1">
+        <a:scrgbClr r="0" g="0" b="0"/>
+      </a:fillRef>
+      <a:effectRef idx="0">
+        <a:scrgbClr r="0" g="0" b="0"/>
+      </a:effectRef>
+      <a:fontRef idx="minor"/>
+    </dgm:style>
+  </dgm:styleLbl>
+  <dgm:styleLbl name="sibTrans2D1">
+    <dgm:scene3d>
+      <a:camera prst="orthographicFront"/>
+      <a:lightRig rig="threePt" dir="t"/>
+    </dgm:scene3d>
+    <dgm:sp3d/>
+    <dgm:txPr/>
+    <dgm:style>
+      <a:lnRef idx="0">
+        <a:scrgbClr r="0" g="0" b="0"/>
+      </a:lnRef>
+      <a:fillRef idx="1">
+        <a:scrgbClr r="0" g="0" b="0"/>
+      </a:fillRef>
+      <a:effectRef idx="0">
+        <a:scrgbClr r="0" g="0" b="0"/>
+      </a:effectRef>
+      <a:fontRef idx="minor">
+        <a:schemeClr val="lt1"/>
+      </a:fontRef>
+    </dgm:style>
+  </dgm:styleLbl>
+  <dgm:styleLbl name="fgSibTrans2D1">
+    <dgm:scene3d>
+      <a:camera prst="orthographicFront"/>
+      <a:lightRig rig="threePt" dir="t"/>
+    </dgm:scene3d>
+    <dgm:sp3d/>
+    <dgm:txPr/>
+    <dgm:style>
+      <a:lnRef idx="0">
+        <a:scrgbClr r="0" g="0" b="0"/>
+      </a:lnRef>
+      <a:fillRef idx="1">
+        <a:scrgbClr r="0" g="0" b="0"/>
+      </a:fillRef>
+      <a:effectRef idx="0">
+        <a:scrgbClr r="0" g="0" b="0"/>
+      </a:effectRef>
+      <a:fontRef idx="minor">
+        <a:schemeClr val="lt1"/>
+      </a:fontRef>
+    </dgm:style>
+  </dgm:styleLbl>
+  <dgm:styleLbl name="bgSibTrans2D1">
+    <dgm:scene3d>
+      <a:camera prst="orthographicFront"/>
+      <a:lightRig rig="threePt" dir="t"/>
+    </dgm:scene3d>
+    <dgm:sp3d/>
+    <dgm:txPr/>
+    <dgm:style>
+      <a:lnRef idx="0">
+        <a:scrgbClr r="0" g="0" b="0"/>
+      </a:lnRef>
+      <a:fillRef idx="1">
+        <a:scrgbClr r="0" g="0" b="0"/>
+      </a:fillRef>
+      <a:effectRef idx="0">
+        <a:scrgbClr r="0" g="0" b="0"/>
+      </a:effectRef>
+      <a:fontRef idx="minor">
+        <a:schemeClr val="lt1"/>
+      </a:fontRef>
+    </dgm:style>
+  </dgm:styleLbl>
+  <dgm:styleLbl name="sibTrans1D1">
+    <dgm:scene3d>
+      <a:camera prst="orthographicFront"/>
+      <a:lightRig rig="threePt" dir="t"/>
+    </dgm:scene3d>
+    <dgm:sp3d/>
+    <dgm:txPr/>
+    <dgm:style>
+      <a:lnRef idx="1">
+        <a:scrgbClr r="0" g="0" b="0"/>
+      </a:lnRef>
+      <a:fillRef idx="0">
+        <a:scrgbClr r="0" g="0" b="0"/>
+      </a:fillRef>
+      <a:effectRef idx="0">
+        <a:scrgbClr r="0" g="0" b="0"/>
+      </a:effectRef>
+      <a:fontRef idx="minor"/>
+    </dgm:style>
+  </dgm:styleLbl>
+  <dgm:styleLbl name="callout">
+    <dgm:scene3d>
+      <a:camera prst="orthographicFront"/>
+      <a:lightRig rig="threePt" dir="t"/>
+    </dgm:scene3d>
+    <dgm:sp3d/>
+    <dgm:txPr/>
+    <dgm:style>
+      <a:lnRef idx="2">
+        <a:scrgbClr r="0" g="0" b="0"/>
+      </a:lnRef>
+      <a:fillRef idx="1">
+        <a:scrgbClr r="0" g="0" b="0"/>
+      </a:fillRef>
+      <a:effectRef idx="0">
+        <a:scrgbClr r="0" g="0" b="0"/>
+      </a:effectRef>
+      <a:fontRef idx="minor"/>
+    </dgm:style>
+  </dgm:styleLbl>
+  <dgm:styleLbl name="asst0">
+    <dgm:scene3d>
+      <a:camera prst="orthographicFront"/>
+      <a:lightRig rig="threePt" dir="t"/>
+    </dgm:scene3d>
+    <dgm:sp3d/>
+    <dgm:txPr/>
+    <dgm:style>
+      <a:lnRef idx="2">
+        <a:scrgbClr r="0" g="0" b="0"/>
+      </a:lnRef>
+      <a:fillRef idx="1">
+        <a:scrgbClr r="0" g="0" b="0"/>
+      </a:fillRef>
+      <a:effectRef idx="0">
+        <a:scrgbClr r="0" g="0" b="0"/>
+      </a:effectRef>
+      <a:fontRef idx="minor">
+        <a:schemeClr val="lt1"/>
+      </a:fontRef>
+    </dgm:style>
+  </dgm:styleLbl>
+  <dgm:styleLbl name="asst1">
+    <dgm:scene3d>
+      <a:camera prst="orthographicFront"/>
+      <a:lightRig rig="threePt" dir="t"/>
+    </dgm:scene3d>
+    <dgm:sp3d/>
+    <dgm:txPr/>
+    <dgm:style>
+      <a:lnRef idx="2">
+        <a:scrgbClr r="0" g="0" b="0"/>
+      </a:lnRef>
+      <a:fillRef idx="1">
+        <a:scrgbClr r="0" g="0" b="0"/>
+      </a:fillRef>
+      <a:effectRef idx="0">
+        <a:scrgbClr r="0" g="0" b="0"/>
+      </a:effectRef>
+      <a:fontRef idx="minor">
+        <a:schemeClr val="lt1"/>
+      </a:fontRef>
+    </dgm:style>
+  </dgm:styleLbl>
+  <dgm:styleLbl name="asst2">
+    <dgm:scene3d>
+      <a:camera prst="orthographicFront"/>
+      <a:lightRig rig="threePt" dir="t"/>
+    </dgm:scene3d>
+    <dgm:sp3d/>
+    <dgm:txPr/>
+    <dgm:style>
+      <a:lnRef idx="2">
+        <a:scrgbClr r="0" g="0" b="0"/>
+      </a:lnRef>
+      <a:fillRef idx="1">
+        <a:scrgbClr r="0" g="0" b="0"/>
+      </a:fillRef>
+      <a:effectRef idx="0">
+        <a:scrgbClr r="0" g="0" b="0"/>
+      </a:effectRef>
+      <a:fontRef idx="minor">
+        <a:schemeClr val="lt1"/>
+      </a:fontRef>
+    </dgm:style>
+  </dgm:styleLbl>
+  <dgm:styleLbl name="asst3">
+    <dgm:scene3d>
+      <a:camera prst="orthographicFront"/>
+      <a:lightRig rig="threePt" dir="t"/>
+    </dgm:scene3d>
+    <dgm:sp3d/>
+    <dgm:txPr/>
+    <dgm:style>
+      <a:lnRef idx="2">
+        <a:scrgbClr r="0" g="0" b="0"/>
+      </a:lnRef>
+      <a:fillRef idx="1">
+        <a:scrgbClr r="0" g="0" b="0"/>
+      </a:fillRef>
+      <a:effectRef idx="0">
+        <a:scrgbClr r="0" g="0" b="0"/>
+      </a:effectRef>
+      <a:fontRef idx="minor">
+        <a:schemeClr val="lt1"/>
+      </a:fontRef>
+    </dgm:style>
+  </dgm:styleLbl>
+  <dgm:styleLbl name="asst4">
+    <dgm:scene3d>
+      <a:camera prst="orthographicFront"/>
+      <a:lightRig rig="threePt" dir="t"/>
+    </dgm:scene3d>
+    <dgm:sp3d/>
+    <dgm:txPr/>
+    <dgm:style>
+      <a:lnRef idx="2">
+        <a:scrgbClr r="0" g="0" b="0"/>
+      </a:lnRef>
+      <a:fillRef idx="1">
+        <a:scrgbClr r="0" g="0" b="0"/>
+      </a:fillRef>
+      <a:effectRef idx="0">
+        <a:scrgbClr r="0" g="0" b="0"/>
+      </a:effectRef>
+      <a:fontRef idx="minor">
+        <a:schemeClr val="lt1"/>
+      </a:fontRef>
+    </dgm:style>
+  </dgm:styleLbl>
+  <dgm:styleLbl name="parChTrans2D1">
+    <dgm:scene3d>
+      <a:camera prst="orthographicFront"/>
+      <a:lightRig rig="threePt" dir="t"/>
+    </dgm:scene3d>
+    <dgm:sp3d/>
+    <dgm:txPr/>
+    <dgm:style>
+      <a:lnRef idx="2">
+        <a:scrgbClr r="0" g="0" b="0"/>
+      </a:lnRef>
+      <a:fillRef idx="1">
+        <a:scrgbClr r="0" g="0" b="0"/>
+      </a:fillRef>
+      <a:effectRef idx="0">
+        <a:scrgbClr r="0" g="0" b="0"/>
+      </a:effectRef>
+      <a:fontRef idx="minor">
+        <a:schemeClr val="lt1"/>
+      </a:fontRef>
+    </dgm:style>
+  </dgm:styleLbl>
+  <dgm:styleLbl name="parChTrans2D2">
+    <dgm:scene3d>
+      <a:camera prst="orthographicFront"/>
+      <a:lightRig rig="threePt" dir="t"/>
+    </dgm:scene3d>
+    <dgm:sp3d/>
+    <dgm:txPr/>
+    <dgm:style>
+      <a:lnRef idx="2">
+        <a:scrgbClr r="0" g="0" b="0"/>
+      </a:lnRef>
+      <a:fillRef idx="1">
+        <a:scrgbClr r="0" g="0" b="0"/>
+      </a:fillRef>
+      <a:effectRef idx="0">
+        <a:scrgbClr r="0" g="0" b="0"/>
+      </a:effectRef>
+      <a:fontRef idx="minor">
+        <a:schemeClr val="lt1"/>
+      </a:fontRef>
+    </dgm:style>
+  </dgm:styleLbl>
+  <dgm:styleLbl name="parChTrans2D3">
+    <dgm:scene3d>
+      <a:camera prst="orthographicFront"/>
+      <a:lightRig rig="threePt" dir="t"/>
+    </dgm:scene3d>
+    <dgm:sp3d/>
+    <dgm:txPr/>
+    <dgm:style>
+      <a:lnRef idx="2">
+        <a:scrgbClr r="0" g="0" b="0"/>
+      </a:lnRef>
+      <a:fillRef idx="1">
+        <a:scrgbClr r="0" g="0" b="0"/>
+      </a:fillRef>
+      <a:effectRef idx="0">
+        <a:scrgbClr r="0" g="0" b="0"/>
+      </a:effectRef>
+      <a:fontRef idx="minor">
+        <a:schemeClr val="lt1"/>
+      </a:fontRef>
+    </dgm:style>
+  </dgm:styleLbl>
+  <dgm:styleLbl name="parChTrans2D4">
+    <dgm:scene3d>
+      <a:camera prst="orthographicFront"/>
+      <a:lightRig rig="threePt" dir="t"/>
+    </dgm:scene3d>
+    <dgm:sp3d/>
+    <dgm:txPr/>
+    <dgm:style>
+      <a:lnRef idx="2">
+        <a:scrgbClr r="0" g="0" b="0"/>
+      </a:lnRef>
+      <a:fillRef idx="1">
+        <a:scrgbClr r="0" g="0" b="0"/>
+      </a:fillRef>
+      <a:effectRef idx="0">
+        <a:scrgbClr r="0" g="0" b="0"/>
+      </a:effectRef>
+      <a:fontRef idx="minor">
+        <a:schemeClr val="lt1"/>
+      </a:fontRef>
+    </dgm:style>
+  </dgm:styleLbl>
+  <dgm:styleLbl name="parChTrans1D1">
+    <dgm:scene3d>
+      <a:camera prst="orthographicFront"/>
+      <a:lightRig rig="threePt" dir="t"/>
+    </dgm:scene3d>
+    <dgm:sp3d/>
+    <dgm:txPr/>
+    <dgm:style>
+      <a:lnRef idx="2">
+        <a:scrgbClr r="0" g="0" b="0"/>
+      </a:lnRef>
+      <a:fillRef idx="0">
+        <a:scrgbClr r="0" g="0" b="0"/>
+      </a:fillRef>
+      <a:effectRef idx="0">
+        <a:scrgbClr r="0" g="0" b="0"/>
+      </a:effectRef>
+      <a:fontRef idx="minor"/>
+    </dgm:style>
+  </dgm:styleLbl>
+  <dgm:styleLbl name="parChTrans1D2">
+    <dgm:scene3d>
+      <a:camera prst="orthographicFront"/>
+      <a:lightRig rig="threePt" dir="t"/>
+    </dgm:scene3d>
+    <dgm:sp3d/>
+    <dgm:txPr/>
+    <dgm:style>
+      <a:lnRef idx="2">
+        <a:scrgbClr r="0" g="0" b="0"/>
+      </a:lnRef>
+      <a:fillRef idx="0">
+        <a:scrgbClr r="0" g="0" b="0"/>
+      </a:fillRef>
+      <a:effectRef idx="0">
+        <a:scrgbClr r="0" g="0" b="0"/>
+      </a:effectRef>
+      <a:fontRef idx="minor"/>
+    </dgm:style>
+  </dgm:styleLbl>
+  <dgm:styleLbl name="parChTrans1D3">
+    <dgm:scene3d>
+      <a:camera prst="orthographicFront"/>
+      <a:lightRig rig="threePt" dir="t"/>
+    </dgm:scene3d>
+    <dgm:sp3d/>
+    <dgm:txPr/>
+    <dgm:style>
+      <a:lnRef idx="2">
+        <a:scrgbClr r="0" g="0" b="0"/>
+      </a:lnRef>
+      <a:fillRef idx="0">
+        <a:scrgbClr r="0" g="0" b="0"/>
+      </a:fillRef>
+      <a:effectRef idx="0">
+        <a:scrgbClr r="0" g="0" b="0"/>
+      </a:effectRef>
+      <a:fontRef idx="minor"/>
+    </dgm:style>
+  </dgm:styleLbl>
+  <dgm:styleLbl name="parChTrans1D4">
+    <dgm:scene3d>
+      <a:camera prst="orthographicFront"/>
+      <a:lightRig rig="threePt" dir="t"/>
+    </dgm:scene3d>
+    <dgm:sp3d/>
+    <dgm:txPr/>
+    <dgm:style>
+      <a:lnRef idx="2">
+        <a:scrgbClr r="0" g="0" b="0"/>
+      </a:lnRef>
+      <a:fillRef idx="0">
+        <a:scrgbClr r="0" g="0" b="0"/>
+      </a:fillRef>
+      <a:effectRef idx="0">
+        <a:scrgbClr r="0" g="0" b="0"/>
+      </a:effectRef>
+      <a:fontRef idx="minor"/>
+    </dgm:style>
+  </dgm:styleLbl>
+  <dgm:styleLbl name="fgAcc1">
+    <dgm:scene3d>
+      <a:camera prst="orthographicFront"/>
+      <a:lightRig rig="threePt" dir="t"/>
+    </dgm:scene3d>
+    <dgm:sp3d/>
+    <dgm:txPr/>
+    <dgm:style>
+      <a:lnRef idx="2">
+        <a:scrgbClr r="0" g="0" b="0"/>
+      </a:lnRef>
+      <a:fillRef idx="1">
+        <a:scrgbClr r="0" g="0" b="0"/>
+      </a:fillRef>
+      <a:effectRef idx="0">
+        <a:scrgbClr r="0" g="0" b="0"/>
+      </a:effectRef>
+      <a:fontRef idx="minor"/>
+    </dgm:style>
+  </dgm:styleLbl>
+  <dgm:styleLbl name="conFgAcc1">
+    <dgm:scene3d>
+      <a:camera prst="orthographicFront"/>
+      <a:lightRig rig="threePt" dir="t"/>
+    </dgm:scene3d>
+    <dgm:sp3d/>
+    <dgm:txPr/>
+    <dgm:style>
+      <a:lnRef idx="2">
+        <a:scrgbClr r="0" g="0" b="0"/>
+      </a:lnRef>
+      <a:fillRef idx="1">
+        <a:scrgbClr r="0" g="0" b="0"/>
+      </a:fillRef>
+      <a:effectRef idx="0">
+        <a:scrgbClr r="0" g="0" b="0"/>
+      </a:effectRef>
+      <a:fontRef idx="minor"/>
+    </dgm:style>
+  </dgm:styleLbl>
+  <dgm:styleLbl name="alignAcc1">
+    <dgm:scene3d>
+      <a:camera prst="orthographicFront"/>
+      <a:lightRig rig="threePt" dir="t"/>
+    </dgm:scene3d>
+    <dgm:sp3d/>
+    <dgm:txPr/>
+    <dgm:style>
+      <a:lnRef idx="2">
+        <a:scrgbClr r="0" g="0" b="0"/>
+      </a:lnRef>
+      <a:fillRef idx="1">
+        <a:scrgbClr r="0" g="0" b="0"/>
+      </a:fillRef>
+      <a:effectRef idx="0">
+        <a:scrgbClr r="0" g="0" b="0"/>
+      </a:effectRef>
+      <a:fontRef idx="minor"/>
+    </dgm:style>
+  </dgm:styleLbl>
+  <dgm:styleLbl name="trAlignAcc1">
+    <dgm:scene3d>
+      <a:camera prst="orthographicFront"/>
+      <a:lightRig rig="threePt" dir="t"/>
+    </dgm:scene3d>
+    <dgm:sp3d/>
+    <dgm:txPr/>
+    <dgm:style>
+      <a:lnRef idx="1">
+        <a:scrgbClr r="0" g="0" b="0"/>
+      </a:lnRef>
+      <a:fillRef idx="1">
+        <a:scrgbClr r="0" g="0" b="0"/>
+      </a:fillRef>
+      <a:effectRef idx="0">
+        <a:scrgbClr r="0" g="0" b="0"/>
+      </a:effectRef>
+      <a:fontRef idx="minor"/>
+    </dgm:style>
+  </dgm:styleLbl>
+  <dgm:styleLbl name="bgAcc1">
+    <dgm:scene3d>
+      <a:camera prst="orthographicFront"/>
+      <a:lightRig rig="threePt" dir="t"/>
+    </dgm:scene3d>
+    <dgm:sp3d/>
+    <dgm:txPr/>
+    <dgm:style>
+      <a:lnRef idx="2">
+        <a:scrgbClr r="0" g="0" b="0"/>
+      </a:lnRef>
+      <a:fillRef idx="1">
+        <a:scrgbClr r="0" g="0" b="0"/>
+      </a:fillRef>
+      <a:effectRef idx="0">
+        <a:scrgbClr r="0" g="0" b="0"/>
+      </a:effectRef>
+      <a:fontRef idx="minor"/>
+    </dgm:style>
+  </dgm:styleLbl>
+  <dgm:styleLbl name="solidFgAcc1">
+    <dgm:scene3d>
+      <a:camera prst="orthographicFront"/>
+      <a:lightRig rig="threePt" dir="t"/>
+    </dgm:scene3d>
+    <dgm:sp3d/>
+    <dgm:txPr/>
+    <dgm:style>
+      <a:lnRef idx="2">
+        <a:scrgbClr r="0" g="0" b="0"/>
+      </a:lnRef>
+      <a:fillRef idx="1">
+        <a:scrgbClr r="0" g="0" b="0"/>
+      </a:fillRef>
+      <a:effectRef idx="0">
+        <a:scrgbClr r="0" g="0" b="0"/>
+      </a:effectRef>
+      <a:fontRef idx="minor"/>
+    </dgm:style>
+  </dgm:styleLbl>
+  <dgm:styleLbl name="solidAlignAcc1">
+    <dgm:scene3d>
+      <a:camera prst="orthographicFront"/>
+      <a:lightRig rig="threePt" dir="t"/>
+    </dgm:scene3d>
+    <dgm:sp3d/>
+    <dgm:txPr/>
+    <dgm:style>
+      <a:lnRef idx="2">
+        <a:scrgbClr r="0" g="0" b="0"/>
+      </a:lnRef>
+      <a:fillRef idx="1">
+        <a:scrgbClr r="0" g="0" b="0"/>
+      </a:fillRef>
+      <a:effectRef idx="0">
+        <a:scrgbClr r="0" g="0" b="0"/>
+      </a:effectRef>
+      <a:fontRef idx="minor"/>
+    </dgm:style>
+  </dgm:styleLbl>
+  <dgm:styleLbl name="solidBgAcc1">
+    <dgm:scene3d>
+      <a:camera prst="orthographicFront"/>
+      <a:lightRig rig="threePt" dir="t"/>
+    </dgm:scene3d>
+    <dgm:sp3d/>
+    <dgm:txPr/>
+    <dgm:style>
+      <a:lnRef idx="2">
+        <a:scrgbClr r="0" g="0" b="0"/>
+      </a:lnRef>
+      <a:fillRef idx="1">
+        <a:scrgbClr r="0" g="0" b="0"/>
+      </a:fillRef>
+      <a:effectRef idx="0">
+        <a:scrgbClr r="0" g="0" b="0"/>
+      </a:effectRef>
+      <a:fontRef idx="minor"/>
+    </dgm:style>
+  </dgm:styleLbl>
+  <dgm:styleLbl name="fgAccFollowNode1">
+    <dgm:scene3d>
+      <a:camera prst="orthographicFront"/>
+      <a:lightRig rig="threePt" dir="t"/>
+    </dgm:scene3d>
+    <dgm:sp3d/>
+    <dgm:txPr/>
+    <dgm:style>
+      <a:lnRef idx="2">
+        <a:scrgbClr r="0" g="0" b="0"/>
+      </a:lnRef>
+      <a:fillRef idx="1">
+        <a:scrgbClr r="0" g="0" b="0"/>
+      </a:fillRef>
+      <a:effectRef idx="0">
+        <a:scrgbClr r="0" g="0" b="0"/>
+      </a:effectRef>
+      <a:fontRef idx="minor"/>
+    </dgm:style>
+  </dgm:styleLbl>
+  <dgm:styleLbl name="alignAccFollowNode1">
+    <dgm:scene3d>
+      <a:camera prst="orthographicFront"/>
+      <a:lightRig rig="threePt" dir="t"/>
+    </dgm:scene3d>
+    <dgm:sp3d/>
+    <dgm:txPr/>
+    <dgm:style>
+      <a:lnRef idx="2">
+        <a:scrgbClr r="0" g="0" b="0"/>
+      </a:lnRef>
+      <a:fillRef idx="1">
+        <a:scrgbClr r="0" g="0" b="0"/>
+      </a:fillRef>
+      <a:effectRef idx="0">
+        <a:scrgbClr r="0" g="0" b="0"/>
+      </a:effectRef>
+      <a:fontRef idx="minor"/>
+    </dgm:style>
+  </dgm:styleLbl>
+  <dgm:styleLbl name="bgAccFollowNode1">
+    <dgm:scene3d>
+      <a:camera prst="orthographicFront"/>
+      <a:lightRig rig="threePt" dir="t"/>
+    </dgm:scene3d>
+    <dgm:sp3d/>
+    <dgm:txPr/>
+    <dgm:style>
+      <a:lnRef idx="2">
+        <a:scrgbClr r="0" g="0" b="0"/>
+      </a:lnRef>
+      <a:fillRef idx="1">
+        <a:scrgbClr r="0" g="0" b="0"/>
+      </a:fillRef>
+      <a:effectRef idx="0">
+        <a:scrgbClr r="0" g="0" b="0"/>
+      </a:effectRef>
+      <a:fontRef idx="minor"/>
+    </dgm:style>
+  </dgm:styleLbl>
+  <dgm:styleLbl name="fgAcc0">
+    <dgm:scene3d>
+      <a:camera prst="orthographicFront"/>
+      <a:lightRig rig="threePt" dir="t"/>
+    </dgm:scene3d>
+    <dgm:sp3d/>
+    <dgm:txPr/>
+    <dgm:style>
+      <a:lnRef idx="2">
+        <a:scrgbClr r="0" g="0" b="0"/>
+      </a:lnRef>
+      <a:fillRef idx="1">
+        <a:scrgbClr r="0" g="0" b="0"/>
+      </a:fillRef>
+      <a:effectRef idx="0">
+        <a:scrgbClr r="0" g="0" b="0"/>
+      </a:effectRef>
+      <a:fontRef idx="minor"/>
+    </dgm:style>
+  </dgm:styleLbl>
+  <dgm:styleLbl name="fgAcc2">
+    <dgm:scene3d>
+      <a:camera prst="orthographicFront"/>
+      <a:lightRig rig="threePt" dir="t"/>
+    </dgm:scene3d>
+    <dgm:sp3d/>
+    <dgm:txPr/>
+    <dgm:style>
+      <a:lnRef idx="2">
+        <a:scrgbClr r="0" g="0" b="0"/>
+      </a:lnRef>
+      <a:fillRef idx="1">
+        <a:scrgbClr r="0" g="0" b="0"/>
+      </a:fillRef>
+      <a:effectRef idx="0">
+        <a:scrgbClr r="0" g="0" b="0"/>
+      </a:effectRef>
+      <a:fontRef idx="minor"/>
+    </dgm:style>
+  </dgm:styleLbl>
+  <dgm:styleLbl name="fgAcc3">
+    <dgm:scene3d>
+      <a:camera prst="orthographicFront"/>
+      <a:lightRig rig="threePt" dir="t"/>
+    </dgm:scene3d>
+    <dgm:sp3d/>
+    <dgm:txPr/>
+    <dgm:style>
+      <a:lnRef idx="2">
+        <a:scrgbClr r="0" g="0" b="0"/>
+      </a:lnRef>
+      <a:fillRef idx="1">
+        <a:scrgbClr r="0" g="0" b="0"/>
+      </a:fillRef>
+      <a:effectRef idx="0">
+        <a:scrgbClr r="0" g="0" b="0"/>
+      </a:effectRef>
+      <a:fontRef idx="minor"/>
+    </dgm:style>
+  </dgm:styleLbl>
+  <dgm:styleLbl name="fgAcc4">
+    <dgm:scene3d>
+      <a:camera prst="orthographicFront"/>
+      <a:lightRig rig="threePt" dir="t"/>
+    </dgm:scene3d>
+    <dgm:sp3d/>
+    <dgm:txPr/>
+    <dgm:style>
+      <a:lnRef idx="2">
+        <a:scrgbClr r="0" g="0" b="0"/>
+      </a:lnRef>
+      <a:fillRef idx="1">
+        <a:scrgbClr r="0" g="0" b="0"/>
+      </a:fillRef>
+      <a:effectRef idx="0">
+        <a:scrgbClr r="0" g="0" b="0"/>
+      </a:effectRef>
+      <a:fontRef idx="minor"/>
+    </dgm:style>
+  </dgm:styleLbl>
+  <dgm:styleLbl name="bgShp">
+    <dgm:scene3d>
+      <a:camera prst="orthographicFront"/>
+      <a:lightRig rig="threePt" dir="t"/>
+    </dgm:scene3d>
+    <dgm:sp3d/>
+    <dgm:txPr/>
+    <dgm:style>
+      <a:lnRef idx="0">
+        <a:scrgbClr r="0" g="0" b="0"/>
+      </a:lnRef>
+      <a:fillRef idx="1">
+        <a:scrgbClr r="0" g="0" b="0"/>
+      </a:fillRef>
+      <a:effectRef idx="0">
+        <a:scrgbClr r="0" g="0" b="0"/>
+      </a:effectRef>
+      <a:fontRef idx="minor"/>
+    </dgm:style>
+  </dgm:styleLbl>
+  <dgm:styleLbl name="dkBgShp">
+    <dgm:scene3d>
+      <a:camera prst="orthographicFront"/>
+      <a:lightRig rig="threePt" dir="t"/>
+    </dgm:scene3d>
+    <dgm:sp3d/>
+    <dgm:txPr/>
+    <dgm:style>
+      <a:lnRef idx="0">
+        <a:scrgbClr r="0" g="0" b="0"/>
+      </a:lnRef>
+      <a:fillRef idx="1">
+        <a:scrgbClr r="0" g="0" b="0"/>
+      </a:fillRef>
+      <a:effectRef idx="0">
+        <a:scrgbClr r="0" g="0" b="0"/>
+      </a:effectRef>
+      <a:fontRef idx="minor"/>
+    </dgm:style>
+  </dgm:styleLbl>
+  <dgm:styleLbl name="trBgShp">
+    <dgm:scene3d>
+      <a:camera prst="orthographicFront"/>
+      <a:lightRig rig="threePt" dir="t"/>
+    </dgm:scene3d>
+    <dgm:sp3d/>
+    <dgm:txPr/>
+    <dgm:style>
+      <a:lnRef idx="0">
+        <a:scrgbClr r="0" g="0" b="0"/>
+      </a:lnRef>
+      <a:fillRef idx="1">
+        <a:scrgbClr r="0" g="0" b="0"/>
+      </a:fillRef>
+      <a:effectRef idx="0">
+        <a:scrgbClr r="0" g="0" b="0"/>
+      </a:effectRef>
+      <a:fontRef idx="minor"/>
+    </dgm:style>
+  </dgm:styleLbl>
+  <dgm:styleLbl name="fgShp">
+    <dgm:scene3d>
+      <a:camera prst="orthographicFront"/>
+      <a:lightRig rig="threePt" dir="t"/>
+    </dgm:scene3d>
+    <dgm:sp3d/>
+    <dgm:txPr/>
+    <dgm:style>
+      <a:lnRef idx="2">
+        <a:scrgbClr r="0" g="0" b="0"/>
+      </a:lnRef>
+      <a:fillRef idx="1">
+        <a:scrgbClr r="0" g="0" b="0"/>
+      </a:fillRef>
+      <a:effectRef idx="0">
+        <a:scrgbClr r="0" g="0" b="0"/>
+      </a:effectRef>
+      <a:fontRef idx="minor"/>
+    </dgm:style>
+  </dgm:styleLbl>
+  <dgm:styleLbl name="revTx">
+    <dgm:scene3d>
+      <a:camera prst="orthographicFront"/>
+      <a:lightRig rig="threePt" dir="t"/>
+    </dgm:scene3d>
+    <dgm:sp3d/>
+    <dgm:txPr/>
+    <dgm:style>
+      <a:lnRef idx="0">
+        <a:scrgbClr r="0" g="0" b="0"/>
+      </a:lnRef>
+      <a:fillRef idx="0">
+        <a:scrgbClr r="0" g="0" b="0"/>
+      </a:fillRef>
+      <a:effectRef idx="0">
+        <a:scrgbClr r="0" g="0" b="0"/>
+      </a:effectRef>
+      <a:fontRef idx="minor"/>
+    </dgm:style>
+  </dgm:styleLbl>
+</dgm:styleDef>
+</file>
+
+<file path=ppt/diagrams/quickStyle2.xml><?xml version="1.0" encoding="utf-8"?>
 <dgm:styleDef xmlns:dgm="http://schemas.openxmlformats.org/drawingml/2006/diagram" xmlns:a="http://schemas.openxmlformats.org/drawingml/2006/main" uniqueId="urn:microsoft.com/office/officeart/2005/8/quickstyle/simple1">
   <dgm:title val=""/>
   <dgm:desc val=""/>
@@ -3177,7 +5979,7 @@
           <a:p>
             <a:fld id="{47F6D1B8-BB76-0B4A-99E2-A0E947D0C0B3}" type="datetimeFigureOut">
               <a:rPr lang="en-US" smtClean="0"/>
-              <a:t>5/28/20</a:t>
+              <a:t>5/29/20</a:t>
             </a:fld>
             <a:endParaRPr lang="en-US"/>
           </a:p>
@@ -3541,6 +6343,90 @@
 </p:notes>
 </file>
 
+<file path=ppt/notesSlides/notesSlide2.xml><?xml version="1.0" encoding="utf-8"?>
+<p:notes xmlns:a="http://schemas.openxmlformats.org/drawingml/2006/main" xmlns:r="http://schemas.openxmlformats.org/officeDocument/2006/relationships" xmlns:p="http://schemas.openxmlformats.org/presentationml/2006/main">
+  <p:cSld>
+    <p:spTree>
+      <p:nvGrpSpPr>
+        <p:cNvPr id="1" name=""/>
+        <p:cNvGrpSpPr/>
+        <p:nvPr/>
+      </p:nvGrpSpPr>
+      <p:grpSpPr>
+        <a:xfrm>
+          <a:off x="0" y="0"/>
+          <a:ext cx="0" cy="0"/>
+          <a:chOff x="0" y="0"/>
+          <a:chExt cx="0" cy="0"/>
+        </a:xfrm>
+      </p:grpSpPr>
+      <p:sp>
+        <p:nvSpPr>
+          <p:cNvPr id="2" name="Slide Image Placeholder 1"/>
+          <p:cNvSpPr>
+            <a:spLocks noGrp="1" noRot="1" noChangeAspect="1"/>
+          </p:cNvSpPr>
+          <p:nvPr>
+            <p:ph type="sldImg"/>
+          </p:nvPr>
+        </p:nvSpPr>
+        <p:spPr/>
+      </p:sp>
+      <p:sp>
+        <p:nvSpPr>
+          <p:cNvPr id="3" name="Notes Placeholder 2"/>
+          <p:cNvSpPr>
+            <a:spLocks noGrp="1"/>
+          </p:cNvSpPr>
+          <p:nvPr>
+            <p:ph type="body" idx="1"/>
+          </p:nvPr>
+        </p:nvSpPr>
+        <p:spPr/>
+        <p:txBody>
+          <a:bodyPr/>
+          <a:lstStyle/>
+          <a:p>
+            <a:endParaRPr lang="en-US" dirty="0"/>
+          </a:p>
+        </p:txBody>
+      </p:sp>
+      <p:sp>
+        <p:nvSpPr>
+          <p:cNvPr id="4" name="Slide Number Placeholder 3"/>
+          <p:cNvSpPr>
+            <a:spLocks noGrp="1"/>
+          </p:cNvSpPr>
+          <p:nvPr>
+            <p:ph type="sldNum" sz="quarter" idx="5"/>
+          </p:nvPr>
+        </p:nvSpPr>
+        <p:spPr/>
+        <p:txBody>
+          <a:bodyPr/>
+          <a:lstStyle/>
+          <a:p>
+            <a:fld id="{CFB8FF01-0848-0145-B0D6-C440E4184424}" type="slidenum">
+              <a:rPr lang="en-US" smtClean="0"/>
+              <a:t>3</a:t>
+            </a:fld>
+            <a:endParaRPr lang="en-US"/>
+          </a:p>
+        </p:txBody>
+      </p:sp>
+    </p:spTree>
+    <p:extLst>
+      <p:ext uri="{BB962C8B-B14F-4D97-AF65-F5344CB8AC3E}">
+        <p14:creationId xmlns:p14="http://schemas.microsoft.com/office/powerpoint/2010/main" val="3125519166"/>
+      </p:ext>
+    </p:extLst>
+  </p:cSld>
+  <p:clrMapOvr>
+    <a:masterClrMapping/>
+  </p:clrMapOvr>
+</p:notes>
+</file>
+
 <file path=ppt/slideLayouts/slideLayout1.xml><?xml version="1.0" encoding="utf-8"?>
 <p:sldLayout xmlns:a="http://schemas.openxmlformats.org/drawingml/2006/main" xmlns:r="http://schemas.openxmlformats.org/officeDocument/2006/relationships" xmlns:p="http://schemas.openxmlformats.org/presentationml/2006/main" type="title" preserve="1">
   <p:cSld name="Title Slide">
@@ -3697,7 +6583,7 @@
           <a:p>
             <a:fld id="{02AC24A9-CCB6-4F8D-B8DB-C2F3692CFA5A}" type="datetimeFigureOut">
               <a:rPr lang="en-US" smtClean="0"/>
-              <a:t>5/28/20</a:t>
+              <a:t>5/29/20</a:t>
             </a:fld>
             <a:endParaRPr lang="en-US" dirty="0"/>
           </a:p>
@@ -4067,7 +6953,7 @@
           <a:p>
             <a:fld id="{02AC24A9-CCB6-4F8D-B8DB-C2F3692CFA5A}" type="datetimeFigureOut">
               <a:rPr lang="en-US" smtClean="0"/>
-              <a:t>5/28/20</a:t>
+              <a:t>5/29/20</a:t>
             </a:fld>
             <a:endParaRPr lang="en-US"/>
           </a:p>
@@ -4276,7 +7162,7 @@
           <a:p>
             <a:fld id="{02AC24A9-CCB6-4F8D-B8DB-C2F3692CFA5A}" type="datetimeFigureOut">
               <a:rPr lang="en-US" smtClean="0"/>
-              <a:t>5/28/20</a:t>
+              <a:t>5/29/20</a:t>
             </a:fld>
             <a:endParaRPr lang="en-US"/>
           </a:p>
@@ -4746,7 +7632,7 @@
           <a:p>
             <a:fld id="{02AC24A9-CCB6-4F8D-B8DB-C2F3692CFA5A}" type="datetimeFigureOut">
               <a:rPr lang="en-US" smtClean="0"/>
-              <a:t>5/28/20</a:t>
+              <a:t>5/29/20</a:t>
             </a:fld>
             <a:endParaRPr lang="en-US"/>
           </a:p>
@@ -5200,7 +8086,7 @@
           <a:p>
             <a:fld id="{02AC24A9-CCB6-4F8D-B8DB-C2F3692CFA5A}" type="datetimeFigureOut">
               <a:rPr lang="en-US" smtClean="0"/>
-              <a:t>5/28/20</a:t>
+              <a:t>5/29/20</a:t>
             </a:fld>
             <a:endParaRPr lang="en-US"/>
           </a:p>
@@ -5732,7 +8618,7 @@
           <a:p>
             <a:fld id="{02AC24A9-CCB6-4F8D-B8DB-C2F3692CFA5A}" type="datetimeFigureOut">
               <a:rPr lang="en-US" smtClean="0"/>
-              <a:t>5/28/20</a:t>
+              <a:t>5/29/20</a:t>
             </a:fld>
             <a:endParaRPr lang="en-US"/>
           </a:p>
@@ -6431,7 +9317,7 @@
           <a:p>
             <a:fld id="{02AC24A9-CCB6-4F8D-B8DB-C2F3692CFA5A}" type="datetimeFigureOut">
               <a:rPr lang="en-US" smtClean="0"/>
-              <a:t>5/28/20</a:t>
+              <a:t>5/29/20</a:t>
             </a:fld>
             <a:endParaRPr lang="en-US"/>
           </a:p>
@@ -6760,7 +9646,7 @@
           <a:p>
             <a:fld id="{02AC24A9-CCB6-4F8D-B8DB-C2F3692CFA5A}" type="datetimeFigureOut">
               <a:rPr lang="en-US" smtClean="0"/>
-              <a:t>5/28/20</a:t>
+              <a:t>5/29/20</a:t>
             </a:fld>
             <a:endParaRPr lang="en-US"/>
           </a:p>
@@ -6873,7 +9759,7 @@
           <a:p>
             <a:fld id="{02AC24A9-CCB6-4F8D-B8DB-C2F3692CFA5A}" type="datetimeFigureOut">
               <a:rPr lang="en-US" smtClean="0"/>
-              <a:t>5/28/20</a:t>
+              <a:t>5/29/20</a:t>
             </a:fld>
             <a:endParaRPr lang="en-US"/>
           </a:p>
@@ -7368,7 +10254,7 @@
           <a:p>
             <a:fld id="{02AC24A9-CCB6-4F8D-B8DB-C2F3692CFA5A}" type="datetimeFigureOut">
               <a:rPr lang="en-US" smtClean="0"/>
-              <a:t>5/28/20</a:t>
+              <a:t>5/29/20</a:t>
             </a:fld>
             <a:endParaRPr lang="en-US" dirty="0"/>
           </a:p>
@@ -7845,7 +10731,7 @@
           <a:p>
             <a:fld id="{02AC24A9-CCB6-4F8D-B8DB-C2F3692CFA5A}" type="datetimeFigureOut">
               <a:rPr lang="en-US" smtClean="0"/>
-              <a:t>5/28/20</a:t>
+              <a:t>5/29/20</a:t>
             </a:fld>
             <a:endParaRPr lang="en-US"/>
           </a:p>
@@ -8088,7 +10974,7 @@
           <a:p>
             <a:fld id="{02AC24A9-CCB6-4F8D-B8DB-C2F3692CFA5A}" type="datetimeFigureOut">
               <a:rPr lang="en-US" smtClean="0"/>
-              <a:t>5/28/20</a:t>
+              <a:t>5/29/20</a:t>
             </a:fld>
             <a:endParaRPr lang="en-US"/>
           </a:p>
@@ -8706,8 +11592,8 @@
         </p:nvSpPr>
         <p:spPr>
           <a:xfrm>
-            <a:off x="477981" y="1122363"/>
-            <a:ext cx="4023360" cy="3204134"/>
+            <a:off x="477980" y="2107354"/>
+            <a:ext cx="4023360" cy="1430202"/>
           </a:xfrm>
         </p:spPr>
         <p:txBody>
@@ -8716,13 +11602,14 @@
           </a:bodyPr>
           <a:lstStyle/>
           <a:p>
+            <a:pPr algn="ctr"/>
             <a:r>
-              <a:rPr lang="en-CA" sz="4800">
+              <a:rPr lang="en-CA" sz="4800" dirty="0">
                 <a:cs typeface="Times New Roman" panose="02020603050405020304" pitchFamily="18" charset="0"/>
               </a:rPr>
               <a:t>Algorithmic Bias</a:t>
             </a:r>
-            <a:endParaRPr lang="en-US" sz="4800">
+            <a:endParaRPr lang="en-US" sz="4800" dirty="0">
               <a:cs typeface="Times New Roman" panose="02020603050405020304" pitchFamily="18" charset="0"/>
             </a:endParaRPr>
           </a:p>
@@ -8991,174 +11878,6 @@
           <p:cNvPr id="2" name="Title 1">
             <a:extLst>
               <a:ext uri="{FF2B5EF4-FFF2-40B4-BE49-F238E27FC236}">
-                <a16:creationId xmlns:a16="http://schemas.microsoft.com/office/drawing/2014/main" id="{B3E86A98-EF47-9643-BEC4-5270BF2B857D}"/>
-              </a:ext>
-            </a:extLst>
-          </p:cNvPr>
-          <p:cNvSpPr>
-            <a:spLocks noGrp="1"/>
-          </p:cNvSpPr>
-          <p:nvPr>
-            <p:ph type="title"/>
-          </p:nvPr>
-        </p:nvSpPr>
-        <p:spPr/>
-        <p:txBody>
-          <a:bodyPr/>
-          <a:lstStyle/>
-          <a:p>
-            <a:pPr algn="ctr"/>
-            <a:r>
-              <a:rPr lang="en-US" dirty="0"/>
-              <a:t>About Article 2</a:t>
-            </a:r>
-          </a:p>
-        </p:txBody>
-      </p:sp>
-      <p:sp>
-        <p:nvSpPr>
-          <p:cNvPr id="3" name="Content Placeholder 2">
-            <a:extLst>
-              <a:ext uri="{FF2B5EF4-FFF2-40B4-BE49-F238E27FC236}">
-                <a16:creationId xmlns:a16="http://schemas.microsoft.com/office/drawing/2014/main" id="{E189F2D2-5EC2-134A-A0F1-A39E609B0E11}"/>
-              </a:ext>
-            </a:extLst>
-          </p:cNvPr>
-          <p:cNvSpPr>
-            <a:spLocks noGrp="1"/>
-          </p:cNvSpPr>
-          <p:nvPr>
-            <p:ph idx="1"/>
-          </p:nvPr>
-        </p:nvSpPr>
-        <p:spPr/>
-        <p:txBody>
-          <a:bodyPr/>
-          <a:lstStyle/>
-          <a:p>
-            <a:endParaRPr lang="en-US"/>
-          </a:p>
-        </p:txBody>
-      </p:sp>
-    </p:spTree>
-    <p:extLst>
-      <p:ext uri="{BB962C8B-B14F-4D97-AF65-F5344CB8AC3E}">
-        <p14:creationId xmlns:p14="http://schemas.microsoft.com/office/powerpoint/2010/main" val="2990242687"/>
-      </p:ext>
-    </p:extLst>
-  </p:cSld>
-  <p:clrMapOvr>
-    <a:masterClrMapping/>
-  </p:clrMapOvr>
-</p:sld>
-</file>
-
-<file path=ppt/slides/slide11.xml><?xml version="1.0" encoding="utf-8"?>
-<p:sld xmlns:a="http://schemas.openxmlformats.org/drawingml/2006/main" xmlns:r="http://schemas.openxmlformats.org/officeDocument/2006/relationships" xmlns:p="http://schemas.openxmlformats.org/presentationml/2006/main">
-  <p:cSld>
-    <p:spTree>
-      <p:nvGrpSpPr>
-        <p:cNvPr id="1" name=""/>
-        <p:cNvGrpSpPr/>
-        <p:nvPr/>
-      </p:nvGrpSpPr>
-      <p:grpSpPr>
-        <a:xfrm>
-          <a:off x="0" y="0"/>
-          <a:ext cx="0" cy="0"/>
-          <a:chOff x="0" y="0"/>
-          <a:chExt cx="0" cy="0"/>
-        </a:xfrm>
-      </p:grpSpPr>
-      <p:sp>
-        <p:nvSpPr>
-          <p:cNvPr id="2" name="Title 1">
-            <a:extLst>
-              <a:ext uri="{FF2B5EF4-FFF2-40B4-BE49-F238E27FC236}">
-                <a16:creationId xmlns:a16="http://schemas.microsoft.com/office/drawing/2014/main" id="{5F9928EE-409D-D441-A967-46E00EFC3A8D}"/>
-              </a:ext>
-            </a:extLst>
-          </p:cNvPr>
-          <p:cNvSpPr>
-            <a:spLocks noGrp="1"/>
-          </p:cNvSpPr>
-          <p:nvPr>
-            <p:ph type="title"/>
-          </p:nvPr>
-        </p:nvSpPr>
-        <p:spPr/>
-        <p:txBody>
-          <a:bodyPr/>
-          <a:lstStyle/>
-          <a:p>
-            <a:pPr algn="ctr"/>
-            <a:r>
-              <a:rPr lang="en-US" dirty="0"/>
-              <a:t>About Article 2</a:t>
-            </a:r>
-          </a:p>
-        </p:txBody>
-      </p:sp>
-      <p:sp>
-        <p:nvSpPr>
-          <p:cNvPr id="3" name="Content Placeholder 2">
-            <a:extLst>
-              <a:ext uri="{FF2B5EF4-FFF2-40B4-BE49-F238E27FC236}">
-                <a16:creationId xmlns:a16="http://schemas.microsoft.com/office/drawing/2014/main" id="{4913C634-DE80-4E4E-9C2A-7CE068F01A37}"/>
-              </a:ext>
-            </a:extLst>
-          </p:cNvPr>
-          <p:cNvSpPr>
-            <a:spLocks noGrp="1"/>
-          </p:cNvSpPr>
-          <p:nvPr>
-            <p:ph idx="1"/>
-          </p:nvPr>
-        </p:nvSpPr>
-        <p:spPr/>
-        <p:txBody>
-          <a:bodyPr/>
-          <a:lstStyle/>
-          <a:p>
-            <a:endParaRPr lang="en-US"/>
-          </a:p>
-        </p:txBody>
-      </p:sp>
-    </p:spTree>
-    <p:extLst>
-      <p:ext uri="{BB962C8B-B14F-4D97-AF65-F5344CB8AC3E}">
-        <p14:creationId xmlns:p14="http://schemas.microsoft.com/office/powerpoint/2010/main" val="287626469"/>
-      </p:ext>
-    </p:extLst>
-  </p:cSld>
-  <p:clrMapOvr>
-    <a:masterClrMapping/>
-  </p:clrMapOvr>
-</p:sld>
-</file>
-
-<file path=ppt/slides/slide12.xml><?xml version="1.0" encoding="utf-8"?>
-<p:sld xmlns:a="http://schemas.openxmlformats.org/drawingml/2006/main" xmlns:r="http://schemas.openxmlformats.org/officeDocument/2006/relationships" xmlns:p="http://schemas.openxmlformats.org/presentationml/2006/main">
-  <p:cSld>
-    <p:spTree>
-      <p:nvGrpSpPr>
-        <p:cNvPr id="1" name=""/>
-        <p:cNvGrpSpPr/>
-        <p:nvPr/>
-      </p:nvGrpSpPr>
-      <p:grpSpPr>
-        <a:xfrm>
-          <a:off x="0" y="0"/>
-          <a:ext cx="0" cy="0"/>
-          <a:chOff x="0" y="0"/>
-          <a:chExt cx="0" cy="0"/>
-        </a:xfrm>
-      </p:grpSpPr>
-      <p:sp>
-        <p:nvSpPr>
-          <p:cNvPr id="2" name="Title 1">
-            <a:extLst>
-              <a:ext uri="{FF2B5EF4-FFF2-40B4-BE49-F238E27FC236}">
                 <a16:creationId xmlns:a16="http://schemas.microsoft.com/office/drawing/2014/main" id="{AF0686AD-4ECB-BF46-BB56-DBAD38D8D06C}"/>
               </a:ext>
             </a:extLst>
@@ -9182,11 +11901,12 @@
           </a:bodyPr>
           <a:lstStyle/>
           <a:p>
+            <a:pPr algn="ctr"/>
             <a:r>
-              <a:rPr lang="en-CA" sz="2800"/>
+              <a:rPr lang="en-CA" sz="2800" b="1" dirty="0"/>
               <a:t>In your groups</a:t>
             </a:r>
-            <a:endParaRPr lang="en-US" sz="2800"/>
+            <a:endParaRPr lang="en-US" sz="2800" b="1" dirty="0"/>
           </a:p>
         </p:txBody>
       </p:sp>
@@ -9218,25 +11938,14 @@
           </a:bodyPr>
           <a:lstStyle/>
           <a:p>
-            <a:pPr marL="0" indent="0">
+            <a:pPr marL="0" indent="0" algn="ctr">
               <a:buNone/>
             </a:pPr>
             <a:r>
-              <a:rPr lang="en-CA" sz="1700" dirty="0"/>
-              <a:t>For 10 mins I’ve linked each group to our </a:t>
+              <a:rPr lang="en-CA" sz="1700" b="1" dirty="0"/>
+              <a:t>For 15 mins in small group discuss a couple of the given questions!</a:t>
             </a:r>
-            <a:r>
-              <a:rPr lang="en-CA" sz="1700" dirty="0" err="1"/>
-              <a:t>padlet</a:t>
-            </a:r>
-            <a:r>
-              <a:rPr lang="en-CA" sz="1700" dirty="0"/>
-              <a:t>. As a group or individually, choose an idea or 2 to add</a:t>
-            </a:r>
-            <a:br>
-              <a:rPr lang="en-CA" sz="1700" dirty="0"/>
-            </a:br>
-            <a:endParaRPr lang="en-US" sz="1700" dirty="0"/>
+            <a:endParaRPr lang="en-US" sz="1700" b="1" dirty="0"/>
           </a:p>
         </p:txBody>
       </p:sp>
@@ -9293,8 +12002,8 @@
         </p:nvSpPr>
         <p:spPr>
           <a:xfrm>
-            <a:off x="725714" y="4234349"/>
-            <a:ext cx="3672115" cy="1077218"/>
+            <a:off x="710545" y="3429000"/>
+            <a:ext cx="3672115" cy="3016210"/>
           </a:xfrm>
           <a:prstGeom prst="rect">
             <a:avLst/>
@@ -9316,7 +12025,7 @@
             </a:pPr>
             <a:r>
               <a:rPr lang="en-US" dirty="0"/>
-              <a:t>Question 1</a:t>
+              <a:t>What factors can you think of that may effect algorithmic bias now or in the future?</a:t>
             </a:r>
           </a:p>
           <a:p>
@@ -9329,7 +12038,7 @@
             </a:pPr>
             <a:r>
               <a:rPr lang="en-US" dirty="0"/>
-              <a:t>Question 2</a:t>
+              <a:t>Do you think advertising algorithms should be allowed to be optimized for cost-efficiency over equality?</a:t>
             </a:r>
           </a:p>
           <a:p>
@@ -9342,7 +12051,7 @@
             </a:pPr>
             <a:r>
               <a:rPr lang="en-US" dirty="0"/>
-              <a:t>Question 3</a:t>
+              <a:t>Who do you think is more at fault for bias, Developers or the data they are using?</a:t>
             </a:r>
           </a:p>
         </p:txBody>
@@ -9360,7 +12069,7 @@
 </p:sld>
 </file>
 
-<file path=ppt/slides/slide13.xml><?xml version="1.0" encoding="utf-8"?>
+<file path=ppt/slides/slide11.xml><?xml version="1.0" encoding="utf-8"?>
 <p:sld xmlns:a="http://schemas.openxmlformats.org/drawingml/2006/main" xmlns:r="http://schemas.openxmlformats.org/officeDocument/2006/relationships" xmlns:p="http://schemas.openxmlformats.org/presentationml/2006/main">
   <p:cSld>
     <p:bg>
@@ -9387,10 +12096,10 @@
       </p:grpSpPr>
       <p:sp useBgFill="1">
         <p:nvSpPr>
-          <p:cNvPr id="9" name="Rectangle 8">
+          <p:cNvPr id="8" name="Rectangle 7">
             <a:extLst>
               <a:ext uri="{FF2B5EF4-FFF2-40B4-BE49-F238E27FC236}">
-                <a16:creationId xmlns:a16="http://schemas.microsoft.com/office/drawing/2014/main" id="{50E4C519-FBE9-4ABE-A8F9-C2CBE326932F}"/>
+                <a16:creationId xmlns:a16="http://schemas.microsoft.com/office/drawing/2014/main" id="{CBB2B1F0-0DD6-4744-9A46-7A344FB48E40}"/>
               </a:ext>
               <a:ext uri="{C183D7F6-B498-43B3-948B-1728B52AA6E4}">
                 <adec:decorative xmlns:adec="http://schemas.microsoft.com/office/drawing/2017/decorative" val="1"/>
@@ -9445,75 +12154,47 @@
           </a:p>
         </p:txBody>
       </p:sp>
-      <p:pic>
-        <p:nvPicPr>
-          <p:cNvPr id="5" name="Picture 4">
+      <p:sp>
+        <p:nvSpPr>
+          <p:cNvPr id="2" name="Title 1">
             <a:extLst>
               <a:ext uri="{FF2B5EF4-FFF2-40B4-BE49-F238E27FC236}">
-                <a16:creationId xmlns:a16="http://schemas.microsoft.com/office/drawing/2014/main" id="{047C0EA3-EA68-42A1-B37C-7DFED762E684}"/>
+                <a16:creationId xmlns:a16="http://schemas.microsoft.com/office/drawing/2014/main" id="{3C2F20A3-ECA5-0446-BD52-34D1C920D238}"/>
               </a:ext>
             </a:extLst>
           </p:cNvPr>
-          <p:cNvPicPr>
-            <a:picLocks noChangeAspect="1"/>
-          </p:cNvPicPr>
-          <p:nvPr/>
-        </p:nvPicPr>
-        <p:blipFill rotWithShape="1">
-          <a:blip r:embed="rId2"/>
-          <a:srcRect l="12924" r="-2" b="-2"/>
-          <a:stretch/>
-        </p:blipFill>
+          <p:cNvSpPr>
+            <a:spLocks noGrp="1"/>
+          </p:cNvSpPr>
+          <p:nvPr>
+            <p:ph type="title"/>
+          </p:nvPr>
+        </p:nvSpPr>
         <p:spPr>
           <a:xfrm>
-            <a:off x="3245637" y="-1"/>
-            <a:ext cx="8946363" cy="6858000"/>
+            <a:off x="841248" y="426720"/>
+            <a:ext cx="10506456" cy="1919141"/>
           </a:xfrm>
-          <a:custGeom>
-            <a:avLst/>
-            <a:gdLst/>
-            <a:ahLst/>
-            <a:cxnLst/>
-            <a:rect l="l" t="t" r="r" b="b"/>
-            <a:pathLst>
-              <a:path w="8946363" h="6858000">
-                <a:moveTo>
-                  <a:pt x="0" y="0"/>
-                </a:moveTo>
-                <a:lnTo>
-                  <a:pt x="8946363" y="0"/>
-                </a:lnTo>
-                <a:lnTo>
-                  <a:pt x="8946363" y="6858000"/>
-                </a:lnTo>
-                <a:lnTo>
-                  <a:pt x="1" y="6858000"/>
-                </a:lnTo>
-                <a:lnTo>
-                  <a:pt x="60040" y="6788731"/>
-                </a:lnTo>
-                <a:cubicBezTo>
-                  <a:pt x="770566" y="5928901"/>
-                  <a:pt x="1210035" y="4741057"/>
-                  <a:pt x="1210035" y="3429001"/>
-                </a:cubicBezTo>
-                <a:cubicBezTo>
-                  <a:pt x="1210035" y="2116945"/>
-                  <a:pt x="770566" y="929101"/>
-                  <a:pt x="60040" y="69272"/>
-                </a:cubicBezTo>
-                <a:close/>
-              </a:path>
-            </a:pathLst>
-          </a:custGeom>
         </p:spPr>
-      </p:pic>
-      <p:sp useBgFill="1">
+        <p:txBody>
+          <a:bodyPr anchor="b">
+            <a:normAutofit/>
+          </a:bodyPr>
+          <a:lstStyle/>
+          <a:p>
+            <a:r>
+              <a:rPr lang="en-US" sz="6000" dirty="0"/>
+              <a:t>Readings</a:t>
+            </a:r>
+          </a:p>
+        </p:txBody>
+      </p:sp>
+      <p:sp>
         <p:nvSpPr>
-          <p:cNvPr id="11" name="Freeform: Shape 10">
+          <p:cNvPr id="10" name="Rectangle 9">
             <a:extLst>
               <a:ext uri="{FF2B5EF4-FFF2-40B4-BE49-F238E27FC236}">
-                <a16:creationId xmlns:a16="http://schemas.microsoft.com/office/drawing/2014/main" id="{80EC29FB-299E-49F3-8C7B-01199632A30F}"/>
+                <a16:creationId xmlns:a16="http://schemas.microsoft.com/office/drawing/2014/main" id="{7A0B5DEA-ADF6-4BA5-9307-147F0A4685A0}"/>
               </a:ext>
               <a:ext uri="{C183D7F6-B498-43B3-948B-1728B52AA6E4}">
                 <adec:decorative xmlns:adec="http://schemas.microsoft.com/office/drawing/2017/decorative" val="1"/>
@@ -9533,473 +12214,8 @@
         </p:nvSpPr>
         <p:spPr>
           <a:xfrm>
-            <a:off x="0" y="-1"/>
-            <a:ext cx="4455672" cy="6858000"/>
-          </a:xfrm>
-          <a:custGeom>
-            <a:avLst/>
-            <a:gdLst>
-              <a:gd name="connsiteX0" fmla="*/ 0 w 4455672"/>
-              <a:gd name="connsiteY0" fmla="*/ 0 h 6858000"/>
-              <a:gd name="connsiteX1" fmla="*/ 3245636 w 4455672"/>
-              <a:gd name="connsiteY1" fmla="*/ 0 h 6858000"/>
-              <a:gd name="connsiteX2" fmla="*/ 3305677 w 4455672"/>
-              <a:gd name="connsiteY2" fmla="*/ 69272 h 6858000"/>
-              <a:gd name="connsiteX3" fmla="*/ 4455672 w 4455672"/>
-              <a:gd name="connsiteY3" fmla="*/ 3429001 h 6858000"/>
-              <a:gd name="connsiteX4" fmla="*/ 3305677 w 4455672"/>
-              <a:gd name="connsiteY4" fmla="*/ 6788731 h 6858000"/>
-              <a:gd name="connsiteX5" fmla="*/ 3245638 w 4455672"/>
-              <a:gd name="connsiteY5" fmla="*/ 6858000 h 6858000"/>
-              <a:gd name="connsiteX6" fmla="*/ 0 w 4455672"/>
-              <a:gd name="connsiteY6" fmla="*/ 6858000 h 6858000"/>
-            </a:gdLst>
-            <a:ahLst/>
-            <a:cxnLst>
-              <a:cxn ang="0">
-                <a:pos x="connsiteX0" y="connsiteY0"/>
-              </a:cxn>
-              <a:cxn ang="0">
-                <a:pos x="connsiteX1" y="connsiteY1"/>
-              </a:cxn>
-              <a:cxn ang="0">
-                <a:pos x="connsiteX2" y="connsiteY2"/>
-              </a:cxn>
-              <a:cxn ang="0">
-                <a:pos x="connsiteX3" y="connsiteY3"/>
-              </a:cxn>
-              <a:cxn ang="0">
-                <a:pos x="connsiteX4" y="connsiteY4"/>
-              </a:cxn>
-              <a:cxn ang="0">
-                <a:pos x="connsiteX5" y="connsiteY5"/>
-              </a:cxn>
-              <a:cxn ang="0">
-                <a:pos x="connsiteX6" y="connsiteY6"/>
-              </a:cxn>
-            </a:cxnLst>
-            <a:rect l="l" t="t" r="r" b="b"/>
-            <a:pathLst>
-              <a:path w="4455672" h="6858000">
-                <a:moveTo>
-                  <a:pt x="0" y="0"/>
-                </a:moveTo>
-                <a:lnTo>
-                  <a:pt x="3245636" y="0"/>
-                </a:lnTo>
-                <a:lnTo>
-                  <a:pt x="3305677" y="69272"/>
-                </a:lnTo>
-                <a:cubicBezTo>
-                  <a:pt x="4016203" y="929101"/>
-                  <a:pt x="4455672" y="2116945"/>
-                  <a:pt x="4455672" y="3429001"/>
-                </a:cubicBezTo>
-                <a:cubicBezTo>
-                  <a:pt x="4455672" y="4741057"/>
-                  <a:pt x="4016203" y="5928901"/>
-                  <a:pt x="3305677" y="6788731"/>
-                </a:cubicBezTo>
-                <a:lnTo>
-                  <a:pt x="3245638" y="6858000"/>
-                </a:lnTo>
-                <a:lnTo>
-                  <a:pt x="0" y="6858000"/>
-                </a:lnTo>
-                <a:close/>
-              </a:path>
-            </a:pathLst>
-          </a:custGeom>
-          <a:ln w="9525">
-            <a:solidFill>
-              <a:schemeClr val="tx2">
-                <a:lumMod val="10000"/>
-                <a:lumOff val="90000"/>
-              </a:schemeClr>
-            </a:solidFill>
-          </a:ln>
-          <a:effectLst>
-            <a:outerShdw blurRad="50800" dist="38100" algn="l" rotWithShape="0">
-              <a:schemeClr val="bg1">
-                <a:lumMod val="85000"/>
-                <a:alpha val="30000"/>
-              </a:schemeClr>
-            </a:outerShdw>
-          </a:effectLst>
-        </p:spPr>
-        <p:style>
-          <a:lnRef idx="2">
-            <a:schemeClr val="accent1">
-              <a:shade val="50000"/>
-            </a:schemeClr>
-          </a:lnRef>
-          <a:fillRef idx="1">
-            <a:schemeClr val="accent1"/>
-          </a:fillRef>
-          <a:effectRef idx="0">
-            <a:schemeClr val="accent1"/>
-          </a:effectRef>
-          <a:fontRef idx="minor">
-            <a:schemeClr val="lt1"/>
-          </a:fontRef>
-        </p:style>
-        <p:txBody>
-          <a:bodyPr wrap="square" rtlCol="0" anchor="ctr">
-            <a:noAutofit/>
-          </a:bodyPr>
-          <a:lstStyle/>
-          <a:p>
-            <a:pPr marL="0" marR="0" lvl="0" indent="0" algn="ctr" defTabSz="914400" rtl="0" eaLnBrk="1" fontAlgn="auto" latinLnBrk="0" hangingPunct="1">
-              <a:lnSpc>
-                <a:spcPct val="100000"/>
-              </a:lnSpc>
-              <a:spcBef>
-                <a:spcPts val="0"/>
-              </a:spcBef>
-              <a:spcAft>
-                <a:spcPts val="0"/>
-              </a:spcAft>
-              <a:buClrTx/>
-              <a:buSzTx/>
-              <a:buFontTx/>
-              <a:buNone/>
-              <a:tabLst/>
-              <a:defRPr/>
-            </a:pPr>
-            <a:endParaRPr kumimoji="0" lang="en-US" sz="1800" b="0" i="0" u="none" strike="noStrike" kern="1200" cap="none" spc="0" normalizeH="0" baseline="0" noProof="0">
-              <a:ln>
-                <a:noFill/>
-              </a:ln>
-              <a:solidFill>
-                <a:prstClr val="white"/>
-              </a:solidFill>
-              <a:effectLst/>
-              <a:uLnTx/>
-              <a:uFillTx/>
-              <a:latin typeface="Calibri" panose="020F0502020204030204"/>
-              <a:ea typeface="+mn-ea"/>
-              <a:cs typeface="+mn-cs"/>
-            </a:endParaRPr>
-          </a:p>
-        </p:txBody>
-      </p:sp>
-      <p:sp useBgFill="1">
-        <p:nvSpPr>
-          <p:cNvPr id="13" name="Freeform: Shape 12">
-            <a:extLst>
-              <a:ext uri="{FF2B5EF4-FFF2-40B4-BE49-F238E27FC236}">
-                <a16:creationId xmlns:a16="http://schemas.microsoft.com/office/drawing/2014/main" id="{C29A2522-B27A-45C5-897B-79A1407D159A}"/>
-              </a:ext>
-              <a:ext uri="{C183D7F6-B498-43B3-948B-1728B52AA6E4}">
-                <adec:decorative xmlns:adec="http://schemas.microsoft.com/office/drawing/2017/decorative" val="1"/>
-              </a:ext>
-            </a:extLst>
-          </p:cNvPr>
-          <p:cNvSpPr>
-            <a:spLocks noGrp="1" noRot="1" noChangeAspect="1" noMove="1" noResize="1" noEditPoints="1" noAdjustHandles="1" noChangeArrowheads="1" noChangeShapeType="1" noTextEdit="1"/>
-          </p:cNvSpPr>
-          <p:nvPr>
-            <p:extLst>
-              <p:ext uri="{386F3935-93C4-4BCD-93E2-E3B085C9AB24}">
-                <p16:designElem xmlns:p16="http://schemas.microsoft.com/office/powerpoint/2015/main" val="1"/>
-              </p:ext>
-            </p:extLst>
-          </p:nvPr>
-        </p:nvSpPr>
-        <p:spPr>
-          <a:xfrm>
-            <a:off x="0" y="0"/>
-            <a:ext cx="4446528" cy="6858000"/>
-          </a:xfrm>
-          <a:custGeom>
-            <a:avLst/>
-            <a:gdLst>
-              <a:gd name="connsiteX0" fmla="*/ 0 w 4446528"/>
-              <a:gd name="connsiteY0" fmla="*/ 0 h 6858000"/>
-              <a:gd name="connsiteX1" fmla="*/ 3236492 w 4446528"/>
-              <a:gd name="connsiteY1" fmla="*/ 0 h 6858000"/>
-              <a:gd name="connsiteX2" fmla="*/ 3296533 w 4446528"/>
-              <a:gd name="connsiteY2" fmla="*/ 69272 h 6858000"/>
-              <a:gd name="connsiteX3" fmla="*/ 4446528 w 4446528"/>
-              <a:gd name="connsiteY3" fmla="*/ 3429001 h 6858000"/>
-              <a:gd name="connsiteX4" fmla="*/ 3296533 w 4446528"/>
-              <a:gd name="connsiteY4" fmla="*/ 6788731 h 6858000"/>
-              <a:gd name="connsiteX5" fmla="*/ 3236494 w 4446528"/>
-              <a:gd name="connsiteY5" fmla="*/ 6858000 h 6858000"/>
-              <a:gd name="connsiteX6" fmla="*/ 0 w 4446528"/>
-              <a:gd name="connsiteY6" fmla="*/ 6858000 h 6858000"/>
-            </a:gdLst>
-            <a:ahLst/>
-            <a:cxnLst>
-              <a:cxn ang="0">
-                <a:pos x="connsiteX0" y="connsiteY0"/>
-              </a:cxn>
-              <a:cxn ang="0">
-                <a:pos x="connsiteX1" y="connsiteY1"/>
-              </a:cxn>
-              <a:cxn ang="0">
-                <a:pos x="connsiteX2" y="connsiteY2"/>
-              </a:cxn>
-              <a:cxn ang="0">
-                <a:pos x="connsiteX3" y="connsiteY3"/>
-              </a:cxn>
-              <a:cxn ang="0">
-                <a:pos x="connsiteX4" y="connsiteY4"/>
-              </a:cxn>
-              <a:cxn ang="0">
-                <a:pos x="connsiteX5" y="connsiteY5"/>
-              </a:cxn>
-              <a:cxn ang="0">
-                <a:pos x="connsiteX6" y="connsiteY6"/>
-              </a:cxn>
-            </a:cxnLst>
-            <a:rect l="l" t="t" r="r" b="b"/>
-            <a:pathLst>
-              <a:path w="4446528" h="6858000">
-                <a:moveTo>
-                  <a:pt x="0" y="0"/>
-                </a:moveTo>
-                <a:lnTo>
-                  <a:pt x="3236492" y="0"/>
-                </a:lnTo>
-                <a:lnTo>
-                  <a:pt x="3296533" y="69272"/>
-                </a:lnTo>
-                <a:cubicBezTo>
-                  <a:pt x="4007059" y="929101"/>
-                  <a:pt x="4446528" y="2116945"/>
-                  <a:pt x="4446528" y="3429001"/>
-                </a:cubicBezTo>
-                <a:cubicBezTo>
-                  <a:pt x="4446528" y="4741057"/>
-                  <a:pt x="4007059" y="5928901"/>
-                  <a:pt x="3296533" y="6788731"/>
-                </a:cubicBezTo>
-                <a:lnTo>
-                  <a:pt x="3236494" y="6858000"/>
-                </a:lnTo>
-                <a:lnTo>
-                  <a:pt x="0" y="6858000"/>
-                </a:lnTo>
-                <a:close/>
-              </a:path>
-            </a:pathLst>
-          </a:custGeom>
-          <a:ln w="9525">
-            <a:noFill/>
-          </a:ln>
-          <a:effectLst/>
-        </p:spPr>
-        <p:style>
-          <a:lnRef idx="2">
-            <a:schemeClr val="accent1">
-              <a:shade val="50000"/>
-            </a:schemeClr>
-          </a:lnRef>
-          <a:fillRef idx="1">
-            <a:schemeClr val="accent1"/>
-          </a:fillRef>
-          <a:effectRef idx="0">
-            <a:schemeClr val="accent1"/>
-          </a:effectRef>
-          <a:fontRef idx="minor">
-            <a:schemeClr val="lt1"/>
-          </a:fontRef>
-        </p:style>
-        <p:txBody>
-          <a:bodyPr wrap="square" rtlCol="0" anchor="ctr">
-            <a:noAutofit/>
-          </a:bodyPr>
-          <a:lstStyle/>
-          <a:p>
-            <a:pPr marL="0" marR="0" lvl="0" indent="0" algn="ctr" defTabSz="914400" rtl="0" eaLnBrk="1" fontAlgn="auto" latinLnBrk="0" hangingPunct="1">
-              <a:lnSpc>
-                <a:spcPct val="100000"/>
-              </a:lnSpc>
-              <a:spcBef>
-                <a:spcPts val="0"/>
-              </a:spcBef>
-              <a:spcAft>
-                <a:spcPts val="0"/>
-              </a:spcAft>
-              <a:buClrTx/>
-              <a:buSzTx/>
-              <a:buFontTx/>
-              <a:buNone/>
-              <a:tabLst/>
-              <a:defRPr/>
-            </a:pPr>
-            <a:endParaRPr kumimoji="0" lang="en-US" sz="1800" b="0" i="0" u="none" strike="noStrike" kern="1200" cap="none" spc="0" normalizeH="0" baseline="0" noProof="0">
-              <a:ln>
-                <a:noFill/>
-              </a:ln>
-              <a:solidFill>
-                <a:prstClr val="white"/>
-              </a:solidFill>
-              <a:effectLst/>
-              <a:uLnTx/>
-              <a:uFillTx/>
-              <a:latin typeface="Calibri" panose="020F0502020204030204"/>
-              <a:ea typeface="+mn-ea"/>
-              <a:cs typeface="+mn-cs"/>
-            </a:endParaRPr>
-          </a:p>
-        </p:txBody>
-      </p:sp>
-      <p:sp>
-        <p:nvSpPr>
-          <p:cNvPr id="2" name="Title 1">
-            <a:extLst>
-              <a:ext uri="{FF2B5EF4-FFF2-40B4-BE49-F238E27FC236}">
-                <a16:creationId xmlns:a16="http://schemas.microsoft.com/office/drawing/2014/main" id="{FC26B6CB-0E4F-C84C-B60D-93BFEA35F218}"/>
-              </a:ext>
-            </a:extLst>
-          </p:cNvPr>
-          <p:cNvSpPr>
-            <a:spLocks noGrp="1"/>
-          </p:cNvSpPr>
-          <p:nvPr>
-            <p:ph type="title"/>
-          </p:nvPr>
-        </p:nvSpPr>
-        <p:spPr>
-          <a:xfrm>
-            <a:off x="371094" y="1161288"/>
-            <a:ext cx="3438144" cy="1239012"/>
-          </a:xfrm>
-        </p:spPr>
-        <p:txBody>
-          <a:bodyPr anchor="ctr">
-            <a:normAutofit/>
-          </a:bodyPr>
-          <a:lstStyle/>
-          <a:p>
-            <a:r>
-              <a:rPr lang="en-US" sz="2800"/>
-              <a:t>Readings</a:t>
-            </a:r>
-          </a:p>
-        </p:txBody>
-      </p:sp>
-      <p:sp>
-        <p:nvSpPr>
-          <p:cNvPr id="15" name="Rectangle 14">
-            <a:extLst>
-              <a:ext uri="{FF2B5EF4-FFF2-40B4-BE49-F238E27FC236}">
-                <a16:creationId xmlns:a16="http://schemas.microsoft.com/office/drawing/2014/main" id="{98E79BE4-34FE-485A-98A5-92CE8F7C4743}"/>
-              </a:ext>
-              <a:ext uri="{C183D7F6-B498-43B3-948B-1728B52AA6E4}">
-                <adec:decorative xmlns:adec="http://schemas.microsoft.com/office/drawing/2017/decorative" val="1"/>
-              </a:ext>
-            </a:extLst>
-          </p:cNvPr>
-          <p:cNvSpPr>
-            <a:spLocks noGrp="1" noRot="1" noChangeAspect="1" noMove="1" noResize="1" noEditPoints="1" noAdjustHandles="1" noChangeArrowheads="1" noChangeShapeType="1" noTextEdit="1"/>
-          </p:cNvSpPr>
-          <p:nvPr>
-            <p:extLst>
-              <p:ext uri="{386F3935-93C4-4BCD-93E2-E3B085C9AB24}">
-                <p16:designElem xmlns:p16="http://schemas.microsoft.com/office/powerpoint/2015/main" val="1"/>
-              </p:ext>
-            </p:extLst>
-          </p:nvPr>
-        </p:nvSpPr>
-        <p:spPr>
-          <a:xfrm>
-            <a:off x="0" y="1420961"/>
-            <a:ext cx="128016" cy="653903"/>
-          </a:xfrm>
-          <a:prstGeom prst="rect">
-            <a:avLst/>
-          </a:prstGeom>
-          <a:solidFill>
-            <a:schemeClr val="accent1"/>
-          </a:solidFill>
-          <a:ln>
-            <a:noFill/>
-          </a:ln>
-        </p:spPr>
-        <p:style>
-          <a:lnRef idx="2">
-            <a:schemeClr val="accent1">
-              <a:shade val="50000"/>
-            </a:schemeClr>
-          </a:lnRef>
-          <a:fillRef idx="1">
-            <a:schemeClr val="accent1"/>
-          </a:fillRef>
-          <a:effectRef idx="0">
-            <a:schemeClr val="accent1"/>
-          </a:effectRef>
-          <a:fontRef idx="minor">
-            <a:schemeClr val="lt1"/>
-          </a:fontRef>
-        </p:style>
-        <p:txBody>
-          <a:bodyPr rtlCol="0" anchor="ctr"/>
-          <a:lstStyle/>
-          <a:p>
-            <a:pPr marL="0" marR="0" lvl="0" indent="0" algn="ctr" defTabSz="914400" rtl="0" eaLnBrk="1" fontAlgn="auto" latinLnBrk="0" hangingPunct="1">
-              <a:lnSpc>
-                <a:spcPct val="100000"/>
-              </a:lnSpc>
-              <a:spcBef>
-                <a:spcPts val="0"/>
-              </a:spcBef>
-              <a:spcAft>
-                <a:spcPts val="0"/>
-              </a:spcAft>
-              <a:buClrTx/>
-              <a:buSzTx/>
-              <a:buFontTx/>
-              <a:buNone/>
-              <a:tabLst/>
-              <a:defRPr/>
-            </a:pPr>
-            <a:endParaRPr kumimoji="0" lang="en-US" sz="1800" b="0" i="0" u="none" strike="noStrike" kern="1200" cap="none" spc="0" normalizeH="0" baseline="0" noProof="0">
-              <a:ln>
-                <a:noFill/>
-              </a:ln>
-              <a:solidFill>
-                <a:prstClr val="white"/>
-              </a:solidFill>
-              <a:effectLst/>
-              <a:uLnTx/>
-              <a:uFillTx/>
-              <a:latin typeface="Calibri" panose="020F0502020204030204"/>
-              <a:ea typeface="+mn-ea"/>
-              <a:cs typeface="+mn-cs"/>
-            </a:endParaRPr>
-          </a:p>
-        </p:txBody>
-      </p:sp>
-      <p:sp>
-        <p:nvSpPr>
-          <p:cNvPr id="17" name="Rectangle 16">
-            <a:extLst>
-              <a:ext uri="{FF2B5EF4-FFF2-40B4-BE49-F238E27FC236}">
-                <a16:creationId xmlns:a16="http://schemas.microsoft.com/office/drawing/2014/main" id="{7A5F0580-5EE9-419F-96EE-B6529EF6E7D0}"/>
-              </a:ext>
-              <a:ext uri="{C183D7F6-B498-43B3-948B-1728B52AA6E4}">
-                <adec:decorative xmlns:adec="http://schemas.microsoft.com/office/drawing/2017/decorative" val="1"/>
-              </a:ext>
-            </a:extLst>
-          </p:cNvPr>
-          <p:cNvSpPr>
-            <a:spLocks noGrp="1" noRot="1" noChangeAspect="1" noMove="1" noResize="1" noEditPoints="1" noAdjustHandles="1" noChangeArrowheads="1" noChangeShapeType="1" noTextEdit="1"/>
-          </p:cNvSpPr>
-          <p:nvPr>
-            <p:extLst>
-              <p:ext uri="{386F3935-93C4-4BCD-93E2-E3B085C9AB24}">
-                <p16:designElem xmlns:p16="http://schemas.microsoft.com/office/powerpoint/2015/main" val="1"/>
-              </p:ext>
-            </p:extLst>
-          </p:nvPr>
-        </p:nvSpPr>
-        <p:spPr>
-          <a:xfrm>
-            <a:off x="414181" y="2443480"/>
-            <a:ext cx="3383280" cy="18288"/>
+            <a:off x="868680" y="2898648"/>
+            <a:ext cx="10506456" cy="18288"/>
           </a:xfrm>
           <a:prstGeom prst="rect">
             <a:avLst/>
@@ -10071,10 +12287,102 @@
       </p:sp>
       <p:sp>
         <p:nvSpPr>
-          <p:cNvPr id="25" name="Content Placeholder 2">
+          <p:cNvPr id="12" name="Rectangle 11">
             <a:extLst>
               <a:ext uri="{FF2B5EF4-FFF2-40B4-BE49-F238E27FC236}">
-                <a16:creationId xmlns:a16="http://schemas.microsoft.com/office/drawing/2014/main" id="{87BBF52D-BF4D-9444-AF1D-A1437C02131F}"/>
+                <a16:creationId xmlns:a16="http://schemas.microsoft.com/office/drawing/2014/main" id="{9DECDBF4-02B6-4BB4-B65B-B8107AD6A9E8}"/>
+              </a:ext>
+              <a:ext uri="{C183D7F6-B498-43B3-948B-1728B52AA6E4}">
+                <adec:decorative xmlns:adec="http://schemas.microsoft.com/office/drawing/2017/decorative" val="1"/>
+              </a:ext>
+            </a:extLst>
+          </p:cNvPr>
+          <p:cNvSpPr>
+            <a:spLocks noGrp="1" noRot="1" noChangeAspect="1" noMove="1" noResize="1" noEditPoints="1" noAdjustHandles="1" noChangeArrowheads="1" noChangeShapeType="1" noTextEdit="1"/>
+          </p:cNvSpPr>
+          <p:nvPr>
+            <p:extLst>
+              <p:ext uri="{386F3935-93C4-4BCD-93E2-E3B085C9AB24}">
+                <p16:designElem xmlns:p16="http://schemas.microsoft.com/office/powerpoint/2015/main" val="1"/>
+              </p:ext>
+            </p:extLst>
+          </p:nvPr>
+        </p:nvSpPr>
+        <p:spPr>
+          <a:xfrm flipV="1">
+            <a:off x="841248" y="2783982"/>
+            <a:ext cx="1873457" cy="137160"/>
+          </a:xfrm>
+          <a:prstGeom prst="rect">
+            <a:avLst/>
+          </a:prstGeom>
+          <a:solidFill>
+            <a:schemeClr val="accent1"/>
+          </a:solidFill>
+          <a:ln>
+            <a:noFill/>
+          </a:ln>
+        </p:spPr>
+        <p:style>
+          <a:lnRef idx="2">
+            <a:schemeClr val="accent1">
+              <a:shade val="50000"/>
+            </a:schemeClr>
+          </a:lnRef>
+          <a:fillRef idx="1">
+            <a:schemeClr val="accent1"/>
+          </a:fillRef>
+          <a:effectRef idx="0">
+            <a:schemeClr val="accent1"/>
+          </a:effectRef>
+          <a:fontRef idx="minor">
+            <a:schemeClr val="lt1"/>
+          </a:fontRef>
+        </p:style>
+        <p:txBody>
+          <a:bodyPr rtlCol="0" anchor="ctr"/>
+          <a:lstStyle/>
+          <a:p>
+            <a:pPr marL="0" marR="0" lvl="0" indent="0" algn="ctr" defTabSz="914400" rtl="0" eaLnBrk="1" fontAlgn="auto" latinLnBrk="0" hangingPunct="1">
+              <a:lnSpc>
+                <a:spcPct val="100000"/>
+              </a:lnSpc>
+              <a:spcBef>
+                <a:spcPts val="0"/>
+              </a:spcBef>
+              <a:spcAft>
+                <a:spcPts val="0"/>
+              </a:spcAft>
+              <a:buClrTx/>
+              <a:buSzTx/>
+              <a:buFontTx/>
+              <a:buNone/>
+              <a:tabLst/>
+              <a:defRPr/>
+            </a:pPr>
+            <a:endParaRPr kumimoji="0" lang="en-US" sz="1800" b="0" i="0" u="none" strike="noStrike" kern="1200" cap="none" spc="0" normalizeH="0" baseline="0" noProof="0">
+              <a:ln>
+                <a:noFill/>
+              </a:ln>
+              <a:solidFill>
+                <a:prstClr val="white"/>
+              </a:solidFill>
+              <a:effectLst/>
+              <a:uLnTx/>
+              <a:uFillTx/>
+              <a:latin typeface="Calibri" panose="020F0502020204030204"/>
+              <a:ea typeface="+mn-ea"/>
+              <a:cs typeface="+mn-cs"/>
+            </a:endParaRPr>
+          </a:p>
+        </p:txBody>
+      </p:sp>
+      <p:sp>
+        <p:nvSpPr>
+          <p:cNvPr id="3" name="Content Placeholder 2">
+            <a:extLst>
+              <a:ext uri="{FF2B5EF4-FFF2-40B4-BE49-F238E27FC236}">
+                <a16:creationId xmlns:a16="http://schemas.microsoft.com/office/drawing/2014/main" id="{3C7B9A62-A6DF-DF49-9186-EF12F576FB26}"/>
               </a:ext>
             </a:extLst>
           </p:cNvPr>
@@ -10087,31 +12395,33 @@
         </p:nvSpPr>
         <p:spPr>
           <a:xfrm>
-            <a:off x="371094" y="2718054"/>
-            <a:ext cx="3438906" cy="3207258"/>
+            <a:off x="841248" y="3337269"/>
+            <a:ext cx="10509504" cy="2905686"/>
           </a:xfrm>
         </p:spPr>
         <p:txBody>
-          <a:bodyPr anchor="t">
+          <a:bodyPr>
             <a:normAutofit/>
           </a:bodyPr>
           <a:lstStyle/>
           <a:p>
             <a:r>
-              <a:rPr lang="en-US" sz="1700"/>
-              <a:t>Reading 1</a:t>
+              <a:rPr lang="en-US" sz="2000" dirty="0"/>
+              <a:t>Review the two articles cited in this lecture</a:t>
             </a:r>
           </a:p>
           <a:p>
+            <a:pPr lvl="1"/>
             <a:r>
-              <a:rPr lang="en-US" sz="1700"/>
-              <a:t>Reading 2</a:t>
+              <a:rPr lang="en-US" sz="2000" dirty="0"/>
+              <a:t>Algorithmic Bias? An Empirical Study of Apparent Gender-Based Discrimination in the Display of STEM Career Ads</a:t>
             </a:r>
           </a:p>
           <a:p>
+            <a:pPr lvl="1"/>
             <a:r>
-              <a:rPr lang="en-US" sz="1700"/>
-              <a:t>Reading 3</a:t>
+              <a:rPr lang="en-US" sz="2000" dirty="0"/>
+              <a:t>Data and Algorithmic Bias In The Web</a:t>
             </a:r>
           </a:p>
         </p:txBody>
@@ -10119,7 +12429,7 @@
     </p:spTree>
     <p:extLst>
       <p:ext uri="{BB962C8B-B14F-4D97-AF65-F5344CB8AC3E}">
-        <p14:creationId xmlns:p14="http://schemas.microsoft.com/office/powerpoint/2010/main" val="1579687391"/>
+        <p14:creationId xmlns:p14="http://schemas.microsoft.com/office/powerpoint/2010/main" val="1056084290"/>
       </p:ext>
     </p:extLst>
   </p:cSld>
@@ -10129,7 +12439,7 @@
 </p:sld>
 </file>
 
-<file path=ppt/slides/slide14.xml><?xml version="1.0" encoding="utf-8"?>
+<file path=ppt/slides/slide12.xml><?xml version="1.0" encoding="utf-8"?>
 <p:sld xmlns:a="http://schemas.openxmlformats.org/drawingml/2006/main" xmlns:r="http://schemas.openxmlformats.org/officeDocument/2006/relationships" xmlns:p="http://schemas.openxmlformats.org/presentationml/2006/main">
   <p:cSld>
     <p:bg>
@@ -10581,7 +12891,7 @@
           <a:lstStyle/>
           <a:p>
             <a:r>
-              <a:rPr lang="en-US" sz="2800"/>
+              <a:rPr lang="en-US" sz="2800" dirty="0"/>
               <a:t>Bibliography </a:t>
             </a:r>
           </a:p>
@@ -10799,27 +13109,81 @@
         </p:spPr>
         <p:txBody>
           <a:bodyPr anchor="t">
-            <a:normAutofit/>
+            <a:normAutofit fontScale="62500" lnSpcReduction="20000"/>
           </a:bodyPr>
           <a:lstStyle/>
           <a:p>
             <a:r>
-              <a:rPr lang="en-US" sz="1700"/>
-              <a:t>Reference 1</a:t>
+              <a:rPr lang="en-US" sz="1700" dirty="0"/>
+              <a:t>Ricardo </a:t>
             </a:r>
-          </a:p>
-          <a:p>
             <a:r>
-              <a:rPr lang="en-US" sz="1700"/>
-              <a:t>Reference 2</a:t>
+              <a:rPr lang="en-US" sz="1700" dirty="0" err="1"/>
+              <a:t>Baeza</a:t>
             </a:r>
-          </a:p>
-          <a:p>
             <a:r>
-              <a:rPr lang="en-US" sz="1700"/>
-              <a:t>Reference 3</a:t>
+              <a:rPr lang="en-US" sz="1700" dirty="0"/>
+              <a:t>-Yates. 2016. Data and algorithmic bias in the web. In Proceedings of the 8th ACM Conference on Web Science (</a:t>
             </a:r>
-            <a:endParaRPr lang="en-US" sz="1700" dirty="0"/>
+            <a:r>
+              <a:rPr lang="en-US" sz="1700" dirty="0" err="1"/>
+              <a:t>WebSci</a:t>
+            </a:r>
+            <a:r>
+              <a:rPr lang="en-US" sz="1700" dirty="0"/>
+              <a:t> ’16). Association for Computing Machinery, New York, NY, USA, 1. </a:t>
+            </a:r>
+            <a:r>
+              <a:rPr lang="en-US" sz="1700" dirty="0" err="1"/>
+              <a:t>DOI:</a:t>
+            </a:r>
+            <a:r>
+              <a:rPr lang="en-US" sz="1700" dirty="0" err="1">
+                <a:hlinkClick r:id="rId2"/>
+              </a:rPr>
+              <a:t>https</a:t>
+            </a:r>
+            <a:r>
+              <a:rPr lang="en-US" sz="1700" dirty="0">
+                <a:hlinkClick r:id="rId2"/>
+              </a:rPr>
+              <a:t>://</a:t>
+            </a:r>
+            <a:r>
+              <a:rPr lang="en-US" sz="1700" dirty="0" err="1">
+                <a:hlinkClick r:id="rId2"/>
+              </a:rPr>
+              <a:t>doi.org</a:t>
+            </a:r>
+            <a:r>
+              <a:rPr lang="en-US" sz="1700" dirty="0">
+                <a:hlinkClick r:id="rId2"/>
+              </a:rPr>
+              <a:t>/10.1145/2908131.2908135 </a:t>
+            </a:r>
+            <a:endParaRPr lang="en-US" sz="1300" dirty="0"/>
+          </a:p>
+          <a:p>
+            <a:r>
+              <a:rPr lang="en-CA" sz="1800" dirty="0"/>
+              <a:t>Lambrecht, A. (2019, April 10). Algorithmic Bias? An Empirical Study of Apparent Gender-Based Discrimination in the Display of STEM Career Ads. Retrieved May 29, 2020, from </a:t>
+            </a:r>
+            <a:r>
+              <a:rPr lang="en-CA" sz="1800" dirty="0">
+                <a:hlinkClick r:id="rId3"/>
+              </a:rPr>
+              <a:t>https://pubsonline.informs.org/doi/abs/10.1287/mnsc.2018.3093</a:t>
+            </a:r>
+            <a:endParaRPr lang="en-CA" sz="1800" dirty="0"/>
+          </a:p>
+          <a:p>
+            <a:r>
+              <a:rPr lang="en-CA" sz="1800" dirty="0">
+                <a:hlinkClick r:id="rId4"/>
+              </a:rPr>
+              <a:t>https://www.youtube.com/watch?v=gV0_raKR2UQ</a:t>
+            </a:r>
+            <a:endParaRPr lang="en-CA" sz="1800" dirty="0"/>
           </a:p>
         </p:txBody>
       </p:sp>
@@ -10838,13 +13202,13 @@
           <p:nvPr/>
         </p:nvPicPr>
         <p:blipFill>
-          <a:blip r:embed="rId2">
+          <a:blip r:embed="rId5">
             <a:extLst>
               <a:ext uri="{28A0092B-C50C-407E-A947-70E740481C1C}">
                 <a14:useLocalDpi xmlns:a14="http://schemas.microsoft.com/office/drawing/2010/main" val="0"/>
               </a:ext>
               <a:ext uri="{96DAC541-7B7A-43D3-8B79-37D633B846F1}">
-                <asvg:svgBlip xmlns:asvg="http://schemas.microsoft.com/office/drawing/2016/SVG/main" r:embed="rId3"/>
+                <asvg:svgBlip xmlns:asvg="http://schemas.microsoft.com/office/drawing/2016/SVG/main" r:embed="rId6"/>
               </a:ext>
             </a:extLst>
           </a:blip>
@@ -11200,7 +13564,7 @@
             <p:ph idx="1"/>
             <p:extLst>
               <p:ext uri="{D42A27DB-BD31-4B8C-83A1-F6EECF244321}">
-                <p14:modId xmlns:p14="http://schemas.microsoft.com/office/powerpoint/2010/main" val="2083708722"/>
+                <p14:modId xmlns:p14="http://schemas.microsoft.com/office/powerpoint/2010/main" val="4064422866"/>
               </p:ext>
             </p:extLst>
           </p:nvPr>
@@ -11231,6 +13595,14 @@
 <file path=ppt/slides/slide3.xml><?xml version="1.0" encoding="utf-8"?>
 <p:sld xmlns:a="http://schemas.openxmlformats.org/drawingml/2006/main" xmlns:r="http://schemas.openxmlformats.org/officeDocument/2006/relationships" xmlns:p="http://schemas.openxmlformats.org/presentationml/2006/main">
   <p:cSld>
+    <p:bg>
+      <p:bgPr>
+        <a:solidFill>
+          <a:schemeClr val="bg1"/>
+        </a:solidFill>
+        <a:effectLst/>
+      </p:bgPr>
+    </p:bg>
     <p:spTree>
       <p:nvGrpSpPr>
         <p:cNvPr id="1" name=""/>
@@ -11247,6 +13619,254 @@
       </p:grpSpPr>
       <p:sp>
         <p:nvSpPr>
+          <p:cNvPr id="38" name="Rectangle 23">
+            <a:extLst>
+              <a:ext uri="{FF2B5EF4-FFF2-40B4-BE49-F238E27FC236}">
+                <a16:creationId xmlns:a16="http://schemas.microsoft.com/office/drawing/2014/main" id="{8D06CE56-3881-4ADA-8CEF-D18B02C242A3}"/>
+              </a:ext>
+              <a:ext uri="{C183D7F6-B498-43B3-948B-1728B52AA6E4}">
+                <adec:decorative xmlns:adec="http://schemas.microsoft.com/office/drawing/2017/decorative" val="1"/>
+              </a:ext>
+            </a:extLst>
+          </p:cNvPr>
+          <p:cNvSpPr>
+            <a:spLocks noGrp="1" noRot="1" noChangeAspect="1" noMove="1" noResize="1" noEditPoints="1" noAdjustHandles="1" noChangeArrowheads="1" noChangeShapeType="1" noTextEdit="1"/>
+          </p:cNvSpPr>
+          <p:nvPr>
+            <p:extLst>
+              <p:ext uri="{386F3935-93C4-4BCD-93E2-E3B085C9AB24}">
+                <p16:designElem xmlns:p16="http://schemas.microsoft.com/office/powerpoint/2015/main" val="1"/>
+              </p:ext>
+            </p:extLst>
+          </p:nvPr>
+        </p:nvSpPr>
+        <p:spPr>
+          <a:xfrm rot="5400000">
+            <a:off x="857544" y="346791"/>
+            <a:ext cx="146304" cy="704088"/>
+          </a:xfrm>
+          <a:prstGeom prst="rect">
+            <a:avLst/>
+          </a:prstGeom>
+          <a:solidFill>
+            <a:schemeClr val="accent1"/>
+          </a:solidFill>
+          <a:ln>
+            <a:noFill/>
+          </a:ln>
+        </p:spPr>
+        <p:style>
+          <a:lnRef idx="2">
+            <a:schemeClr val="accent1">
+              <a:shade val="50000"/>
+            </a:schemeClr>
+          </a:lnRef>
+          <a:fillRef idx="1">
+            <a:schemeClr val="accent1"/>
+          </a:fillRef>
+          <a:effectRef idx="0">
+            <a:schemeClr val="accent1"/>
+          </a:effectRef>
+          <a:fontRef idx="minor">
+            <a:schemeClr val="lt1"/>
+          </a:fontRef>
+        </p:style>
+        <p:txBody>
+          <a:bodyPr rtlCol="0" anchor="ctr"/>
+          <a:lstStyle/>
+          <a:p>
+            <a:pPr marL="0" marR="0" lvl="0" indent="0" algn="ctr" defTabSz="914400" rtl="0" eaLnBrk="1" fontAlgn="auto" latinLnBrk="0" hangingPunct="1">
+              <a:lnSpc>
+                <a:spcPct val="100000"/>
+              </a:lnSpc>
+              <a:spcBef>
+                <a:spcPts val="0"/>
+              </a:spcBef>
+              <a:spcAft>
+                <a:spcPts val="0"/>
+              </a:spcAft>
+              <a:buClrTx/>
+              <a:buSzTx/>
+              <a:buFontTx/>
+              <a:buNone/>
+              <a:tabLst/>
+              <a:defRPr/>
+            </a:pPr>
+            <a:endParaRPr kumimoji="0" lang="en-US" sz="1800" b="0" i="0" u="none" strike="noStrike" kern="1200" cap="none" spc="0" normalizeH="0" baseline="0" noProof="0">
+              <a:ln>
+                <a:noFill/>
+              </a:ln>
+              <a:solidFill>
+                <a:prstClr val="white"/>
+              </a:solidFill>
+              <a:effectLst/>
+              <a:uLnTx/>
+              <a:uFillTx/>
+              <a:latin typeface="Calibri" panose="020F0502020204030204"/>
+              <a:ea typeface="+mn-ea"/>
+              <a:cs typeface="+mn-cs"/>
+            </a:endParaRPr>
+          </a:p>
+        </p:txBody>
+      </p:sp>
+      <p:sp>
+        <p:nvSpPr>
+          <p:cNvPr id="39" name="Rectangle 25">
+            <a:extLst>
+              <a:ext uri="{FF2B5EF4-FFF2-40B4-BE49-F238E27FC236}">
+                <a16:creationId xmlns:a16="http://schemas.microsoft.com/office/drawing/2014/main" id="{79F3C543-62EC-4433-9C93-A2CD8764E9B4}"/>
+              </a:ext>
+              <a:ext uri="{C183D7F6-B498-43B3-948B-1728B52AA6E4}">
+                <adec:decorative xmlns:adec="http://schemas.microsoft.com/office/drawing/2017/decorative" val="1"/>
+              </a:ext>
+            </a:extLst>
+          </p:cNvPr>
+          <p:cNvSpPr>
+            <a:spLocks noGrp="1" noRot="1" noChangeAspect="1" noMove="1" noResize="1" noEditPoints="1" noAdjustHandles="1" noChangeArrowheads="1" noChangeShapeType="1" noTextEdit="1"/>
+          </p:cNvSpPr>
+          <p:nvPr>
+            <p:extLst>
+              <p:ext uri="{386F3935-93C4-4BCD-93E2-E3B085C9AB24}">
+                <p16:designElem xmlns:p16="http://schemas.microsoft.com/office/powerpoint/2015/main" val="1"/>
+              </p:ext>
+            </p:extLst>
+          </p:nvPr>
+        </p:nvSpPr>
+        <p:spPr>
+          <a:xfrm flipV="1">
+            <a:off x="578652" y="4501201"/>
+            <a:ext cx="11034696" cy="18288"/>
+          </a:xfrm>
+          <a:prstGeom prst="rect">
+            <a:avLst/>
+          </a:prstGeom>
+          <a:solidFill>
+            <a:schemeClr val="tx2">
+              <a:lumMod val="25000"/>
+              <a:lumOff val="75000"/>
+            </a:schemeClr>
+          </a:solidFill>
+          <a:ln w="3175">
+            <a:noFill/>
+          </a:ln>
+          <a:effectLst/>
+        </p:spPr>
+        <p:style>
+          <a:lnRef idx="2">
+            <a:schemeClr val="accent1">
+              <a:shade val="50000"/>
+            </a:schemeClr>
+          </a:lnRef>
+          <a:fillRef idx="1">
+            <a:schemeClr val="accent1"/>
+          </a:fillRef>
+          <a:effectRef idx="0">
+            <a:schemeClr val="accent1"/>
+          </a:effectRef>
+          <a:fontRef idx="minor">
+            <a:schemeClr val="lt1"/>
+          </a:fontRef>
+        </p:style>
+        <p:txBody>
+          <a:bodyPr rtlCol="0" anchor="ctr"/>
+          <a:lstStyle/>
+          <a:p>
+            <a:pPr marL="0" marR="0" lvl="0" indent="0" algn="ctr" defTabSz="914400" rtl="0" eaLnBrk="1" fontAlgn="auto" latinLnBrk="0" hangingPunct="1">
+              <a:lnSpc>
+                <a:spcPct val="100000"/>
+              </a:lnSpc>
+              <a:spcBef>
+                <a:spcPts val="0"/>
+              </a:spcBef>
+              <a:spcAft>
+                <a:spcPts val="0"/>
+              </a:spcAft>
+              <a:buClrTx/>
+              <a:buSzTx/>
+              <a:buFontTx/>
+              <a:buNone/>
+              <a:tabLst/>
+              <a:defRPr/>
+            </a:pPr>
+            <a:endParaRPr kumimoji="0" lang="en-US" sz="1800" b="0" i="0" u="none" strike="noStrike" kern="1200" cap="none" spc="0" normalizeH="0" baseline="0" noProof="0">
+              <a:ln>
+                <a:noFill/>
+              </a:ln>
+              <a:solidFill>
+                <a:prstClr val="white"/>
+              </a:solidFill>
+              <a:effectLst/>
+              <a:uLnTx/>
+              <a:uFillTx/>
+              <a:latin typeface="Calibri" panose="020F0502020204030204"/>
+              <a:ea typeface="+mn-ea"/>
+              <a:cs typeface="+mn-cs"/>
+            </a:endParaRPr>
+          </a:p>
+        </p:txBody>
+      </p:sp>
+      <p:sp useBgFill="1">
+        <p:nvSpPr>
+          <p:cNvPr id="40" name="Rectangle 27">
+            <a:extLst>
+              <a:ext uri="{FF2B5EF4-FFF2-40B4-BE49-F238E27FC236}">
+                <a16:creationId xmlns:a16="http://schemas.microsoft.com/office/drawing/2014/main" id="{68AF5748-FED8-45BA-8631-26D1D10F3246}"/>
+              </a:ext>
+              <a:ext uri="{C183D7F6-B498-43B3-948B-1728B52AA6E4}">
+                <adec:decorative xmlns:adec="http://schemas.microsoft.com/office/drawing/2017/decorative" val="1"/>
+              </a:ext>
+            </a:extLst>
+          </p:cNvPr>
+          <p:cNvSpPr>
+            <a:spLocks noGrp="1" noRot="1" noChangeAspect="1" noMove="1" noResize="1" noEditPoints="1" noAdjustHandles="1" noChangeArrowheads="1" noChangeShapeType="1" noTextEdit="1"/>
+          </p:cNvSpPr>
+          <p:nvPr>
+            <p:extLst>
+              <p:ext uri="{386F3935-93C4-4BCD-93E2-E3B085C9AB24}">
+                <p16:designElem xmlns:p16="http://schemas.microsoft.com/office/powerpoint/2015/main" val="1"/>
+              </p:ext>
+            </p:extLst>
+          </p:nvPr>
+        </p:nvSpPr>
+        <p:spPr>
+          <a:xfrm>
+            <a:off x="0" y="0"/>
+            <a:ext cx="12192000" cy="6858000"/>
+          </a:xfrm>
+          <a:prstGeom prst="rect">
+            <a:avLst/>
+          </a:prstGeom>
+          <a:ln>
+            <a:noFill/>
+          </a:ln>
+        </p:spPr>
+        <p:style>
+          <a:lnRef idx="2">
+            <a:schemeClr val="accent1">
+              <a:shade val="50000"/>
+            </a:schemeClr>
+          </a:lnRef>
+          <a:fillRef idx="1">
+            <a:schemeClr val="accent1"/>
+          </a:fillRef>
+          <a:effectRef idx="0">
+            <a:schemeClr val="accent1"/>
+          </a:effectRef>
+          <a:fontRef idx="minor">
+            <a:schemeClr val="lt1"/>
+          </a:fontRef>
+        </p:style>
+        <p:txBody>
+          <a:bodyPr rtlCol="0" anchor="ctr"/>
+          <a:lstStyle/>
+          <a:p>
+            <a:pPr algn="ctr"/>
+            <a:endParaRPr lang="en-US"/>
+          </a:p>
+        </p:txBody>
+      </p:sp>
+      <p:sp>
+        <p:nvSpPr>
           <p:cNvPr id="2" name="Title 1">
             <a:extLst>
               <a:ext uri="{FF2B5EF4-FFF2-40B4-BE49-F238E27FC236}">
@@ -11261,44 +13881,246 @@
             <p:ph type="title"/>
           </p:nvPr>
         </p:nvSpPr>
-        <p:spPr/>
+        <p:spPr>
+          <a:xfrm>
+            <a:off x="477981" y="1122363"/>
+            <a:ext cx="4023360" cy="3204134"/>
+          </a:xfrm>
+        </p:spPr>
         <p:txBody>
-          <a:bodyPr/>
+          <a:bodyPr vert="horz" lIns="91440" tIns="45720" rIns="91440" bIns="45720" rtlCol="0" anchor="b">
+            <a:normAutofit/>
+          </a:bodyPr>
           <a:lstStyle/>
           <a:p>
-            <a:pPr algn="ctr"/>
             <a:r>
-              <a:rPr lang="en-US" dirty="0"/>
-              <a:t>Video About Algorithmic Bias</a:t>
+              <a:rPr lang="en-US" sz="4400"/>
+              <a:t>Algorithmic Bias and Fairness: Crash Course AI #18</a:t>
             </a:r>
           </a:p>
         </p:txBody>
       </p:sp>
       <p:sp>
         <p:nvSpPr>
-          <p:cNvPr id="3" name="Content Placeholder 2">
+          <p:cNvPr id="41" name="Rectangle 29">
             <a:extLst>
               <a:ext uri="{FF2B5EF4-FFF2-40B4-BE49-F238E27FC236}">
-                <a16:creationId xmlns:a16="http://schemas.microsoft.com/office/drawing/2014/main" id="{081FF01E-C2D1-5C4D-8731-98A77323E1FA}"/>
+                <a16:creationId xmlns:a16="http://schemas.microsoft.com/office/drawing/2014/main" id="{AF2F604E-43BE-4DC3-B983-E071523364F8}"/>
+              </a:ext>
+              <a:ext uri="{C183D7F6-B498-43B3-948B-1728B52AA6E4}">
+                <adec:decorative xmlns:adec="http://schemas.microsoft.com/office/drawing/2017/decorative" val="1"/>
               </a:ext>
             </a:extLst>
           </p:cNvPr>
           <p:cNvSpPr>
-            <a:spLocks noGrp="1"/>
+            <a:spLocks noGrp="1" noRot="1" noChangeAspect="1" noMove="1" noResize="1" noEditPoints="1" noAdjustHandles="1" noChangeArrowheads="1" noChangeShapeType="1" noTextEdit="1"/>
           </p:cNvSpPr>
           <p:nvPr>
-            <p:ph idx="1"/>
+            <p:extLst>
+              <p:ext uri="{386F3935-93C4-4BCD-93E2-E3B085C9AB24}">
+                <p16:designElem xmlns:p16="http://schemas.microsoft.com/office/powerpoint/2015/main" val="1"/>
+              </p:ext>
+            </p:extLst>
           </p:nvPr>
         </p:nvSpPr>
-        <p:spPr/>
+        <p:spPr>
+          <a:xfrm rot="5400000">
+            <a:off x="759921" y="346791"/>
+            <a:ext cx="146304" cy="704088"/>
+          </a:xfrm>
+          <a:prstGeom prst="rect">
+            <a:avLst/>
+          </a:prstGeom>
+          <a:solidFill>
+            <a:schemeClr val="accent1"/>
+          </a:solidFill>
+          <a:ln>
+            <a:noFill/>
+          </a:ln>
+        </p:spPr>
+        <p:style>
+          <a:lnRef idx="2">
+            <a:schemeClr val="accent1">
+              <a:shade val="50000"/>
+            </a:schemeClr>
+          </a:lnRef>
+          <a:fillRef idx="1">
+            <a:schemeClr val="accent1"/>
+          </a:fillRef>
+          <a:effectRef idx="0">
+            <a:schemeClr val="accent1"/>
+          </a:effectRef>
+          <a:fontRef idx="minor">
+            <a:schemeClr val="lt1"/>
+          </a:fontRef>
+        </p:style>
         <p:txBody>
-          <a:bodyPr/>
+          <a:bodyPr rtlCol="0" anchor="ctr"/>
           <a:lstStyle/>
           <a:p>
-            <a:endParaRPr lang="en-US"/>
+            <a:pPr marL="0" marR="0" lvl="0" indent="0" algn="ctr" defTabSz="914400" rtl="0" eaLnBrk="1" fontAlgn="auto" latinLnBrk="0" hangingPunct="1">
+              <a:lnSpc>
+                <a:spcPct val="100000"/>
+              </a:lnSpc>
+              <a:spcBef>
+                <a:spcPts val="0"/>
+              </a:spcBef>
+              <a:spcAft>
+                <a:spcPts val="0"/>
+              </a:spcAft>
+              <a:buClrTx/>
+              <a:buSzTx/>
+              <a:buFontTx/>
+              <a:buNone/>
+              <a:tabLst/>
+              <a:defRPr/>
+            </a:pPr>
+            <a:endParaRPr kumimoji="0" lang="en-US" sz="1800" b="0" i="0" u="none" strike="noStrike" kern="1200" cap="none" spc="0" normalizeH="0" baseline="0" noProof="0">
+              <a:ln>
+                <a:noFill/>
+              </a:ln>
+              <a:solidFill>
+                <a:prstClr val="white"/>
+              </a:solidFill>
+              <a:effectLst/>
+              <a:uLnTx/>
+              <a:uFillTx/>
+              <a:latin typeface="Calibri" panose="020F0502020204030204"/>
+              <a:ea typeface="+mn-ea"/>
+              <a:cs typeface="+mn-cs"/>
+            </a:endParaRPr>
           </a:p>
         </p:txBody>
       </p:sp>
+      <p:sp>
+        <p:nvSpPr>
+          <p:cNvPr id="42" name="Rectangle 31">
+            <a:extLst>
+              <a:ext uri="{FF2B5EF4-FFF2-40B4-BE49-F238E27FC236}">
+                <a16:creationId xmlns:a16="http://schemas.microsoft.com/office/drawing/2014/main" id="{08C9B587-E65E-4B52-B37C-ABEBB6E87928}"/>
+              </a:ext>
+              <a:ext uri="{C183D7F6-B498-43B3-948B-1728B52AA6E4}">
+                <adec:decorative xmlns:adec="http://schemas.microsoft.com/office/drawing/2017/decorative" val="1"/>
+              </a:ext>
+            </a:extLst>
+          </p:cNvPr>
+          <p:cNvSpPr>
+            <a:spLocks noGrp="1" noRot="1" noChangeAspect="1" noMove="1" noResize="1" noEditPoints="1" noAdjustHandles="1" noChangeArrowheads="1" noChangeShapeType="1" noTextEdit="1"/>
+          </p:cNvSpPr>
+          <p:nvPr>
+            <p:extLst>
+              <p:ext uri="{386F3935-93C4-4BCD-93E2-E3B085C9AB24}">
+                <p16:designElem xmlns:p16="http://schemas.microsoft.com/office/powerpoint/2015/main" val="1"/>
+              </p:ext>
+            </p:extLst>
+          </p:nvPr>
+        </p:nvSpPr>
+        <p:spPr>
+          <a:xfrm>
+            <a:off x="481029" y="4546920"/>
+            <a:ext cx="4023360" cy="18288"/>
+          </a:xfrm>
+          <a:prstGeom prst="rect">
+            <a:avLst/>
+          </a:prstGeom>
+          <a:solidFill>
+            <a:schemeClr val="tx2">
+              <a:lumMod val="25000"/>
+              <a:lumOff val="75000"/>
+            </a:schemeClr>
+          </a:solidFill>
+          <a:ln w="3175">
+            <a:noFill/>
+          </a:ln>
+          <a:effectLst/>
+        </p:spPr>
+        <p:style>
+          <a:lnRef idx="2">
+            <a:schemeClr val="accent1">
+              <a:shade val="50000"/>
+            </a:schemeClr>
+          </a:lnRef>
+          <a:fillRef idx="1">
+            <a:schemeClr val="accent1"/>
+          </a:fillRef>
+          <a:effectRef idx="0">
+            <a:schemeClr val="accent1"/>
+          </a:effectRef>
+          <a:fontRef idx="minor">
+            <a:schemeClr val="lt1"/>
+          </a:fontRef>
+        </p:style>
+        <p:txBody>
+          <a:bodyPr rtlCol="0" anchor="ctr"/>
+          <a:lstStyle/>
+          <a:p>
+            <a:pPr marL="0" marR="0" lvl="0" indent="0" algn="ctr" defTabSz="914400" rtl="0" eaLnBrk="1" fontAlgn="auto" latinLnBrk="0" hangingPunct="1">
+              <a:lnSpc>
+                <a:spcPct val="100000"/>
+              </a:lnSpc>
+              <a:spcBef>
+                <a:spcPts val="0"/>
+              </a:spcBef>
+              <a:spcAft>
+                <a:spcPts val="0"/>
+              </a:spcAft>
+              <a:buClrTx/>
+              <a:buSzTx/>
+              <a:buFontTx/>
+              <a:buNone/>
+              <a:tabLst/>
+              <a:defRPr/>
+            </a:pPr>
+            <a:endParaRPr kumimoji="0" lang="en-US" sz="1800" b="0" i="0" u="none" strike="noStrike" kern="1200" cap="none" spc="0" normalizeH="0" baseline="0" noProof="0">
+              <a:ln>
+                <a:noFill/>
+              </a:ln>
+              <a:solidFill>
+                <a:prstClr val="white"/>
+              </a:solidFill>
+              <a:effectLst/>
+              <a:uLnTx/>
+              <a:uFillTx/>
+              <a:latin typeface="Calibri" panose="020F0502020204030204"/>
+              <a:ea typeface="+mn-ea"/>
+              <a:cs typeface="+mn-cs"/>
+            </a:endParaRPr>
+          </a:p>
+        </p:txBody>
+      </p:sp>
+      <p:pic>
+        <p:nvPicPr>
+          <p:cNvPr id="4" name="Online Media 3" descr="Algorithmic Bias and Fairness: Crash Course AI #18">
+            <a:hlinkClick r:id="" action="ppaction://media"/>
+            <a:extLst>
+              <a:ext uri="{FF2B5EF4-FFF2-40B4-BE49-F238E27FC236}">
+                <a16:creationId xmlns:a16="http://schemas.microsoft.com/office/drawing/2014/main" id="{0E7967D7-9AB0-C34C-9C1D-1E9D5B710CB1}"/>
+              </a:ext>
+            </a:extLst>
+          </p:cNvPr>
+          <p:cNvPicPr>
+            <a:picLocks noRot="1" noChangeAspect="1"/>
+          </p:cNvPicPr>
+          <p:nvPr>
+            <a:videoFile r:link="rId1"/>
+          </p:nvPr>
+        </p:nvPicPr>
+        <p:blipFill>
+          <a:blip r:embed="rId4"/>
+          <a:stretch>
+            <a:fillRect/>
+          </a:stretch>
+        </p:blipFill>
+        <p:spPr>
+          <a:xfrm>
+            <a:off x="4864608" y="1427834"/>
+            <a:ext cx="6846363" cy="3851077"/>
+          </a:xfrm>
+          <a:prstGeom prst="rect">
+            <a:avLst/>
+          </a:prstGeom>
+        </p:spPr>
+      </p:pic>
     </p:spTree>
     <p:extLst>
       <p:ext uri="{BB962C8B-B14F-4D97-AF65-F5344CB8AC3E}">
@@ -11309,10 +14131,3020 @@
   <p:clrMapOvr>
     <a:masterClrMapping/>
   </p:clrMapOvr>
+  <p:timing>
+    <p:tnLst>
+      <p:par>
+        <p:cTn id="1" dur="indefinite" restart="never" nodeType="tmRoot">
+          <p:childTnLst>
+            <p:seq concurrent="1" nextAc="seek">
+              <p:cTn id="2" dur="indefinite" nodeType="mainSeq">
+                <p:childTnLst>
+                  <p:par>
+                    <p:cTn id="3" fill="hold">
+                      <p:stCondLst>
+                        <p:cond delay="indefinite"/>
+                      </p:stCondLst>
+                      <p:childTnLst>
+                        <p:par>
+                          <p:cTn id="4" fill="hold">
+                            <p:stCondLst>
+                              <p:cond delay="0"/>
+                            </p:stCondLst>
+                            <p:childTnLst>
+                              <p:par>
+                                <p:cTn id="5" presetID="1" presetClass="mediacall" presetSubtype="0" fill="hold" nodeType="clickEffect">
+                                  <p:stCondLst>
+                                    <p:cond delay="0"/>
+                                  </p:stCondLst>
+                                  <p:childTnLst>
+                                    <p:cmd type="call" cmd="playFrom(0.0)">
+                                      <p:cBhvr>
+                                        <p:cTn id="6" dur="1" fill="hold"/>
+                                        <p:tgtEl>
+                                          <p:spTgt spid="4"/>
+                                        </p:tgtEl>
+                                      </p:cBhvr>
+                                    </p:cmd>
+                                  </p:childTnLst>
+                                </p:cTn>
+                              </p:par>
+                            </p:childTnLst>
+                          </p:cTn>
+                        </p:par>
+                      </p:childTnLst>
+                    </p:cTn>
+                  </p:par>
+                </p:childTnLst>
+              </p:cTn>
+              <p:prevCondLst>
+                <p:cond evt="onPrev" delay="0">
+                  <p:tgtEl>
+                    <p:sldTgt/>
+                  </p:tgtEl>
+                </p:cond>
+              </p:prevCondLst>
+              <p:nextCondLst>
+                <p:cond evt="onNext" delay="0">
+                  <p:tgtEl>
+                    <p:sldTgt/>
+                  </p:tgtEl>
+                </p:cond>
+              </p:nextCondLst>
+            </p:seq>
+            <p:seq concurrent="1" nextAc="seek">
+              <p:cTn id="7" restart="whenNotActive" fill="hold" evtFilter="cancelBubble" nodeType="interactiveSeq">
+                <p:stCondLst>
+                  <p:cond evt="onClick" delay="0">
+                    <p:tgtEl>
+                      <p:spTgt spid="4"/>
+                    </p:tgtEl>
+                  </p:cond>
+                </p:stCondLst>
+                <p:endSync evt="end" delay="0">
+                  <p:rtn val="all"/>
+                </p:endSync>
+                <p:childTnLst>
+                  <p:par>
+                    <p:cTn id="8" fill="hold">
+                      <p:stCondLst>
+                        <p:cond delay="0"/>
+                      </p:stCondLst>
+                      <p:childTnLst>
+                        <p:par>
+                          <p:cTn id="9" fill="hold">
+                            <p:stCondLst>
+                              <p:cond delay="0"/>
+                            </p:stCondLst>
+                            <p:childTnLst>
+                              <p:par>
+                                <p:cTn id="10" presetID="2" presetClass="mediacall" presetSubtype="0" fill="hold" nodeType="clickEffect">
+                                  <p:stCondLst>
+                                    <p:cond delay="0"/>
+                                  </p:stCondLst>
+                                  <p:childTnLst>
+                                    <p:cmd type="call" cmd="togglePause">
+                                      <p:cBhvr>
+                                        <p:cTn id="11" dur="1" fill="hold"/>
+                                        <p:tgtEl>
+                                          <p:spTgt spid="4"/>
+                                        </p:tgtEl>
+                                      </p:cBhvr>
+                                    </p:cmd>
+                                  </p:childTnLst>
+                                </p:cTn>
+                              </p:par>
+                            </p:childTnLst>
+                          </p:cTn>
+                        </p:par>
+                      </p:childTnLst>
+                    </p:cTn>
+                  </p:par>
+                </p:childTnLst>
+              </p:cTn>
+              <p:nextCondLst>
+                <p:cond evt="onClick" delay="0">
+                  <p:tgtEl>
+                    <p:spTgt spid="4"/>
+                  </p:tgtEl>
+                </p:cond>
+              </p:nextCondLst>
+            </p:seq>
+            <p:video>
+              <p:cMediaNode vol="80000">
+                <p:cTn id="12" fill="hold" display="0">
+                  <p:stCondLst>
+                    <p:cond delay="indefinite"/>
+                  </p:stCondLst>
+                </p:cTn>
+                <p:tgtEl>
+                  <p:spTgt spid="4"/>
+                </p:tgtEl>
+              </p:cMediaNode>
+            </p:video>
+          </p:childTnLst>
+        </p:cTn>
+      </p:par>
+    </p:tnLst>
+  </p:timing>
 </p:sld>
 </file>
 
 <file path=ppt/slides/slide4.xml><?xml version="1.0" encoding="utf-8"?>
+<p:sld xmlns:a="http://schemas.openxmlformats.org/drawingml/2006/main" xmlns:r="http://schemas.openxmlformats.org/officeDocument/2006/relationships" xmlns:p="http://schemas.openxmlformats.org/presentationml/2006/main">
+  <p:cSld>
+    <p:bg>
+      <p:bgPr>
+        <a:solidFill>
+          <a:schemeClr val="bg1"/>
+        </a:solidFill>
+        <a:effectLst/>
+      </p:bgPr>
+    </p:bg>
+    <p:spTree>
+      <p:nvGrpSpPr>
+        <p:cNvPr id="1" name=""/>
+        <p:cNvGrpSpPr/>
+        <p:nvPr/>
+      </p:nvGrpSpPr>
+      <p:grpSpPr>
+        <a:xfrm>
+          <a:off x="0" y="0"/>
+          <a:ext cx="0" cy="0"/>
+          <a:chOff x="0" y="0"/>
+          <a:chExt cx="0" cy="0"/>
+        </a:xfrm>
+      </p:grpSpPr>
+      <p:sp>
+        <p:nvSpPr>
+          <p:cNvPr id="20" name="Rectangle 19">
+            <a:extLst>
+              <a:ext uri="{FF2B5EF4-FFF2-40B4-BE49-F238E27FC236}">
+                <a16:creationId xmlns:a16="http://schemas.microsoft.com/office/drawing/2014/main" id="{8D06CE56-3881-4ADA-8CEF-D18B02C242A3}"/>
+              </a:ext>
+              <a:ext uri="{C183D7F6-B498-43B3-948B-1728B52AA6E4}">
+                <adec:decorative xmlns:adec="http://schemas.microsoft.com/office/drawing/2017/decorative" val="1"/>
+              </a:ext>
+            </a:extLst>
+          </p:cNvPr>
+          <p:cNvSpPr>
+            <a:spLocks noGrp="1" noRot="1" noChangeAspect="1" noMove="1" noResize="1" noEditPoints="1" noAdjustHandles="1" noChangeArrowheads="1" noChangeShapeType="1" noTextEdit="1"/>
+          </p:cNvSpPr>
+          <p:nvPr>
+            <p:extLst>
+              <p:ext uri="{386F3935-93C4-4BCD-93E2-E3B085C9AB24}">
+                <p16:designElem xmlns:p16="http://schemas.microsoft.com/office/powerpoint/2015/main" val="1"/>
+              </p:ext>
+            </p:extLst>
+          </p:nvPr>
+        </p:nvSpPr>
+        <p:spPr>
+          <a:xfrm rot="5400000">
+            <a:off x="857544" y="346791"/>
+            <a:ext cx="146304" cy="704088"/>
+          </a:xfrm>
+          <a:prstGeom prst="rect">
+            <a:avLst/>
+          </a:prstGeom>
+          <a:solidFill>
+            <a:schemeClr val="accent1"/>
+          </a:solidFill>
+          <a:ln>
+            <a:noFill/>
+          </a:ln>
+        </p:spPr>
+        <p:style>
+          <a:lnRef idx="2">
+            <a:schemeClr val="accent1">
+              <a:shade val="50000"/>
+            </a:schemeClr>
+          </a:lnRef>
+          <a:fillRef idx="1">
+            <a:schemeClr val="accent1"/>
+          </a:fillRef>
+          <a:effectRef idx="0">
+            <a:schemeClr val="accent1"/>
+          </a:effectRef>
+          <a:fontRef idx="minor">
+            <a:schemeClr val="lt1"/>
+          </a:fontRef>
+        </p:style>
+        <p:txBody>
+          <a:bodyPr rtlCol="0" anchor="ctr"/>
+          <a:lstStyle/>
+          <a:p>
+            <a:pPr marL="0" marR="0" lvl="0" indent="0" algn="ctr" defTabSz="914400" rtl="0" eaLnBrk="1" fontAlgn="auto" latinLnBrk="0" hangingPunct="1">
+              <a:lnSpc>
+                <a:spcPct val="100000"/>
+              </a:lnSpc>
+              <a:spcBef>
+                <a:spcPts val="0"/>
+              </a:spcBef>
+              <a:spcAft>
+                <a:spcPts val="0"/>
+              </a:spcAft>
+              <a:buClrTx/>
+              <a:buSzTx/>
+              <a:buFontTx/>
+              <a:buNone/>
+              <a:tabLst/>
+              <a:defRPr/>
+            </a:pPr>
+            <a:endParaRPr kumimoji="0" lang="en-US" sz="1800" b="0" i="0" u="none" strike="noStrike" kern="1200" cap="none" spc="0" normalizeH="0" baseline="0" noProof="0">
+              <a:ln>
+                <a:noFill/>
+              </a:ln>
+              <a:solidFill>
+                <a:prstClr val="white"/>
+              </a:solidFill>
+              <a:effectLst/>
+              <a:uLnTx/>
+              <a:uFillTx/>
+              <a:latin typeface="Calibri" panose="020F0502020204030204"/>
+              <a:ea typeface="+mn-ea"/>
+              <a:cs typeface="+mn-cs"/>
+            </a:endParaRPr>
+          </a:p>
+        </p:txBody>
+      </p:sp>
+      <p:sp>
+        <p:nvSpPr>
+          <p:cNvPr id="22" name="Rectangle 21">
+            <a:extLst>
+              <a:ext uri="{FF2B5EF4-FFF2-40B4-BE49-F238E27FC236}">
+                <a16:creationId xmlns:a16="http://schemas.microsoft.com/office/drawing/2014/main" id="{79F3C543-62EC-4433-9C93-A2CD8764E9B4}"/>
+              </a:ext>
+              <a:ext uri="{C183D7F6-B498-43B3-948B-1728B52AA6E4}">
+                <adec:decorative xmlns:adec="http://schemas.microsoft.com/office/drawing/2017/decorative" val="1"/>
+              </a:ext>
+            </a:extLst>
+          </p:cNvPr>
+          <p:cNvSpPr>
+            <a:spLocks noGrp="1" noRot="1" noChangeAspect="1" noMove="1" noResize="1" noEditPoints="1" noAdjustHandles="1" noChangeArrowheads="1" noChangeShapeType="1" noTextEdit="1"/>
+          </p:cNvSpPr>
+          <p:nvPr>
+            <p:extLst>
+              <p:ext uri="{386F3935-93C4-4BCD-93E2-E3B085C9AB24}">
+                <p16:designElem xmlns:p16="http://schemas.microsoft.com/office/powerpoint/2015/main" val="1"/>
+              </p:ext>
+            </p:extLst>
+          </p:nvPr>
+        </p:nvSpPr>
+        <p:spPr>
+          <a:xfrm flipV="1">
+            <a:off x="578652" y="4501201"/>
+            <a:ext cx="11034696" cy="18288"/>
+          </a:xfrm>
+          <a:prstGeom prst="rect">
+            <a:avLst/>
+          </a:prstGeom>
+          <a:solidFill>
+            <a:schemeClr val="tx2">
+              <a:lumMod val="25000"/>
+              <a:lumOff val="75000"/>
+            </a:schemeClr>
+          </a:solidFill>
+          <a:ln w="3175">
+            <a:noFill/>
+          </a:ln>
+          <a:effectLst/>
+        </p:spPr>
+        <p:style>
+          <a:lnRef idx="2">
+            <a:schemeClr val="accent1">
+              <a:shade val="50000"/>
+            </a:schemeClr>
+          </a:lnRef>
+          <a:fillRef idx="1">
+            <a:schemeClr val="accent1"/>
+          </a:fillRef>
+          <a:effectRef idx="0">
+            <a:schemeClr val="accent1"/>
+          </a:effectRef>
+          <a:fontRef idx="minor">
+            <a:schemeClr val="lt1"/>
+          </a:fontRef>
+        </p:style>
+        <p:txBody>
+          <a:bodyPr rtlCol="0" anchor="ctr"/>
+          <a:lstStyle/>
+          <a:p>
+            <a:pPr marL="0" marR="0" lvl="0" indent="0" algn="ctr" defTabSz="914400" rtl="0" eaLnBrk="1" fontAlgn="auto" latinLnBrk="0" hangingPunct="1">
+              <a:lnSpc>
+                <a:spcPct val="100000"/>
+              </a:lnSpc>
+              <a:spcBef>
+                <a:spcPts val="0"/>
+              </a:spcBef>
+              <a:spcAft>
+                <a:spcPts val="0"/>
+              </a:spcAft>
+              <a:buClrTx/>
+              <a:buSzTx/>
+              <a:buFontTx/>
+              <a:buNone/>
+              <a:tabLst/>
+              <a:defRPr/>
+            </a:pPr>
+            <a:endParaRPr kumimoji="0" lang="en-US" sz="1800" b="0" i="0" u="none" strike="noStrike" kern="1200" cap="none" spc="0" normalizeH="0" baseline="0" noProof="0">
+              <a:ln>
+                <a:noFill/>
+              </a:ln>
+              <a:solidFill>
+                <a:prstClr val="white"/>
+              </a:solidFill>
+              <a:effectLst/>
+              <a:uLnTx/>
+              <a:uFillTx/>
+              <a:latin typeface="Calibri" panose="020F0502020204030204"/>
+              <a:ea typeface="+mn-ea"/>
+              <a:cs typeface="+mn-cs"/>
+            </a:endParaRPr>
+          </a:p>
+        </p:txBody>
+      </p:sp>
+      <p:sp useBgFill="1">
+        <p:nvSpPr>
+          <p:cNvPr id="24" name="Rectangle 23">
+            <a:extLst>
+              <a:ext uri="{FF2B5EF4-FFF2-40B4-BE49-F238E27FC236}">
+                <a16:creationId xmlns:a16="http://schemas.microsoft.com/office/drawing/2014/main" id="{FFD48BC7-DC40-47DE-87EE-9F4B6ECB9ABB}"/>
+              </a:ext>
+              <a:ext uri="{C183D7F6-B498-43B3-948B-1728B52AA6E4}">
+                <adec:decorative xmlns:adec="http://schemas.microsoft.com/office/drawing/2017/decorative" val="1"/>
+              </a:ext>
+            </a:extLst>
+          </p:cNvPr>
+          <p:cNvSpPr>
+            <a:spLocks noGrp="1" noRot="1" noChangeAspect="1" noMove="1" noResize="1" noEditPoints="1" noAdjustHandles="1" noChangeArrowheads="1" noChangeShapeType="1" noTextEdit="1"/>
+          </p:cNvSpPr>
+          <p:nvPr>
+            <p:extLst>
+              <p:ext uri="{386F3935-93C4-4BCD-93E2-E3B085C9AB24}">
+                <p16:designElem xmlns:p16="http://schemas.microsoft.com/office/powerpoint/2015/main" val="1"/>
+              </p:ext>
+            </p:extLst>
+          </p:nvPr>
+        </p:nvSpPr>
+        <p:spPr>
+          <a:xfrm>
+            <a:off x="0" y="0"/>
+            <a:ext cx="12192000" cy="6858000"/>
+          </a:xfrm>
+          <a:prstGeom prst="rect">
+            <a:avLst/>
+          </a:prstGeom>
+          <a:ln>
+            <a:noFill/>
+          </a:ln>
+        </p:spPr>
+        <p:style>
+          <a:lnRef idx="2">
+            <a:schemeClr val="accent1">
+              <a:shade val="50000"/>
+            </a:schemeClr>
+          </a:lnRef>
+          <a:fillRef idx="1">
+            <a:schemeClr val="accent1"/>
+          </a:fillRef>
+          <a:effectRef idx="0">
+            <a:schemeClr val="accent1"/>
+          </a:effectRef>
+          <a:fontRef idx="minor">
+            <a:schemeClr val="lt1"/>
+          </a:fontRef>
+        </p:style>
+        <p:txBody>
+          <a:bodyPr rtlCol="0" anchor="ctr"/>
+          <a:lstStyle/>
+          <a:p>
+            <a:pPr algn="ctr"/>
+            <a:endParaRPr lang="en-US"/>
+          </a:p>
+        </p:txBody>
+      </p:sp>
+      <p:sp useBgFill="1">
+        <p:nvSpPr>
+          <p:cNvPr id="26" name="Freeform: Shape 25">
+            <a:extLst>
+              <a:ext uri="{FF2B5EF4-FFF2-40B4-BE49-F238E27FC236}">
+                <a16:creationId xmlns:a16="http://schemas.microsoft.com/office/drawing/2014/main" id="{E502BBC7-2C76-46F3-BC24-5985BC13DB88}"/>
+              </a:ext>
+              <a:ext uri="{C183D7F6-B498-43B3-948B-1728B52AA6E4}">
+                <adec:decorative xmlns:adec="http://schemas.microsoft.com/office/drawing/2017/decorative" val="1"/>
+              </a:ext>
+            </a:extLst>
+          </p:cNvPr>
+          <p:cNvSpPr>
+            <a:spLocks noGrp="1" noRot="1" noChangeAspect="1" noMove="1" noResize="1" noEditPoints="1" noAdjustHandles="1" noChangeArrowheads="1" noChangeShapeType="1" noTextEdit="1"/>
+          </p:cNvSpPr>
+          <p:nvPr>
+            <p:extLst>
+              <p:ext uri="{386F3935-93C4-4BCD-93E2-E3B085C9AB24}">
+                <p16:designElem xmlns:p16="http://schemas.microsoft.com/office/powerpoint/2015/main" val="1"/>
+              </p:ext>
+            </p:extLst>
+          </p:nvPr>
+        </p:nvSpPr>
+        <p:spPr>
+          <a:xfrm>
+            <a:off x="1114425" y="0"/>
+            <a:ext cx="9963150" cy="6858000"/>
+          </a:xfrm>
+          <a:custGeom>
+            <a:avLst/>
+            <a:gdLst>
+              <a:gd name="connsiteX0" fmla="*/ 1595771 w 9963150"/>
+              <a:gd name="connsiteY0" fmla="*/ 0 h 6858000"/>
+              <a:gd name="connsiteX1" fmla="*/ 8367379 w 9963150"/>
+              <a:gd name="connsiteY1" fmla="*/ 0 h 6858000"/>
+              <a:gd name="connsiteX2" fmla="*/ 8504080 w 9963150"/>
+              <a:gd name="connsiteY2" fmla="*/ 130333 h 6858000"/>
+              <a:gd name="connsiteX3" fmla="*/ 9963150 w 9963150"/>
+              <a:gd name="connsiteY3" fmla="*/ 3652838 h 6858000"/>
+              <a:gd name="connsiteX4" fmla="*/ 8825600 w 9963150"/>
+              <a:gd name="connsiteY4" fmla="*/ 6821583 h 6858000"/>
+              <a:gd name="connsiteX5" fmla="*/ 8794055 w 9963150"/>
+              <a:gd name="connsiteY5" fmla="*/ 6858000 h 6858000"/>
+              <a:gd name="connsiteX6" fmla="*/ 1169096 w 9963150"/>
+              <a:gd name="connsiteY6" fmla="*/ 6858000 h 6858000"/>
+              <a:gd name="connsiteX7" fmla="*/ 1137550 w 9963150"/>
+              <a:gd name="connsiteY7" fmla="*/ 6821583 h 6858000"/>
+              <a:gd name="connsiteX8" fmla="*/ 0 w 9963150"/>
+              <a:gd name="connsiteY8" fmla="*/ 3652838 h 6858000"/>
+              <a:gd name="connsiteX9" fmla="*/ 1459070 w 9963150"/>
+              <a:gd name="connsiteY9" fmla="*/ 130333 h 6858000"/>
+            </a:gdLst>
+            <a:ahLst/>
+            <a:cxnLst>
+              <a:cxn ang="0">
+                <a:pos x="connsiteX0" y="connsiteY0"/>
+              </a:cxn>
+              <a:cxn ang="0">
+                <a:pos x="connsiteX1" y="connsiteY1"/>
+              </a:cxn>
+              <a:cxn ang="0">
+                <a:pos x="connsiteX2" y="connsiteY2"/>
+              </a:cxn>
+              <a:cxn ang="0">
+                <a:pos x="connsiteX3" y="connsiteY3"/>
+              </a:cxn>
+              <a:cxn ang="0">
+                <a:pos x="connsiteX4" y="connsiteY4"/>
+              </a:cxn>
+              <a:cxn ang="0">
+                <a:pos x="connsiteX5" y="connsiteY5"/>
+              </a:cxn>
+              <a:cxn ang="0">
+                <a:pos x="connsiteX6" y="connsiteY6"/>
+              </a:cxn>
+              <a:cxn ang="0">
+                <a:pos x="connsiteX7" y="connsiteY7"/>
+              </a:cxn>
+              <a:cxn ang="0">
+                <a:pos x="connsiteX8" y="connsiteY8"/>
+              </a:cxn>
+              <a:cxn ang="0">
+                <a:pos x="connsiteX9" y="connsiteY9"/>
+              </a:cxn>
+            </a:cxnLst>
+            <a:rect l="l" t="t" r="r" b="b"/>
+            <a:pathLst>
+              <a:path w="9963150" h="6858000">
+                <a:moveTo>
+                  <a:pt x="1595771" y="0"/>
+                </a:moveTo>
+                <a:lnTo>
+                  <a:pt x="8367379" y="0"/>
+                </a:lnTo>
+                <a:lnTo>
+                  <a:pt x="8504080" y="130333"/>
+                </a:lnTo>
+                <a:cubicBezTo>
+                  <a:pt x="9405568" y="1031820"/>
+                  <a:pt x="9963150" y="2277214"/>
+                  <a:pt x="9963150" y="3652838"/>
+                </a:cubicBezTo>
+                <a:cubicBezTo>
+                  <a:pt x="9963150" y="4856509"/>
+                  <a:pt x="9536251" y="5960473"/>
+                  <a:pt x="8825600" y="6821583"/>
+                </a:cubicBezTo>
+                <a:lnTo>
+                  <a:pt x="8794055" y="6858000"/>
+                </a:lnTo>
+                <a:lnTo>
+                  <a:pt x="1169096" y="6858000"/>
+                </a:lnTo>
+                <a:lnTo>
+                  <a:pt x="1137550" y="6821583"/>
+                </a:lnTo>
+                <a:cubicBezTo>
+                  <a:pt x="426899" y="5960473"/>
+                  <a:pt x="0" y="4856509"/>
+                  <a:pt x="0" y="3652838"/>
+                </a:cubicBezTo>
+                <a:cubicBezTo>
+                  <a:pt x="0" y="2277214"/>
+                  <a:pt x="557582" y="1031820"/>
+                  <a:pt x="1459070" y="130333"/>
+                </a:cubicBezTo>
+                <a:close/>
+              </a:path>
+            </a:pathLst>
+          </a:custGeom>
+          <a:ln w="9525">
+            <a:solidFill>
+              <a:schemeClr val="tx2">
+                <a:lumMod val="10000"/>
+                <a:lumOff val="90000"/>
+              </a:schemeClr>
+            </a:solidFill>
+          </a:ln>
+          <a:effectLst>
+            <a:outerShdw blurRad="63500" sx="102000" sy="102000" algn="ctr" rotWithShape="0">
+              <a:schemeClr val="bg1">
+                <a:lumMod val="85000"/>
+                <a:alpha val="20000"/>
+              </a:schemeClr>
+            </a:outerShdw>
+          </a:effectLst>
+        </p:spPr>
+        <p:style>
+          <a:lnRef idx="2">
+            <a:schemeClr val="accent1">
+              <a:shade val="50000"/>
+            </a:schemeClr>
+          </a:lnRef>
+          <a:fillRef idx="1">
+            <a:schemeClr val="accent1"/>
+          </a:fillRef>
+          <a:effectRef idx="0">
+            <a:schemeClr val="accent1"/>
+          </a:effectRef>
+          <a:fontRef idx="minor">
+            <a:schemeClr val="lt1"/>
+          </a:fontRef>
+        </p:style>
+        <p:txBody>
+          <a:bodyPr wrap="square" rtlCol="0" anchor="ctr">
+            <a:noAutofit/>
+          </a:bodyPr>
+          <a:lstStyle/>
+          <a:p>
+            <a:pPr marL="0" marR="0" lvl="0" indent="0" algn="ctr" defTabSz="914400" rtl="0" eaLnBrk="1" fontAlgn="auto" latinLnBrk="0" hangingPunct="1">
+              <a:lnSpc>
+                <a:spcPct val="100000"/>
+              </a:lnSpc>
+              <a:spcBef>
+                <a:spcPts val="0"/>
+              </a:spcBef>
+              <a:spcAft>
+                <a:spcPts val="0"/>
+              </a:spcAft>
+              <a:buClrTx/>
+              <a:buSzTx/>
+              <a:buFontTx/>
+              <a:buNone/>
+              <a:tabLst/>
+              <a:defRPr/>
+            </a:pPr>
+            <a:endParaRPr kumimoji="0" lang="en-US" sz="1800" b="0" i="0" u="none" strike="noStrike" kern="1200" cap="none" spc="0" normalizeH="0" baseline="0" noProof="0">
+              <a:ln>
+                <a:noFill/>
+              </a:ln>
+              <a:solidFill>
+                <a:prstClr val="white"/>
+              </a:solidFill>
+              <a:effectLst/>
+              <a:uLnTx/>
+              <a:uFillTx/>
+              <a:latin typeface="Calibri" panose="020F0502020204030204"/>
+              <a:ea typeface="+mn-ea"/>
+              <a:cs typeface="+mn-cs"/>
+            </a:endParaRPr>
+          </a:p>
+        </p:txBody>
+      </p:sp>
+      <p:sp useBgFill="1">
+        <p:nvSpPr>
+          <p:cNvPr id="28" name="Freeform: Shape 27">
+            <a:extLst>
+              <a:ext uri="{FF2B5EF4-FFF2-40B4-BE49-F238E27FC236}">
+                <a16:creationId xmlns:a16="http://schemas.microsoft.com/office/drawing/2014/main" id="{9C45F024-2468-4D8A-9E11-BB2B1E0A3B37}"/>
+              </a:ext>
+              <a:ext uri="{C183D7F6-B498-43B3-948B-1728B52AA6E4}">
+                <adec:decorative xmlns:adec="http://schemas.microsoft.com/office/drawing/2017/decorative" val="1"/>
+              </a:ext>
+            </a:extLst>
+          </p:cNvPr>
+          <p:cNvSpPr>
+            <a:spLocks noGrp="1" noRot="1" noChangeAspect="1" noMove="1" noResize="1" noEditPoints="1" noAdjustHandles="1" noChangeArrowheads="1" noChangeShapeType="1" noTextEdit="1"/>
+          </p:cNvSpPr>
+          <p:nvPr>
+            <p:extLst>
+              <p:ext uri="{386F3935-93C4-4BCD-93E2-E3B085C9AB24}">
+                <p16:designElem xmlns:p16="http://schemas.microsoft.com/office/powerpoint/2015/main" val="1"/>
+              </p:ext>
+            </p:extLst>
+          </p:nvPr>
+        </p:nvSpPr>
+        <p:spPr>
+          <a:xfrm>
+            <a:off x="1121664" y="0"/>
+            <a:ext cx="9948672" cy="6858000"/>
+          </a:xfrm>
+          <a:custGeom>
+            <a:avLst/>
+            <a:gdLst>
+              <a:gd name="connsiteX0" fmla="*/ 1595771 w 9963150"/>
+              <a:gd name="connsiteY0" fmla="*/ 0 h 6858000"/>
+              <a:gd name="connsiteX1" fmla="*/ 8367379 w 9963150"/>
+              <a:gd name="connsiteY1" fmla="*/ 0 h 6858000"/>
+              <a:gd name="connsiteX2" fmla="*/ 8504080 w 9963150"/>
+              <a:gd name="connsiteY2" fmla="*/ 130333 h 6858000"/>
+              <a:gd name="connsiteX3" fmla="*/ 9963150 w 9963150"/>
+              <a:gd name="connsiteY3" fmla="*/ 3652838 h 6858000"/>
+              <a:gd name="connsiteX4" fmla="*/ 8825600 w 9963150"/>
+              <a:gd name="connsiteY4" fmla="*/ 6821583 h 6858000"/>
+              <a:gd name="connsiteX5" fmla="*/ 8794055 w 9963150"/>
+              <a:gd name="connsiteY5" fmla="*/ 6858000 h 6858000"/>
+              <a:gd name="connsiteX6" fmla="*/ 1169096 w 9963150"/>
+              <a:gd name="connsiteY6" fmla="*/ 6858000 h 6858000"/>
+              <a:gd name="connsiteX7" fmla="*/ 1137550 w 9963150"/>
+              <a:gd name="connsiteY7" fmla="*/ 6821583 h 6858000"/>
+              <a:gd name="connsiteX8" fmla="*/ 0 w 9963150"/>
+              <a:gd name="connsiteY8" fmla="*/ 3652838 h 6858000"/>
+              <a:gd name="connsiteX9" fmla="*/ 1459070 w 9963150"/>
+              <a:gd name="connsiteY9" fmla="*/ 130333 h 6858000"/>
+            </a:gdLst>
+            <a:ahLst/>
+            <a:cxnLst>
+              <a:cxn ang="0">
+                <a:pos x="connsiteX0" y="connsiteY0"/>
+              </a:cxn>
+              <a:cxn ang="0">
+                <a:pos x="connsiteX1" y="connsiteY1"/>
+              </a:cxn>
+              <a:cxn ang="0">
+                <a:pos x="connsiteX2" y="connsiteY2"/>
+              </a:cxn>
+              <a:cxn ang="0">
+                <a:pos x="connsiteX3" y="connsiteY3"/>
+              </a:cxn>
+              <a:cxn ang="0">
+                <a:pos x="connsiteX4" y="connsiteY4"/>
+              </a:cxn>
+              <a:cxn ang="0">
+                <a:pos x="connsiteX5" y="connsiteY5"/>
+              </a:cxn>
+              <a:cxn ang="0">
+                <a:pos x="connsiteX6" y="connsiteY6"/>
+              </a:cxn>
+              <a:cxn ang="0">
+                <a:pos x="connsiteX7" y="connsiteY7"/>
+              </a:cxn>
+              <a:cxn ang="0">
+                <a:pos x="connsiteX8" y="connsiteY8"/>
+              </a:cxn>
+              <a:cxn ang="0">
+                <a:pos x="connsiteX9" y="connsiteY9"/>
+              </a:cxn>
+            </a:cxnLst>
+            <a:rect l="l" t="t" r="r" b="b"/>
+            <a:pathLst>
+              <a:path w="9963150" h="6858000">
+                <a:moveTo>
+                  <a:pt x="1595771" y="0"/>
+                </a:moveTo>
+                <a:lnTo>
+                  <a:pt x="8367379" y="0"/>
+                </a:lnTo>
+                <a:lnTo>
+                  <a:pt x="8504080" y="130333"/>
+                </a:lnTo>
+                <a:cubicBezTo>
+                  <a:pt x="9405568" y="1031820"/>
+                  <a:pt x="9963150" y="2277214"/>
+                  <a:pt x="9963150" y="3652838"/>
+                </a:cubicBezTo>
+                <a:cubicBezTo>
+                  <a:pt x="9963150" y="4856509"/>
+                  <a:pt x="9536251" y="5960473"/>
+                  <a:pt x="8825600" y="6821583"/>
+                </a:cubicBezTo>
+                <a:lnTo>
+                  <a:pt x="8794055" y="6858000"/>
+                </a:lnTo>
+                <a:lnTo>
+                  <a:pt x="1169096" y="6858000"/>
+                </a:lnTo>
+                <a:lnTo>
+                  <a:pt x="1137550" y="6821583"/>
+                </a:lnTo>
+                <a:cubicBezTo>
+                  <a:pt x="426899" y="5960473"/>
+                  <a:pt x="0" y="4856509"/>
+                  <a:pt x="0" y="3652838"/>
+                </a:cubicBezTo>
+                <a:cubicBezTo>
+                  <a:pt x="0" y="2277214"/>
+                  <a:pt x="557582" y="1031820"/>
+                  <a:pt x="1459070" y="130333"/>
+                </a:cubicBezTo>
+                <a:close/>
+              </a:path>
+            </a:pathLst>
+          </a:custGeom>
+          <a:ln w="9525">
+            <a:noFill/>
+          </a:ln>
+          <a:effectLst/>
+        </p:spPr>
+        <p:style>
+          <a:lnRef idx="2">
+            <a:schemeClr val="accent1">
+              <a:shade val="50000"/>
+            </a:schemeClr>
+          </a:lnRef>
+          <a:fillRef idx="1">
+            <a:schemeClr val="accent1"/>
+          </a:fillRef>
+          <a:effectRef idx="0">
+            <a:schemeClr val="accent1"/>
+          </a:effectRef>
+          <a:fontRef idx="minor">
+            <a:schemeClr val="lt1"/>
+          </a:fontRef>
+        </p:style>
+        <p:txBody>
+          <a:bodyPr wrap="square" rtlCol="0" anchor="ctr">
+            <a:noAutofit/>
+          </a:bodyPr>
+          <a:lstStyle/>
+          <a:p>
+            <a:pPr marL="0" marR="0" lvl="0" indent="0" algn="ctr" defTabSz="914400" rtl="0" eaLnBrk="1" fontAlgn="auto" latinLnBrk="0" hangingPunct="1">
+              <a:lnSpc>
+                <a:spcPct val="100000"/>
+              </a:lnSpc>
+              <a:spcBef>
+                <a:spcPts val="0"/>
+              </a:spcBef>
+              <a:spcAft>
+                <a:spcPts val="0"/>
+              </a:spcAft>
+              <a:buClrTx/>
+              <a:buSzTx/>
+              <a:buFontTx/>
+              <a:buNone/>
+              <a:tabLst/>
+              <a:defRPr/>
+            </a:pPr>
+            <a:endParaRPr kumimoji="0" lang="en-US" sz="1800" b="0" i="0" u="none" strike="noStrike" kern="1200" cap="none" spc="0" normalizeH="0" baseline="0" noProof="0">
+              <a:ln>
+                <a:noFill/>
+              </a:ln>
+              <a:solidFill>
+                <a:prstClr val="white"/>
+              </a:solidFill>
+              <a:effectLst/>
+              <a:uLnTx/>
+              <a:uFillTx/>
+              <a:latin typeface="Calibri" panose="020F0502020204030204"/>
+              <a:ea typeface="+mn-ea"/>
+              <a:cs typeface="+mn-cs"/>
+            </a:endParaRPr>
+          </a:p>
+        </p:txBody>
+      </p:sp>
+      <p:sp>
+        <p:nvSpPr>
+          <p:cNvPr id="2" name="Title 1">
+            <a:extLst>
+              <a:ext uri="{FF2B5EF4-FFF2-40B4-BE49-F238E27FC236}">
+                <a16:creationId xmlns:a16="http://schemas.microsoft.com/office/drawing/2014/main" id="{E6840E2E-FAAB-2F4C-BAD1-47B9783384B5}"/>
+              </a:ext>
+            </a:extLst>
+          </p:cNvPr>
+          <p:cNvSpPr>
+            <a:spLocks noGrp="1"/>
+          </p:cNvSpPr>
+          <p:nvPr>
+            <p:ph type="title"/>
+          </p:nvPr>
+        </p:nvSpPr>
+        <p:spPr>
+          <a:xfrm>
+            <a:off x="1524003" y="1999615"/>
+            <a:ext cx="9144000" cy="2764028"/>
+          </a:xfrm>
+        </p:spPr>
+        <p:txBody>
+          <a:bodyPr vert="horz" lIns="91440" tIns="45720" rIns="91440" bIns="45720" rtlCol="0" anchor="ctr">
+            <a:normAutofit/>
+          </a:bodyPr>
+          <a:lstStyle/>
+          <a:p>
+            <a:pPr algn="ctr"/>
+            <a:r>
+              <a:rPr lang="en-US" sz="6700" b="1" dirty="0"/>
+              <a:t>Data and Algorithmic Bias In The Web</a:t>
+            </a:r>
+          </a:p>
+        </p:txBody>
+      </p:sp>
+      <p:sp>
+        <p:nvSpPr>
+          <p:cNvPr id="30" name="Rectangle 29">
+            <a:extLst>
+              <a:ext uri="{FF2B5EF4-FFF2-40B4-BE49-F238E27FC236}">
+                <a16:creationId xmlns:a16="http://schemas.microsoft.com/office/drawing/2014/main" id="{3629484E-3792-4B3D-89AD-7C8A1ED0E0D4}"/>
+              </a:ext>
+              <a:ext uri="{C183D7F6-B498-43B3-948B-1728B52AA6E4}">
+                <adec:decorative xmlns:adec="http://schemas.microsoft.com/office/drawing/2017/decorative" val="1"/>
+              </a:ext>
+            </a:extLst>
+          </p:cNvPr>
+          <p:cNvSpPr>
+            <a:spLocks noGrp="1" noRot="1" noChangeAspect="1" noMove="1" noResize="1" noEditPoints="1" noAdjustHandles="1" noChangeArrowheads="1" noChangeShapeType="1" noTextEdit="1"/>
+          </p:cNvSpPr>
+          <p:nvPr>
+            <p:extLst>
+              <p:ext uri="{386F3935-93C4-4BCD-93E2-E3B085C9AB24}">
+                <p16:designElem xmlns:p16="http://schemas.microsoft.com/office/powerpoint/2015/main" val="1"/>
+              </p:ext>
+            </p:extLst>
+          </p:nvPr>
+        </p:nvSpPr>
+        <p:spPr>
+          <a:xfrm>
+            <a:off x="3718560" y="5524786"/>
+            <a:ext cx="4754880" cy="27432"/>
+          </a:xfrm>
+          <a:prstGeom prst="rect">
+            <a:avLst/>
+          </a:prstGeom>
+          <a:solidFill>
+            <a:schemeClr val="accent1"/>
+          </a:solidFill>
+          <a:ln>
+            <a:noFill/>
+          </a:ln>
+        </p:spPr>
+        <p:style>
+          <a:lnRef idx="2">
+            <a:schemeClr val="accent1">
+              <a:shade val="50000"/>
+            </a:schemeClr>
+          </a:lnRef>
+          <a:fillRef idx="1">
+            <a:schemeClr val="accent1"/>
+          </a:fillRef>
+          <a:effectRef idx="0">
+            <a:schemeClr val="accent1"/>
+          </a:effectRef>
+          <a:fontRef idx="minor">
+            <a:schemeClr val="lt1"/>
+          </a:fontRef>
+        </p:style>
+        <p:txBody>
+          <a:bodyPr rtlCol="0" anchor="ctr"/>
+          <a:lstStyle/>
+          <a:p>
+            <a:pPr marL="0" marR="0" lvl="0" indent="0" algn="ctr" defTabSz="914400" rtl="0" eaLnBrk="1" fontAlgn="auto" latinLnBrk="0" hangingPunct="1">
+              <a:lnSpc>
+                <a:spcPct val="100000"/>
+              </a:lnSpc>
+              <a:spcBef>
+                <a:spcPts val="0"/>
+              </a:spcBef>
+              <a:spcAft>
+                <a:spcPts val="0"/>
+              </a:spcAft>
+              <a:buClrTx/>
+              <a:buSzTx/>
+              <a:buFontTx/>
+              <a:buNone/>
+              <a:tabLst/>
+              <a:defRPr/>
+            </a:pPr>
+            <a:endParaRPr kumimoji="0" lang="en-US" sz="1800" b="0" i="0" u="none" strike="noStrike" kern="1200" cap="none" spc="0" normalizeH="0" baseline="0" noProof="0">
+              <a:ln>
+                <a:noFill/>
+              </a:ln>
+              <a:solidFill>
+                <a:prstClr val="white"/>
+              </a:solidFill>
+              <a:effectLst/>
+              <a:uLnTx/>
+              <a:uFillTx/>
+              <a:latin typeface="Calibri" panose="020F0502020204030204"/>
+              <a:ea typeface="+mn-ea"/>
+              <a:cs typeface="+mn-cs"/>
+            </a:endParaRPr>
+          </a:p>
+        </p:txBody>
+      </p:sp>
+    </p:spTree>
+    <p:extLst>
+      <p:ext uri="{BB962C8B-B14F-4D97-AF65-F5344CB8AC3E}">
+        <p14:creationId xmlns:p14="http://schemas.microsoft.com/office/powerpoint/2010/main" val="3679224293"/>
+      </p:ext>
+    </p:extLst>
+  </p:cSld>
+  <p:clrMapOvr>
+    <a:masterClrMapping/>
+  </p:clrMapOvr>
+</p:sld>
+</file>
+
+<file path=ppt/slides/slide5.xml><?xml version="1.0" encoding="utf-8"?>
+<p:sld xmlns:a="http://schemas.openxmlformats.org/drawingml/2006/main" xmlns:r="http://schemas.openxmlformats.org/officeDocument/2006/relationships" xmlns:p="http://schemas.openxmlformats.org/presentationml/2006/main">
+  <p:cSld>
+    <p:bg>
+      <p:bgPr>
+        <a:solidFill>
+          <a:schemeClr val="bg1"/>
+        </a:solidFill>
+        <a:effectLst/>
+      </p:bgPr>
+    </p:bg>
+    <p:spTree>
+      <p:nvGrpSpPr>
+        <p:cNvPr id="1" name=""/>
+        <p:cNvGrpSpPr/>
+        <p:nvPr/>
+      </p:nvGrpSpPr>
+      <p:grpSpPr>
+        <a:xfrm>
+          <a:off x="0" y="0"/>
+          <a:ext cx="0" cy="0"/>
+          <a:chOff x="0" y="0"/>
+          <a:chExt cx="0" cy="0"/>
+        </a:xfrm>
+      </p:grpSpPr>
+      <p:sp useBgFill="1">
+        <p:nvSpPr>
+          <p:cNvPr id="9" name="Rectangle 8">
+            <a:extLst>
+              <a:ext uri="{FF2B5EF4-FFF2-40B4-BE49-F238E27FC236}">
+                <a16:creationId xmlns:a16="http://schemas.microsoft.com/office/drawing/2014/main" id="{7301F447-EEF7-48F5-AF73-7566EE7F64AD}"/>
+              </a:ext>
+              <a:ext uri="{C183D7F6-B498-43B3-948B-1728B52AA6E4}">
+                <adec:decorative xmlns:adec="http://schemas.microsoft.com/office/drawing/2017/decorative" val="1"/>
+              </a:ext>
+            </a:extLst>
+          </p:cNvPr>
+          <p:cNvSpPr>
+            <a:spLocks noGrp="1" noRot="1" noChangeAspect="1" noMove="1" noResize="1" noEditPoints="1" noAdjustHandles="1" noChangeArrowheads="1" noChangeShapeType="1" noTextEdit="1"/>
+          </p:cNvSpPr>
+          <p:nvPr>
+            <p:extLst>
+              <p:ext uri="{386F3935-93C4-4BCD-93E2-E3B085C9AB24}">
+                <p16:designElem xmlns:p16="http://schemas.microsoft.com/office/powerpoint/2015/main" val="1"/>
+              </p:ext>
+            </p:extLst>
+          </p:nvPr>
+        </p:nvSpPr>
+        <p:spPr>
+          <a:xfrm>
+            <a:off x="0" y="0"/>
+            <a:ext cx="12192000" cy="6858000"/>
+          </a:xfrm>
+          <a:prstGeom prst="rect">
+            <a:avLst/>
+          </a:prstGeom>
+          <a:ln>
+            <a:noFill/>
+          </a:ln>
+        </p:spPr>
+        <p:style>
+          <a:lnRef idx="2">
+            <a:schemeClr val="accent1">
+              <a:shade val="50000"/>
+            </a:schemeClr>
+          </a:lnRef>
+          <a:fillRef idx="1">
+            <a:schemeClr val="accent1"/>
+          </a:fillRef>
+          <a:effectRef idx="0">
+            <a:schemeClr val="accent1"/>
+          </a:effectRef>
+          <a:fontRef idx="minor">
+            <a:schemeClr val="lt1"/>
+          </a:fontRef>
+        </p:style>
+        <p:txBody>
+          <a:bodyPr rtlCol="0" anchor="ctr"/>
+          <a:lstStyle/>
+          <a:p>
+            <a:pPr algn="ctr"/>
+            <a:endParaRPr lang="en-US"/>
+          </a:p>
+        </p:txBody>
+      </p:sp>
+      <p:sp>
+        <p:nvSpPr>
+          <p:cNvPr id="2" name="Title 1">
+            <a:extLst>
+              <a:ext uri="{FF2B5EF4-FFF2-40B4-BE49-F238E27FC236}">
+                <a16:creationId xmlns:a16="http://schemas.microsoft.com/office/drawing/2014/main" id="{3C7DAC33-6D70-2B43-A337-9AC3BA14E673}"/>
+              </a:ext>
+            </a:extLst>
+          </p:cNvPr>
+          <p:cNvSpPr>
+            <a:spLocks noGrp="1"/>
+          </p:cNvSpPr>
+          <p:nvPr>
+            <p:ph type="title"/>
+          </p:nvPr>
+        </p:nvSpPr>
+        <p:spPr>
+          <a:xfrm>
+            <a:off x="841248" y="334644"/>
+            <a:ext cx="10509504" cy="1076914"/>
+          </a:xfrm>
+        </p:spPr>
+        <p:txBody>
+          <a:bodyPr anchor="ctr">
+            <a:normAutofit/>
+          </a:bodyPr>
+          <a:lstStyle/>
+          <a:p>
+            <a:r>
+              <a:rPr lang="en-US" sz="3400"/>
+              <a:t>The largest public repository we have ever created</a:t>
+            </a:r>
+          </a:p>
+        </p:txBody>
+      </p:sp>
+      <p:sp>
+        <p:nvSpPr>
+          <p:cNvPr id="11" name="Rectangle 10">
+            <a:extLst>
+              <a:ext uri="{FF2B5EF4-FFF2-40B4-BE49-F238E27FC236}">
+                <a16:creationId xmlns:a16="http://schemas.microsoft.com/office/drawing/2014/main" id="{F7117410-A2A4-4085-9ADC-46744551DBDE}"/>
+              </a:ext>
+              <a:ext uri="{C183D7F6-B498-43B3-948B-1728B52AA6E4}">
+                <adec:decorative xmlns:adec="http://schemas.microsoft.com/office/drawing/2017/decorative" val="1"/>
+              </a:ext>
+            </a:extLst>
+          </p:cNvPr>
+          <p:cNvSpPr>
+            <a:spLocks noGrp="1" noRot="1" noChangeAspect="1" noMove="1" noResize="1" noEditPoints="1" noAdjustHandles="1" noChangeArrowheads="1" noChangeShapeType="1" noTextEdit="1"/>
+          </p:cNvSpPr>
+          <p:nvPr>
+            <p:extLst>
+              <p:ext uri="{386F3935-93C4-4BCD-93E2-E3B085C9AB24}">
+                <p16:designElem xmlns:p16="http://schemas.microsoft.com/office/powerpoint/2015/main" val="1"/>
+              </p:ext>
+            </p:extLst>
+          </p:nvPr>
+        </p:nvSpPr>
+        <p:spPr>
+          <a:xfrm>
+            <a:off x="842772" y="0"/>
+            <a:ext cx="10506456" cy="191386"/>
+          </a:xfrm>
+          <a:prstGeom prst="rect">
+            <a:avLst/>
+          </a:prstGeom>
+          <a:solidFill>
+            <a:schemeClr val="accent1"/>
+          </a:solidFill>
+          <a:ln>
+            <a:noFill/>
+          </a:ln>
+        </p:spPr>
+        <p:style>
+          <a:lnRef idx="2">
+            <a:schemeClr val="accent1">
+              <a:shade val="50000"/>
+            </a:schemeClr>
+          </a:lnRef>
+          <a:fillRef idx="1">
+            <a:schemeClr val="accent1"/>
+          </a:fillRef>
+          <a:effectRef idx="0">
+            <a:schemeClr val="accent1"/>
+          </a:effectRef>
+          <a:fontRef idx="minor">
+            <a:schemeClr val="lt1"/>
+          </a:fontRef>
+        </p:style>
+        <p:txBody>
+          <a:bodyPr rtlCol="0" anchor="ctr"/>
+          <a:lstStyle/>
+          <a:p>
+            <a:pPr marL="0" marR="0" lvl="0" indent="0" algn="ctr" defTabSz="914400" rtl="0" eaLnBrk="1" fontAlgn="auto" latinLnBrk="0" hangingPunct="1">
+              <a:lnSpc>
+                <a:spcPct val="100000"/>
+              </a:lnSpc>
+              <a:spcBef>
+                <a:spcPts val="0"/>
+              </a:spcBef>
+              <a:spcAft>
+                <a:spcPts val="0"/>
+              </a:spcAft>
+              <a:buClrTx/>
+              <a:buSzTx/>
+              <a:buFontTx/>
+              <a:buNone/>
+              <a:tabLst/>
+              <a:defRPr/>
+            </a:pPr>
+            <a:endParaRPr kumimoji="0" lang="en-US" sz="1800" b="0" i="0" u="none" strike="noStrike" kern="1200" cap="none" spc="0" normalizeH="0" baseline="0" noProof="0">
+              <a:ln>
+                <a:noFill/>
+              </a:ln>
+              <a:solidFill>
+                <a:prstClr val="white"/>
+              </a:solidFill>
+              <a:effectLst/>
+              <a:uLnTx/>
+              <a:uFillTx/>
+              <a:latin typeface="Calibri" panose="020F0502020204030204"/>
+              <a:ea typeface="+mn-ea"/>
+              <a:cs typeface="+mn-cs"/>
+            </a:endParaRPr>
+          </a:p>
+        </p:txBody>
+      </p:sp>
+      <p:sp>
+        <p:nvSpPr>
+          <p:cNvPr id="13" name="Rectangle 12">
+            <a:extLst>
+              <a:ext uri="{FF2B5EF4-FFF2-40B4-BE49-F238E27FC236}">
+                <a16:creationId xmlns:a16="http://schemas.microsoft.com/office/drawing/2014/main" id="{99F74EB5-E547-4FB4-95F5-BCC788F3C4A0}"/>
+              </a:ext>
+              <a:ext uri="{C183D7F6-B498-43B3-948B-1728B52AA6E4}">
+                <adec:decorative xmlns:adec="http://schemas.microsoft.com/office/drawing/2017/decorative" val="1"/>
+              </a:ext>
+            </a:extLst>
+          </p:cNvPr>
+          <p:cNvSpPr>
+            <a:spLocks noGrp="1" noRot="1" noChangeAspect="1" noMove="1" noResize="1" noEditPoints="1" noAdjustHandles="1" noChangeArrowheads="1" noChangeShapeType="1" noTextEdit="1"/>
+          </p:cNvSpPr>
+          <p:nvPr>
+            <p:extLst>
+              <p:ext uri="{386F3935-93C4-4BCD-93E2-E3B085C9AB24}">
+                <p16:designElem xmlns:p16="http://schemas.microsoft.com/office/powerpoint/2015/main" val="1"/>
+              </p:ext>
+            </p:extLst>
+          </p:nvPr>
+        </p:nvSpPr>
+        <p:spPr>
+          <a:xfrm>
+            <a:off x="841248" y="1512994"/>
+            <a:ext cx="10506456" cy="18288"/>
+          </a:xfrm>
+          <a:prstGeom prst="rect">
+            <a:avLst/>
+          </a:prstGeom>
+          <a:solidFill>
+            <a:schemeClr val="tx2">
+              <a:lumMod val="25000"/>
+              <a:lumOff val="75000"/>
+            </a:schemeClr>
+          </a:solidFill>
+          <a:ln w="3175">
+            <a:noFill/>
+          </a:ln>
+          <a:effectLst/>
+        </p:spPr>
+        <p:style>
+          <a:lnRef idx="2">
+            <a:schemeClr val="accent1">
+              <a:shade val="50000"/>
+            </a:schemeClr>
+          </a:lnRef>
+          <a:fillRef idx="1">
+            <a:schemeClr val="accent1"/>
+          </a:fillRef>
+          <a:effectRef idx="0">
+            <a:schemeClr val="accent1"/>
+          </a:effectRef>
+          <a:fontRef idx="minor">
+            <a:schemeClr val="lt1"/>
+          </a:fontRef>
+        </p:style>
+        <p:txBody>
+          <a:bodyPr rtlCol="0" anchor="ctr"/>
+          <a:lstStyle/>
+          <a:p>
+            <a:pPr marL="0" marR="0" lvl="0" indent="0" algn="ctr" defTabSz="914400" rtl="0" eaLnBrk="1" fontAlgn="auto" latinLnBrk="0" hangingPunct="1">
+              <a:lnSpc>
+                <a:spcPct val="100000"/>
+              </a:lnSpc>
+              <a:spcBef>
+                <a:spcPts val="0"/>
+              </a:spcBef>
+              <a:spcAft>
+                <a:spcPts val="0"/>
+              </a:spcAft>
+              <a:buClrTx/>
+              <a:buSzTx/>
+              <a:buFontTx/>
+              <a:buNone/>
+              <a:tabLst/>
+              <a:defRPr/>
+            </a:pPr>
+            <a:endParaRPr kumimoji="0" lang="en-US" sz="1800" b="0" i="0" u="none" strike="noStrike" kern="1200" cap="none" spc="0" normalizeH="0" baseline="0" noProof="0">
+              <a:ln>
+                <a:noFill/>
+              </a:ln>
+              <a:solidFill>
+                <a:prstClr val="white"/>
+              </a:solidFill>
+              <a:effectLst/>
+              <a:uLnTx/>
+              <a:uFillTx/>
+              <a:latin typeface="Calibri" panose="020F0502020204030204"/>
+              <a:ea typeface="+mn-ea"/>
+              <a:cs typeface="+mn-cs"/>
+            </a:endParaRPr>
+          </a:p>
+        </p:txBody>
+      </p:sp>
+      <p:graphicFrame>
+        <p:nvGraphicFramePr>
+          <p:cNvPr id="5" name="Content Placeholder 2">
+            <a:extLst>
+              <a:ext uri="{FF2B5EF4-FFF2-40B4-BE49-F238E27FC236}">
+                <a16:creationId xmlns:a16="http://schemas.microsoft.com/office/drawing/2014/main" id="{ED9CD5DF-6BAB-4661-BD87-153996764B97}"/>
+              </a:ext>
+            </a:extLst>
+          </p:cNvPr>
+          <p:cNvGraphicFramePr>
+            <a:graphicFrameLocks noGrp="1"/>
+          </p:cNvGraphicFramePr>
+          <p:nvPr>
+            <p:ph idx="1"/>
+            <p:extLst>
+              <p:ext uri="{D42A27DB-BD31-4B8C-83A1-F6EECF244321}">
+                <p14:modId xmlns:p14="http://schemas.microsoft.com/office/powerpoint/2010/main" val="219486438"/>
+              </p:ext>
+            </p:extLst>
+          </p:nvPr>
+        </p:nvGraphicFramePr>
+        <p:xfrm>
+          <a:off x="838200" y="1737360"/>
+          <a:ext cx="10506456" cy="4535424"/>
+        </p:xfrm>
+        <a:graphic>
+          <a:graphicData uri="http://schemas.openxmlformats.org/drawingml/2006/diagram">
+            <dgm:relIds xmlns:dgm="http://schemas.openxmlformats.org/drawingml/2006/diagram" xmlns:r="http://schemas.openxmlformats.org/officeDocument/2006/relationships" r:dm="rId2" r:lo="rId3" r:qs="rId4" r:cs="rId5"/>
+          </a:graphicData>
+        </a:graphic>
+      </p:graphicFrame>
+    </p:spTree>
+    <p:extLst>
+      <p:ext uri="{BB962C8B-B14F-4D97-AF65-F5344CB8AC3E}">
+        <p14:creationId xmlns:p14="http://schemas.microsoft.com/office/powerpoint/2010/main" val="1734771302"/>
+      </p:ext>
+    </p:extLst>
+  </p:cSld>
+  <p:clrMapOvr>
+    <a:masterClrMapping/>
+  </p:clrMapOvr>
+</p:sld>
+</file>
+
+<file path=ppt/slides/slide6.xml><?xml version="1.0" encoding="utf-8"?>
+<p:sld xmlns:a="http://schemas.openxmlformats.org/drawingml/2006/main" xmlns:r="http://schemas.openxmlformats.org/officeDocument/2006/relationships" xmlns:p="http://schemas.openxmlformats.org/presentationml/2006/main">
+  <p:cSld>
+    <p:bg>
+      <p:bgPr>
+        <a:solidFill>
+          <a:schemeClr val="bg1"/>
+        </a:solidFill>
+        <a:effectLst/>
+      </p:bgPr>
+    </p:bg>
+    <p:spTree>
+      <p:nvGrpSpPr>
+        <p:cNvPr id="1" name=""/>
+        <p:cNvGrpSpPr/>
+        <p:nvPr/>
+      </p:nvGrpSpPr>
+      <p:grpSpPr>
+        <a:xfrm>
+          <a:off x="0" y="0"/>
+          <a:ext cx="0" cy="0"/>
+          <a:chOff x="0" y="0"/>
+          <a:chExt cx="0" cy="0"/>
+        </a:xfrm>
+      </p:grpSpPr>
+      <p:sp useBgFill="1">
+        <p:nvSpPr>
+          <p:cNvPr id="10" name="Rectangle 9">
+            <a:extLst>
+              <a:ext uri="{FF2B5EF4-FFF2-40B4-BE49-F238E27FC236}">
+                <a16:creationId xmlns:a16="http://schemas.microsoft.com/office/drawing/2014/main" id="{90D01200-0224-43C5-AB38-FB4D16B73FB7}"/>
+              </a:ext>
+              <a:ext uri="{C183D7F6-B498-43B3-948B-1728B52AA6E4}">
+                <adec:decorative xmlns:adec="http://schemas.microsoft.com/office/drawing/2017/decorative" val="1"/>
+              </a:ext>
+            </a:extLst>
+          </p:cNvPr>
+          <p:cNvSpPr>
+            <a:spLocks noGrp="1" noRot="1" noChangeAspect="1" noMove="1" noResize="1" noEditPoints="1" noAdjustHandles="1" noChangeArrowheads="1" noChangeShapeType="1" noTextEdit="1"/>
+          </p:cNvSpPr>
+          <p:nvPr>
+            <p:extLst>
+              <p:ext uri="{386F3935-93C4-4BCD-93E2-E3B085C9AB24}">
+                <p16:designElem xmlns:p16="http://schemas.microsoft.com/office/powerpoint/2015/main" val="1"/>
+              </p:ext>
+            </p:extLst>
+          </p:nvPr>
+        </p:nvSpPr>
+        <p:spPr>
+          <a:xfrm>
+            <a:off x="0" y="0"/>
+            <a:ext cx="12192000" cy="6858000"/>
+          </a:xfrm>
+          <a:prstGeom prst="rect">
+            <a:avLst/>
+          </a:prstGeom>
+          <a:ln>
+            <a:noFill/>
+          </a:ln>
+        </p:spPr>
+        <p:style>
+          <a:lnRef idx="2">
+            <a:schemeClr val="accent1">
+              <a:shade val="50000"/>
+            </a:schemeClr>
+          </a:lnRef>
+          <a:fillRef idx="1">
+            <a:schemeClr val="accent1"/>
+          </a:fillRef>
+          <a:effectRef idx="0">
+            <a:schemeClr val="accent1"/>
+          </a:effectRef>
+          <a:fontRef idx="minor">
+            <a:schemeClr val="lt1"/>
+          </a:fontRef>
+        </p:style>
+        <p:txBody>
+          <a:bodyPr rtlCol="0" anchor="ctr"/>
+          <a:lstStyle/>
+          <a:p>
+            <a:pPr algn="ctr"/>
+            <a:endParaRPr lang="en-US"/>
+          </a:p>
+        </p:txBody>
+      </p:sp>
+      <p:sp>
+        <p:nvSpPr>
+          <p:cNvPr id="2" name="Title 1">
+            <a:extLst>
+              <a:ext uri="{FF2B5EF4-FFF2-40B4-BE49-F238E27FC236}">
+                <a16:creationId xmlns:a16="http://schemas.microsoft.com/office/drawing/2014/main" id="{AB304DC3-6224-EF4F-8D9A-25F40BF1737A}"/>
+              </a:ext>
+            </a:extLst>
+          </p:cNvPr>
+          <p:cNvSpPr>
+            <a:spLocks noGrp="1"/>
+          </p:cNvSpPr>
+          <p:nvPr>
+            <p:ph type="title"/>
+          </p:nvPr>
+        </p:nvSpPr>
+        <p:spPr>
+          <a:xfrm>
+            <a:off x="612648" y="1078992"/>
+            <a:ext cx="6268770" cy="1536192"/>
+          </a:xfrm>
+        </p:spPr>
+        <p:txBody>
+          <a:bodyPr anchor="b">
+            <a:normAutofit/>
+          </a:bodyPr>
+          <a:lstStyle/>
+          <a:p>
+            <a:r>
+              <a:rPr lang="en-CA" sz="3600"/>
+              <a:t>More than 1.5 billion people use Facebook monthly</a:t>
+            </a:r>
+            <a:endParaRPr lang="en-US" sz="3600"/>
+          </a:p>
+        </p:txBody>
+      </p:sp>
+      <p:sp>
+        <p:nvSpPr>
+          <p:cNvPr id="12" name="Rectangle 11">
+            <a:extLst>
+              <a:ext uri="{FF2B5EF4-FFF2-40B4-BE49-F238E27FC236}">
+                <a16:creationId xmlns:a16="http://schemas.microsoft.com/office/drawing/2014/main" id="{728A44A4-A002-4A88-9FC9-1D0566C97A47}"/>
+              </a:ext>
+              <a:ext uri="{C183D7F6-B498-43B3-948B-1728B52AA6E4}">
+                <adec:decorative xmlns:adec="http://schemas.microsoft.com/office/drawing/2017/decorative" val="1"/>
+              </a:ext>
+            </a:extLst>
+          </p:cNvPr>
+          <p:cNvSpPr>
+            <a:spLocks noGrp="1" noRot="1" noChangeAspect="1" noMove="1" noResize="1" noEditPoints="1" noAdjustHandles="1" noChangeArrowheads="1" noChangeShapeType="1" noTextEdit="1"/>
+          </p:cNvSpPr>
+          <p:nvPr>
+            <p:extLst>
+              <p:ext uri="{386F3935-93C4-4BCD-93E2-E3B085C9AB24}">
+                <p16:designElem xmlns:p16="http://schemas.microsoft.com/office/powerpoint/2015/main" val="1"/>
+              </p:ext>
+            </p:extLst>
+          </p:nvPr>
+        </p:nvSpPr>
+        <p:spPr>
+          <a:xfrm rot="5400000">
+            <a:off x="853202" y="363389"/>
+            <a:ext cx="73152" cy="548640"/>
+          </a:xfrm>
+          <a:prstGeom prst="rect">
+            <a:avLst/>
+          </a:prstGeom>
+          <a:solidFill>
+            <a:schemeClr val="accent1"/>
+          </a:solidFill>
+          <a:ln>
+            <a:noFill/>
+          </a:ln>
+        </p:spPr>
+        <p:style>
+          <a:lnRef idx="2">
+            <a:schemeClr val="accent1">
+              <a:shade val="50000"/>
+            </a:schemeClr>
+          </a:lnRef>
+          <a:fillRef idx="1">
+            <a:schemeClr val="accent1"/>
+          </a:fillRef>
+          <a:effectRef idx="0">
+            <a:schemeClr val="accent1"/>
+          </a:effectRef>
+          <a:fontRef idx="minor">
+            <a:schemeClr val="lt1"/>
+          </a:fontRef>
+        </p:style>
+        <p:txBody>
+          <a:bodyPr rtlCol="0" anchor="ctr"/>
+          <a:lstStyle/>
+          <a:p>
+            <a:pPr marL="0" marR="0" lvl="0" indent="0" algn="ctr" defTabSz="914400" rtl="0" eaLnBrk="1" fontAlgn="auto" latinLnBrk="0" hangingPunct="1">
+              <a:lnSpc>
+                <a:spcPct val="100000"/>
+              </a:lnSpc>
+              <a:spcBef>
+                <a:spcPts val="0"/>
+              </a:spcBef>
+              <a:spcAft>
+                <a:spcPts val="0"/>
+              </a:spcAft>
+              <a:buClrTx/>
+              <a:buSzTx/>
+              <a:buFontTx/>
+              <a:buNone/>
+              <a:tabLst/>
+              <a:defRPr/>
+            </a:pPr>
+            <a:endParaRPr kumimoji="0" lang="en-US" sz="1800" b="0" i="0" u="none" strike="noStrike" kern="1200" cap="none" spc="0" normalizeH="0" baseline="0" noProof="0">
+              <a:ln>
+                <a:noFill/>
+              </a:ln>
+              <a:solidFill>
+                <a:prstClr val="white"/>
+              </a:solidFill>
+              <a:effectLst/>
+              <a:uLnTx/>
+              <a:uFillTx/>
+              <a:latin typeface="Calibri" panose="020F0502020204030204"/>
+              <a:ea typeface="+mn-ea"/>
+              <a:cs typeface="+mn-cs"/>
+            </a:endParaRPr>
+          </a:p>
+        </p:txBody>
+      </p:sp>
+      <p:sp>
+        <p:nvSpPr>
+          <p:cNvPr id="14" name="Rectangle 13">
+            <a:extLst>
+              <a:ext uri="{FF2B5EF4-FFF2-40B4-BE49-F238E27FC236}">
+                <a16:creationId xmlns:a16="http://schemas.microsoft.com/office/drawing/2014/main" id="{3E7D5C7B-DD16-401B-85CE-4AAA2A4F5136}"/>
+              </a:ext>
+              <a:ext uri="{C183D7F6-B498-43B3-948B-1728B52AA6E4}">
+                <adec:decorative xmlns:adec="http://schemas.microsoft.com/office/drawing/2017/decorative" val="1"/>
+              </a:ext>
+            </a:extLst>
+          </p:cNvPr>
+          <p:cNvSpPr>
+            <a:spLocks noGrp="1" noRot="1" noChangeAspect="1" noMove="1" noResize="1" noEditPoints="1" noAdjustHandles="1" noChangeArrowheads="1" noChangeShapeType="1" noTextEdit="1"/>
+          </p:cNvSpPr>
+          <p:nvPr>
+            <p:extLst>
+              <p:ext uri="{386F3935-93C4-4BCD-93E2-E3B085C9AB24}">
+                <p16:designElem xmlns:p16="http://schemas.microsoft.com/office/powerpoint/2015/main" val="1"/>
+              </p:ext>
+            </p:extLst>
+          </p:nvPr>
+        </p:nvSpPr>
+        <p:spPr>
+          <a:xfrm>
+            <a:off x="618506" y="2935541"/>
+            <a:ext cx="6217920" cy="18288"/>
+          </a:xfrm>
+          <a:prstGeom prst="rect">
+            <a:avLst/>
+          </a:prstGeom>
+          <a:solidFill>
+            <a:schemeClr val="tx2">
+              <a:lumMod val="25000"/>
+              <a:lumOff val="75000"/>
+            </a:schemeClr>
+          </a:solidFill>
+          <a:ln w="3175">
+            <a:noFill/>
+          </a:ln>
+          <a:effectLst/>
+        </p:spPr>
+        <p:style>
+          <a:lnRef idx="2">
+            <a:schemeClr val="accent1">
+              <a:shade val="50000"/>
+            </a:schemeClr>
+          </a:lnRef>
+          <a:fillRef idx="1">
+            <a:schemeClr val="accent1"/>
+          </a:fillRef>
+          <a:effectRef idx="0">
+            <a:schemeClr val="accent1"/>
+          </a:effectRef>
+          <a:fontRef idx="minor">
+            <a:schemeClr val="lt1"/>
+          </a:fontRef>
+        </p:style>
+        <p:txBody>
+          <a:bodyPr rtlCol="0" anchor="ctr"/>
+          <a:lstStyle/>
+          <a:p>
+            <a:pPr marL="0" marR="0" lvl="0" indent="0" algn="ctr" defTabSz="914400" rtl="0" eaLnBrk="1" fontAlgn="auto" latinLnBrk="0" hangingPunct="1">
+              <a:lnSpc>
+                <a:spcPct val="100000"/>
+              </a:lnSpc>
+              <a:spcBef>
+                <a:spcPts val="0"/>
+              </a:spcBef>
+              <a:spcAft>
+                <a:spcPts val="0"/>
+              </a:spcAft>
+              <a:buClrTx/>
+              <a:buSzTx/>
+              <a:buFontTx/>
+              <a:buNone/>
+              <a:tabLst/>
+              <a:defRPr/>
+            </a:pPr>
+            <a:endParaRPr kumimoji="0" lang="en-US" sz="1800" b="0" i="0" u="none" strike="noStrike" kern="1200" cap="none" spc="0" normalizeH="0" baseline="0" noProof="0">
+              <a:ln>
+                <a:noFill/>
+              </a:ln>
+              <a:solidFill>
+                <a:prstClr val="white"/>
+              </a:solidFill>
+              <a:effectLst/>
+              <a:uLnTx/>
+              <a:uFillTx/>
+              <a:latin typeface="Calibri" panose="020F0502020204030204"/>
+              <a:ea typeface="+mn-ea"/>
+              <a:cs typeface="+mn-cs"/>
+            </a:endParaRPr>
+          </a:p>
+        </p:txBody>
+      </p:sp>
+      <p:sp>
+        <p:nvSpPr>
+          <p:cNvPr id="3" name="Content Placeholder 2">
+            <a:extLst>
+              <a:ext uri="{FF2B5EF4-FFF2-40B4-BE49-F238E27FC236}">
+                <a16:creationId xmlns:a16="http://schemas.microsoft.com/office/drawing/2014/main" id="{14B396CE-CB97-914E-B990-66E39C65B160}"/>
+              </a:ext>
+            </a:extLst>
+          </p:cNvPr>
+          <p:cNvSpPr>
+            <a:spLocks noGrp="1"/>
+          </p:cNvSpPr>
+          <p:nvPr>
+            <p:ph idx="1"/>
+          </p:nvPr>
+        </p:nvSpPr>
+        <p:spPr>
+          <a:xfrm>
+            <a:off x="612648" y="3355848"/>
+            <a:ext cx="6268770" cy="2825496"/>
+          </a:xfrm>
+        </p:spPr>
+        <p:txBody>
+          <a:bodyPr>
+            <a:normAutofit/>
+          </a:bodyPr>
+          <a:lstStyle/>
+          <a:p>
+            <a:pPr>
+              <a:lnSpc>
+                <a:spcPct val="100000"/>
+              </a:lnSpc>
+            </a:pPr>
+            <a:r>
+              <a:rPr lang="en-US" sz="1400" dirty="0"/>
+              <a:t>Creating an algorithm to create personal ads for this many people has comes with many challenges that not acknowledged would cause exponentially more bias.</a:t>
+            </a:r>
+          </a:p>
+          <a:p>
+            <a:pPr>
+              <a:lnSpc>
+                <a:spcPct val="100000"/>
+              </a:lnSpc>
+            </a:pPr>
+            <a:r>
+              <a:rPr lang="en-US" sz="1400" dirty="0"/>
+              <a:t>Such as:</a:t>
+            </a:r>
+          </a:p>
+          <a:p>
+            <a:pPr lvl="1">
+              <a:lnSpc>
+                <a:spcPct val="100000"/>
+              </a:lnSpc>
+            </a:pPr>
+            <a:r>
+              <a:rPr lang="en-CA" sz="1400" dirty="0"/>
+              <a:t>Large class imbalance distributions</a:t>
+            </a:r>
+            <a:endParaRPr lang="en-US" sz="1400" dirty="0"/>
+          </a:p>
+          <a:p>
+            <a:pPr lvl="1">
+              <a:lnSpc>
+                <a:spcPct val="100000"/>
+              </a:lnSpc>
+            </a:pPr>
+            <a:r>
+              <a:rPr lang="en-US" sz="1400" dirty="0"/>
+              <a:t>Global reach and internationalization</a:t>
+            </a:r>
+          </a:p>
+          <a:p>
+            <a:pPr lvl="1">
+              <a:lnSpc>
+                <a:spcPct val="100000"/>
+              </a:lnSpc>
+            </a:pPr>
+            <a:r>
+              <a:rPr lang="en-US" sz="1400" dirty="0"/>
+              <a:t>Feature engineering on ad content</a:t>
+            </a:r>
+          </a:p>
+          <a:p>
+            <a:pPr lvl="1">
+              <a:lnSpc>
+                <a:spcPct val="100000"/>
+              </a:lnSpc>
+            </a:pPr>
+            <a:r>
+              <a:rPr lang="en-US" sz="1400" dirty="0"/>
+              <a:t>Human reviewer accuracy</a:t>
+            </a:r>
+          </a:p>
+          <a:p>
+            <a:pPr lvl="1">
+              <a:lnSpc>
+                <a:spcPct val="100000"/>
+              </a:lnSpc>
+            </a:pPr>
+            <a:r>
+              <a:rPr lang="en-US" sz="1400" dirty="0"/>
+              <a:t>Dynamic ecosystem and evolving patterns</a:t>
+            </a:r>
+          </a:p>
+          <a:p>
+            <a:pPr lvl="1">
+              <a:lnSpc>
+                <a:spcPct val="100000"/>
+              </a:lnSpc>
+            </a:pPr>
+            <a:r>
+              <a:rPr lang="en-US" sz="1400" dirty="0"/>
+              <a:t>Machine learning at scale</a:t>
+            </a:r>
+          </a:p>
+        </p:txBody>
+      </p:sp>
+      <p:pic>
+        <p:nvPicPr>
+          <p:cNvPr id="7" name="Graphic 6" descr="Business Growth">
+            <a:extLst>
+              <a:ext uri="{FF2B5EF4-FFF2-40B4-BE49-F238E27FC236}">
+                <a16:creationId xmlns:a16="http://schemas.microsoft.com/office/drawing/2014/main" id="{2393B0FA-BCA6-42D6-B8B6-B3700099B66E}"/>
+              </a:ext>
+            </a:extLst>
+          </p:cNvPr>
+          <p:cNvPicPr>
+            <a:picLocks noChangeAspect="1"/>
+          </p:cNvPicPr>
+          <p:nvPr/>
+        </p:nvPicPr>
+        <p:blipFill>
+          <a:blip r:embed="rId2">
+            <a:extLst>
+              <a:ext uri="{28A0092B-C50C-407E-A947-70E740481C1C}">
+                <a14:useLocalDpi xmlns:a14="http://schemas.microsoft.com/office/drawing/2010/main" val="0"/>
+              </a:ext>
+              <a:ext uri="{96DAC541-7B7A-43D3-8B79-37D633B846F1}">
+                <asvg:svgBlip xmlns:asvg="http://schemas.microsoft.com/office/drawing/2016/SVG/main" r:embed="rId3"/>
+              </a:ext>
+            </a:extLst>
+          </a:blip>
+          <a:stretch>
+            <a:fillRect/>
+          </a:stretch>
+        </p:blipFill>
+        <p:spPr>
+          <a:xfrm>
+            <a:off x="7494066" y="1272395"/>
+            <a:ext cx="4237686" cy="4237686"/>
+          </a:xfrm>
+          <a:prstGeom prst="rect">
+            <a:avLst/>
+          </a:prstGeom>
+        </p:spPr>
+      </p:pic>
+    </p:spTree>
+    <p:extLst>
+      <p:ext uri="{BB962C8B-B14F-4D97-AF65-F5344CB8AC3E}">
+        <p14:creationId xmlns:p14="http://schemas.microsoft.com/office/powerpoint/2010/main" val="2111611754"/>
+      </p:ext>
+    </p:extLst>
+  </p:cSld>
+  <p:clrMapOvr>
+    <a:masterClrMapping/>
+  </p:clrMapOvr>
+</p:sld>
+</file>
+
+<file path=ppt/slides/slide7.xml><?xml version="1.0" encoding="utf-8"?>
+<p:sld xmlns:a="http://schemas.openxmlformats.org/drawingml/2006/main" xmlns:r="http://schemas.openxmlformats.org/officeDocument/2006/relationships" xmlns:p="http://schemas.openxmlformats.org/presentationml/2006/main">
+  <p:cSld>
+    <p:bg>
+      <p:bgPr>
+        <a:solidFill>
+          <a:schemeClr val="bg1"/>
+        </a:solidFill>
+        <a:effectLst/>
+      </p:bgPr>
+    </p:bg>
+    <p:spTree>
+      <p:nvGrpSpPr>
+        <p:cNvPr id="1" name=""/>
+        <p:cNvGrpSpPr/>
+        <p:nvPr/>
+      </p:nvGrpSpPr>
+      <p:grpSpPr>
+        <a:xfrm>
+          <a:off x="0" y="0"/>
+          <a:ext cx="0" cy="0"/>
+          <a:chOff x="0" y="0"/>
+          <a:chExt cx="0" cy="0"/>
+        </a:xfrm>
+      </p:grpSpPr>
+      <p:sp>
+        <p:nvSpPr>
+          <p:cNvPr id="7" name="Rectangle 6">
+            <a:extLst>
+              <a:ext uri="{FF2B5EF4-FFF2-40B4-BE49-F238E27FC236}">
+                <a16:creationId xmlns:a16="http://schemas.microsoft.com/office/drawing/2014/main" id="{8D06CE56-3881-4ADA-8CEF-D18B02C242A3}"/>
+              </a:ext>
+              <a:ext uri="{C183D7F6-B498-43B3-948B-1728B52AA6E4}">
+                <adec:decorative xmlns:adec="http://schemas.microsoft.com/office/drawing/2017/decorative" val="1"/>
+              </a:ext>
+            </a:extLst>
+          </p:cNvPr>
+          <p:cNvSpPr>
+            <a:spLocks noGrp="1" noRot="1" noChangeAspect="1" noMove="1" noResize="1" noEditPoints="1" noAdjustHandles="1" noChangeArrowheads="1" noChangeShapeType="1" noTextEdit="1"/>
+          </p:cNvSpPr>
+          <p:nvPr>
+            <p:extLst>
+              <p:ext uri="{386F3935-93C4-4BCD-93E2-E3B085C9AB24}">
+                <p16:designElem xmlns:p16="http://schemas.microsoft.com/office/powerpoint/2015/main" val="1"/>
+              </p:ext>
+            </p:extLst>
+          </p:nvPr>
+        </p:nvSpPr>
+        <p:spPr>
+          <a:xfrm rot="5400000">
+            <a:off x="857544" y="346791"/>
+            <a:ext cx="146304" cy="704088"/>
+          </a:xfrm>
+          <a:prstGeom prst="rect">
+            <a:avLst/>
+          </a:prstGeom>
+          <a:solidFill>
+            <a:schemeClr val="accent1"/>
+          </a:solidFill>
+          <a:ln>
+            <a:noFill/>
+          </a:ln>
+        </p:spPr>
+        <p:style>
+          <a:lnRef idx="2">
+            <a:schemeClr val="accent1">
+              <a:shade val="50000"/>
+            </a:schemeClr>
+          </a:lnRef>
+          <a:fillRef idx="1">
+            <a:schemeClr val="accent1"/>
+          </a:fillRef>
+          <a:effectRef idx="0">
+            <a:schemeClr val="accent1"/>
+          </a:effectRef>
+          <a:fontRef idx="minor">
+            <a:schemeClr val="lt1"/>
+          </a:fontRef>
+        </p:style>
+        <p:txBody>
+          <a:bodyPr rtlCol="0" anchor="ctr"/>
+          <a:lstStyle/>
+          <a:p>
+            <a:pPr marL="0" marR="0" lvl="0" indent="0" algn="ctr" defTabSz="914400" rtl="0" eaLnBrk="1" fontAlgn="auto" latinLnBrk="0" hangingPunct="1">
+              <a:lnSpc>
+                <a:spcPct val="100000"/>
+              </a:lnSpc>
+              <a:spcBef>
+                <a:spcPts val="0"/>
+              </a:spcBef>
+              <a:spcAft>
+                <a:spcPts val="0"/>
+              </a:spcAft>
+              <a:buClrTx/>
+              <a:buSzTx/>
+              <a:buFontTx/>
+              <a:buNone/>
+              <a:tabLst/>
+              <a:defRPr/>
+            </a:pPr>
+            <a:endParaRPr kumimoji="0" lang="en-US" sz="1800" b="0" i="0" u="none" strike="noStrike" kern="1200" cap="none" spc="0" normalizeH="0" baseline="0" noProof="0">
+              <a:ln>
+                <a:noFill/>
+              </a:ln>
+              <a:solidFill>
+                <a:prstClr val="white"/>
+              </a:solidFill>
+              <a:effectLst/>
+              <a:uLnTx/>
+              <a:uFillTx/>
+              <a:latin typeface="Calibri" panose="020F0502020204030204"/>
+              <a:ea typeface="+mn-ea"/>
+              <a:cs typeface="+mn-cs"/>
+            </a:endParaRPr>
+          </a:p>
+        </p:txBody>
+      </p:sp>
+      <p:sp>
+        <p:nvSpPr>
+          <p:cNvPr id="9" name="Rectangle 8">
+            <a:extLst>
+              <a:ext uri="{FF2B5EF4-FFF2-40B4-BE49-F238E27FC236}">
+                <a16:creationId xmlns:a16="http://schemas.microsoft.com/office/drawing/2014/main" id="{79F3C543-62EC-4433-9C93-A2CD8764E9B4}"/>
+              </a:ext>
+              <a:ext uri="{C183D7F6-B498-43B3-948B-1728B52AA6E4}">
+                <adec:decorative xmlns:adec="http://schemas.microsoft.com/office/drawing/2017/decorative" val="1"/>
+              </a:ext>
+            </a:extLst>
+          </p:cNvPr>
+          <p:cNvSpPr>
+            <a:spLocks noGrp="1" noRot="1" noChangeAspect="1" noMove="1" noResize="1" noEditPoints="1" noAdjustHandles="1" noChangeArrowheads="1" noChangeShapeType="1" noTextEdit="1"/>
+          </p:cNvSpPr>
+          <p:nvPr>
+            <p:extLst>
+              <p:ext uri="{386F3935-93C4-4BCD-93E2-E3B085C9AB24}">
+                <p16:designElem xmlns:p16="http://schemas.microsoft.com/office/powerpoint/2015/main" val="1"/>
+              </p:ext>
+            </p:extLst>
+          </p:nvPr>
+        </p:nvSpPr>
+        <p:spPr>
+          <a:xfrm flipV="1">
+            <a:off x="578652" y="4501201"/>
+            <a:ext cx="11034696" cy="18288"/>
+          </a:xfrm>
+          <a:prstGeom prst="rect">
+            <a:avLst/>
+          </a:prstGeom>
+          <a:solidFill>
+            <a:schemeClr val="tx2">
+              <a:lumMod val="25000"/>
+              <a:lumOff val="75000"/>
+            </a:schemeClr>
+          </a:solidFill>
+          <a:ln w="3175">
+            <a:noFill/>
+          </a:ln>
+          <a:effectLst/>
+        </p:spPr>
+        <p:style>
+          <a:lnRef idx="2">
+            <a:schemeClr val="accent1">
+              <a:shade val="50000"/>
+            </a:schemeClr>
+          </a:lnRef>
+          <a:fillRef idx="1">
+            <a:schemeClr val="accent1"/>
+          </a:fillRef>
+          <a:effectRef idx="0">
+            <a:schemeClr val="accent1"/>
+          </a:effectRef>
+          <a:fontRef idx="minor">
+            <a:schemeClr val="lt1"/>
+          </a:fontRef>
+        </p:style>
+        <p:txBody>
+          <a:bodyPr rtlCol="0" anchor="ctr"/>
+          <a:lstStyle/>
+          <a:p>
+            <a:pPr marL="0" marR="0" lvl="0" indent="0" algn="ctr" defTabSz="914400" rtl="0" eaLnBrk="1" fontAlgn="auto" latinLnBrk="0" hangingPunct="1">
+              <a:lnSpc>
+                <a:spcPct val="100000"/>
+              </a:lnSpc>
+              <a:spcBef>
+                <a:spcPts val="0"/>
+              </a:spcBef>
+              <a:spcAft>
+                <a:spcPts val="0"/>
+              </a:spcAft>
+              <a:buClrTx/>
+              <a:buSzTx/>
+              <a:buFontTx/>
+              <a:buNone/>
+              <a:tabLst/>
+              <a:defRPr/>
+            </a:pPr>
+            <a:endParaRPr kumimoji="0" lang="en-US" sz="1800" b="0" i="0" u="none" strike="noStrike" kern="1200" cap="none" spc="0" normalizeH="0" baseline="0" noProof="0">
+              <a:ln>
+                <a:noFill/>
+              </a:ln>
+              <a:solidFill>
+                <a:prstClr val="white"/>
+              </a:solidFill>
+              <a:effectLst/>
+              <a:uLnTx/>
+              <a:uFillTx/>
+              <a:latin typeface="Calibri" panose="020F0502020204030204"/>
+              <a:ea typeface="+mn-ea"/>
+              <a:cs typeface="+mn-cs"/>
+            </a:endParaRPr>
+          </a:p>
+        </p:txBody>
+      </p:sp>
+      <p:sp useBgFill="1">
+        <p:nvSpPr>
+          <p:cNvPr id="11" name="Rectangle 10">
+            <a:extLst>
+              <a:ext uri="{FF2B5EF4-FFF2-40B4-BE49-F238E27FC236}">
+                <a16:creationId xmlns:a16="http://schemas.microsoft.com/office/drawing/2014/main" id="{FFD48BC7-DC40-47DE-87EE-9F4B6ECB9ABB}"/>
+              </a:ext>
+              <a:ext uri="{C183D7F6-B498-43B3-948B-1728B52AA6E4}">
+                <adec:decorative xmlns:adec="http://schemas.microsoft.com/office/drawing/2017/decorative" val="1"/>
+              </a:ext>
+            </a:extLst>
+          </p:cNvPr>
+          <p:cNvSpPr>
+            <a:spLocks noGrp="1" noRot="1" noChangeAspect="1" noMove="1" noResize="1" noEditPoints="1" noAdjustHandles="1" noChangeArrowheads="1" noChangeShapeType="1" noTextEdit="1"/>
+          </p:cNvSpPr>
+          <p:nvPr>
+            <p:extLst>
+              <p:ext uri="{386F3935-93C4-4BCD-93E2-E3B085C9AB24}">
+                <p16:designElem xmlns:p16="http://schemas.microsoft.com/office/powerpoint/2015/main" val="1"/>
+              </p:ext>
+            </p:extLst>
+          </p:nvPr>
+        </p:nvSpPr>
+        <p:spPr>
+          <a:xfrm>
+            <a:off x="0" y="0"/>
+            <a:ext cx="12192000" cy="6858000"/>
+          </a:xfrm>
+          <a:prstGeom prst="rect">
+            <a:avLst/>
+          </a:prstGeom>
+          <a:ln>
+            <a:noFill/>
+          </a:ln>
+        </p:spPr>
+        <p:style>
+          <a:lnRef idx="2">
+            <a:schemeClr val="accent1">
+              <a:shade val="50000"/>
+            </a:schemeClr>
+          </a:lnRef>
+          <a:fillRef idx="1">
+            <a:schemeClr val="accent1"/>
+          </a:fillRef>
+          <a:effectRef idx="0">
+            <a:schemeClr val="accent1"/>
+          </a:effectRef>
+          <a:fontRef idx="minor">
+            <a:schemeClr val="lt1"/>
+          </a:fontRef>
+        </p:style>
+        <p:txBody>
+          <a:bodyPr rtlCol="0" anchor="ctr"/>
+          <a:lstStyle/>
+          <a:p>
+            <a:pPr algn="ctr"/>
+            <a:endParaRPr lang="en-US"/>
+          </a:p>
+        </p:txBody>
+      </p:sp>
+      <p:sp useBgFill="1">
+        <p:nvSpPr>
+          <p:cNvPr id="13" name="Freeform: Shape 12">
+            <a:extLst>
+              <a:ext uri="{FF2B5EF4-FFF2-40B4-BE49-F238E27FC236}">
+                <a16:creationId xmlns:a16="http://schemas.microsoft.com/office/drawing/2014/main" id="{E502BBC7-2C76-46F3-BC24-5985BC13DB88}"/>
+              </a:ext>
+              <a:ext uri="{C183D7F6-B498-43B3-948B-1728B52AA6E4}">
+                <adec:decorative xmlns:adec="http://schemas.microsoft.com/office/drawing/2017/decorative" val="1"/>
+              </a:ext>
+            </a:extLst>
+          </p:cNvPr>
+          <p:cNvSpPr>
+            <a:spLocks noGrp="1" noRot="1" noChangeAspect="1" noMove="1" noResize="1" noEditPoints="1" noAdjustHandles="1" noChangeArrowheads="1" noChangeShapeType="1" noTextEdit="1"/>
+          </p:cNvSpPr>
+          <p:nvPr>
+            <p:extLst>
+              <p:ext uri="{386F3935-93C4-4BCD-93E2-E3B085C9AB24}">
+                <p16:designElem xmlns:p16="http://schemas.microsoft.com/office/powerpoint/2015/main" val="1"/>
+              </p:ext>
+            </p:extLst>
+          </p:nvPr>
+        </p:nvSpPr>
+        <p:spPr>
+          <a:xfrm>
+            <a:off x="1114425" y="0"/>
+            <a:ext cx="9963150" cy="6858000"/>
+          </a:xfrm>
+          <a:custGeom>
+            <a:avLst/>
+            <a:gdLst>
+              <a:gd name="connsiteX0" fmla="*/ 1595771 w 9963150"/>
+              <a:gd name="connsiteY0" fmla="*/ 0 h 6858000"/>
+              <a:gd name="connsiteX1" fmla="*/ 8367379 w 9963150"/>
+              <a:gd name="connsiteY1" fmla="*/ 0 h 6858000"/>
+              <a:gd name="connsiteX2" fmla="*/ 8504080 w 9963150"/>
+              <a:gd name="connsiteY2" fmla="*/ 130333 h 6858000"/>
+              <a:gd name="connsiteX3" fmla="*/ 9963150 w 9963150"/>
+              <a:gd name="connsiteY3" fmla="*/ 3652838 h 6858000"/>
+              <a:gd name="connsiteX4" fmla="*/ 8825600 w 9963150"/>
+              <a:gd name="connsiteY4" fmla="*/ 6821583 h 6858000"/>
+              <a:gd name="connsiteX5" fmla="*/ 8794055 w 9963150"/>
+              <a:gd name="connsiteY5" fmla="*/ 6858000 h 6858000"/>
+              <a:gd name="connsiteX6" fmla="*/ 1169096 w 9963150"/>
+              <a:gd name="connsiteY6" fmla="*/ 6858000 h 6858000"/>
+              <a:gd name="connsiteX7" fmla="*/ 1137550 w 9963150"/>
+              <a:gd name="connsiteY7" fmla="*/ 6821583 h 6858000"/>
+              <a:gd name="connsiteX8" fmla="*/ 0 w 9963150"/>
+              <a:gd name="connsiteY8" fmla="*/ 3652838 h 6858000"/>
+              <a:gd name="connsiteX9" fmla="*/ 1459070 w 9963150"/>
+              <a:gd name="connsiteY9" fmla="*/ 130333 h 6858000"/>
+            </a:gdLst>
+            <a:ahLst/>
+            <a:cxnLst>
+              <a:cxn ang="0">
+                <a:pos x="connsiteX0" y="connsiteY0"/>
+              </a:cxn>
+              <a:cxn ang="0">
+                <a:pos x="connsiteX1" y="connsiteY1"/>
+              </a:cxn>
+              <a:cxn ang="0">
+                <a:pos x="connsiteX2" y="connsiteY2"/>
+              </a:cxn>
+              <a:cxn ang="0">
+                <a:pos x="connsiteX3" y="connsiteY3"/>
+              </a:cxn>
+              <a:cxn ang="0">
+                <a:pos x="connsiteX4" y="connsiteY4"/>
+              </a:cxn>
+              <a:cxn ang="0">
+                <a:pos x="connsiteX5" y="connsiteY5"/>
+              </a:cxn>
+              <a:cxn ang="0">
+                <a:pos x="connsiteX6" y="connsiteY6"/>
+              </a:cxn>
+              <a:cxn ang="0">
+                <a:pos x="connsiteX7" y="connsiteY7"/>
+              </a:cxn>
+              <a:cxn ang="0">
+                <a:pos x="connsiteX8" y="connsiteY8"/>
+              </a:cxn>
+              <a:cxn ang="0">
+                <a:pos x="connsiteX9" y="connsiteY9"/>
+              </a:cxn>
+            </a:cxnLst>
+            <a:rect l="l" t="t" r="r" b="b"/>
+            <a:pathLst>
+              <a:path w="9963150" h="6858000">
+                <a:moveTo>
+                  <a:pt x="1595771" y="0"/>
+                </a:moveTo>
+                <a:lnTo>
+                  <a:pt x="8367379" y="0"/>
+                </a:lnTo>
+                <a:lnTo>
+                  <a:pt x="8504080" y="130333"/>
+                </a:lnTo>
+                <a:cubicBezTo>
+                  <a:pt x="9405568" y="1031820"/>
+                  <a:pt x="9963150" y="2277214"/>
+                  <a:pt x="9963150" y="3652838"/>
+                </a:cubicBezTo>
+                <a:cubicBezTo>
+                  <a:pt x="9963150" y="4856509"/>
+                  <a:pt x="9536251" y="5960473"/>
+                  <a:pt x="8825600" y="6821583"/>
+                </a:cubicBezTo>
+                <a:lnTo>
+                  <a:pt x="8794055" y="6858000"/>
+                </a:lnTo>
+                <a:lnTo>
+                  <a:pt x="1169096" y="6858000"/>
+                </a:lnTo>
+                <a:lnTo>
+                  <a:pt x="1137550" y="6821583"/>
+                </a:lnTo>
+                <a:cubicBezTo>
+                  <a:pt x="426899" y="5960473"/>
+                  <a:pt x="0" y="4856509"/>
+                  <a:pt x="0" y="3652838"/>
+                </a:cubicBezTo>
+                <a:cubicBezTo>
+                  <a:pt x="0" y="2277214"/>
+                  <a:pt x="557582" y="1031820"/>
+                  <a:pt x="1459070" y="130333"/>
+                </a:cubicBezTo>
+                <a:close/>
+              </a:path>
+            </a:pathLst>
+          </a:custGeom>
+          <a:ln w="9525">
+            <a:solidFill>
+              <a:schemeClr val="tx2">
+                <a:lumMod val="10000"/>
+                <a:lumOff val="90000"/>
+              </a:schemeClr>
+            </a:solidFill>
+          </a:ln>
+          <a:effectLst>
+            <a:outerShdw blurRad="63500" sx="102000" sy="102000" algn="ctr" rotWithShape="0">
+              <a:schemeClr val="bg1">
+                <a:lumMod val="85000"/>
+                <a:alpha val="20000"/>
+              </a:schemeClr>
+            </a:outerShdw>
+          </a:effectLst>
+        </p:spPr>
+        <p:style>
+          <a:lnRef idx="2">
+            <a:schemeClr val="accent1">
+              <a:shade val="50000"/>
+            </a:schemeClr>
+          </a:lnRef>
+          <a:fillRef idx="1">
+            <a:schemeClr val="accent1"/>
+          </a:fillRef>
+          <a:effectRef idx="0">
+            <a:schemeClr val="accent1"/>
+          </a:effectRef>
+          <a:fontRef idx="minor">
+            <a:schemeClr val="lt1"/>
+          </a:fontRef>
+        </p:style>
+        <p:txBody>
+          <a:bodyPr wrap="square" rtlCol="0" anchor="ctr">
+            <a:noAutofit/>
+          </a:bodyPr>
+          <a:lstStyle/>
+          <a:p>
+            <a:pPr marL="0" marR="0" lvl="0" indent="0" algn="ctr" defTabSz="914400" rtl="0" eaLnBrk="1" fontAlgn="auto" latinLnBrk="0" hangingPunct="1">
+              <a:lnSpc>
+                <a:spcPct val="100000"/>
+              </a:lnSpc>
+              <a:spcBef>
+                <a:spcPts val="0"/>
+              </a:spcBef>
+              <a:spcAft>
+                <a:spcPts val="0"/>
+              </a:spcAft>
+              <a:buClrTx/>
+              <a:buSzTx/>
+              <a:buFontTx/>
+              <a:buNone/>
+              <a:tabLst/>
+              <a:defRPr/>
+            </a:pPr>
+            <a:endParaRPr kumimoji="0" lang="en-US" sz="1800" b="0" i="0" u="none" strike="noStrike" kern="1200" cap="none" spc="0" normalizeH="0" baseline="0" noProof="0">
+              <a:ln>
+                <a:noFill/>
+              </a:ln>
+              <a:solidFill>
+                <a:prstClr val="white"/>
+              </a:solidFill>
+              <a:effectLst/>
+              <a:uLnTx/>
+              <a:uFillTx/>
+              <a:latin typeface="Calibri" panose="020F0502020204030204"/>
+              <a:ea typeface="+mn-ea"/>
+              <a:cs typeface="+mn-cs"/>
+            </a:endParaRPr>
+          </a:p>
+        </p:txBody>
+      </p:sp>
+      <p:sp useBgFill="1">
+        <p:nvSpPr>
+          <p:cNvPr id="15" name="Freeform: Shape 14">
+            <a:extLst>
+              <a:ext uri="{FF2B5EF4-FFF2-40B4-BE49-F238E27FC236}">
+                <a16:creationId xmlns:a16="http://schemas.microsoft.com/office/drawing/2014/main" id="{9C45F024-2468-4D8A-9E11-BB2B1E0A3B37}"/>
+              </a:ext>
+              <a:ext uri="{C183D7F6-B498-43B3-948B-1728B52AA6E4}">
+                <adec:decorative xmlns:adec="http://schemas.microsoft.com/office/drawing/2017/decorative" val="1"/>
+              </a:ext>
+            </a:extLst>
+          </p:cNvPr>
+          <p:cNvSpPr>
+            <a:spLocks noGrp="1" noRot="1" noChangeAspect="1" noMove="1" noResize="1" noEditPoints="1" noAdjustHandles="1" noChangeArrowheads="1" noChangeShapeType="1" noTextEdit="1"/>
+          </p:cNvSpPr>
+          <p:nvPr>
+            <p:extLst>
+              <p:ext uri="{386F3935-93C4-4BCD-93E2-E3B085C9AB24}">
+                <p16:designElem xmlns:p16="http://schemas.microsoft.com/office/powerpoint/2015/main" val="1"/>
+              </p:ext>
+            </p:extLst>
+          </p:nvPr>
+        </p:nvSpPr>
+        <p:spPr>
+          <a:xfrm>
+            <a:off x="1121664" y="0"/>
+            <a:ext cx="9948672" cy="6858000"/>
+          </a:xfrm>
+          <a:custGeom>
+            <a:avLst/>
+            <a:gdLst>
+              <a:gd name="connsiteX0" fmla="*/ 1595771 w 9963150"/>
+              <a:gd name="connsiteY0" fmla="*/ 0 h 6858000"/>
+              <a:gd name="connsiteX1" fmla="*/ 8367379 w 9963150"/>
+              <a:gd name="connsiteY1" fmla="*/ 0 h 6858000"/>
+              <a:gd name="connsiteX2" fmla="*/ 8504080 w 9963150"/>
+              <a:gd name="connsiteY2" fmla="*/ 130333 h 6858000"/>
+              <a:gd name="connsiteX3" fmla="*/ 9963150 w 9963150"/>
+              <a:gd name="connsiteY3" fmla="*/ 3652838 h 6858000"/>
+              <a:gd name="connsiteX4" fmla="*/ 8825600 w 9963150"/>
+              <a:gd name="connsiteY4" fmla="*/ 6821583 h 6858000"/>
+              <a:gd name="connsiteX5" fmla="*/ 8794055 w 9963150"/>
+              <a:gd name="connsiteY5" fmla="*/ 6858000 h 6858000"/>
+              <a:gd name="connsiteX6" fmla="*/ 1169096 w 9963150"/>
+              <a:gd name="connsiteY6" fmla="*/ 6858000 h 6858000"/>
+              <a:gd name="connsiteX7" fmla="*/ 1137550 w 9963150"/>
+              <a:gd name="connsiteY7" fmla="*/ 6821583 h 6858000"/>
+              <a:gd name="connsiteX8" fmla="*/ 0 w 9963150"/>
+              <a:gd name="connsiteY8" fmla="*/ 3652838 h 6858000"/>
+              <a:gd name="connsiteX9" fmla="*/ 1459070 w 9963150"/>
+              <a:gd name="connsiteY9" fmla="*/ 130333 h 6858000"/>
+            </a:gdLst>
+            <a:ahLst/>
+            <a:cxnLst>
+              <a:cxn ang="0">
+                <a:pos x="connsiteX0" y="connsiteY0"/>
+              </a:cxn>
+              <a:cxn ang="0">
+                <a:pos x="connsiteX1" y="connsiteY1"/>
+              </a:cxn>
+              <a:cxn ang="0">
+                <a:pos x="connsiteX2" y="connsiteY2"/>
+              </a:cxn>
+              <a:cxn ang="0">
+                <a:pos x="connsiteX3" y="connsiteY3"/>
+              </a:cxn>
+              <a:cxn ang="0">
+                <a:pos x="connsiteX4" y="connsiteY4"/>
+              </a:cxn>
+              <a:cxn ang="0">
+                <a:pos x="connsiteX5" y="connsiteY5"/>
+              </a:cxn>
+              <a:cxn ang="0">
+                <a:pos x="connsiteX6" y="connsiteY6"/>
+              </a:cxn>
+              <a:cxn ang="0">
+                <a:pos x="connsiteX7" y="connsiteY7"/>
+              </a:cxn>
+              <a:cxn ang="0">
+                <a:pos x="connsiteX8" y="connsiteY8"/>
+              </a:cxn>
+              <a:cxn ang="0">
+                <a:pos x="connsiteX9" y="connsiteY9"/>
+              </a:cxn>
+            </a:cxnLst>
+            <a:rect l="l" t="t" r="r" b="b"/>
+            <a:pathLst>
+              <a:path w="9963150" h="6858000">
+                <a:moveTo>
+                  <a:pt x="1595771" y="0"/>
+                </a:moveTo>
+                <a:lnTo>
+                  <a:pt x="8367379" y="0"/>
+                </a:lnTo>
+                <a:lnTo>
+                  <a:pt x="8504080" y="130333"/>
+                </a:lnTo>
+                <a:cubicBezTo>
+                  <a:pt x="9405568" y="1031820"/>
+                  <a:pt x="9963150" y="2277214"/>
+                  <a:pt x="9963150" y="3652838"/>
+                </a:cubicBezTo>
+                <a:cubicBezTo>
+                  <a:pt x="9963150" y="4856509"/>
+                  <a:pt x="9536251" y="5960473"/>
+                  <a:pt x="8825600" y="6821583"/>
+                </a:cubicBezTo>
+                <a:lnTo>
+                  <a:pt x="8794055" y="6858000"/>
+                </a:lnTo>
+                <a:lnTo>
+                  <a:pt x="1169096" y="6858000"/>
+                </a:lnTo>
+                <a:lnTo>
+                  <a:pt x="1137550" y="6821583"/>
+                </a:lnTo>
+                <a:cubicBezTo>
+                  <a:pt x="426899" y="5960473"/>
+                  <a:pt x="0" y="4856509"/>
+                  <a:pt x="0" y="3652838"/>
+                </a:cubicBezTo>
+                <a:cubicBezTo>
+                  <a:pt x="0" y="2277214"/>
+                  <a:pt x="557582" y="1031820"/>
+                  <a:pt x="1459070" y="130333"/>
+                </a:cubicBezTo>
+                <a:close/>
+              </a:path>
+            </a:pathLst>
+          </a:custGeom>
+          <a:ln w="9525">
+            <a:noFill/>
+          </a:ln>
+          <a:effectLst/>
+        </p:spPr>
+        <p:style>
+          <a:lnRef idx="2">
+            <a:schemeClr val="accent1">
+              <a:shade val="50000"/>
+            </a:schemeClr>
+          </a:lnRef>
+          <a:fillRef idx="1">
+            <a:schemeClr val="accent1"/>
+          </a:fillRef>
+          <a:effectRef idx="0">
+            <a:schemeClr val="accent1"/>
+          </a:effectRef>
+          <a:fontRef idx="minor">
+            <a:schemeClr val="lt1"/>
+          </a:fontRef>
+        </p:style>
+        <p:txBody>
+          <a:bodyPr wrap="square" rtlCol="0" anchor="ctr">
+            <a:noAutofit/>
+          </a:bodyPr>
+          <a:lstStyle/>
+          <a:p>
+            <a:pPr marL="0" marR="0" lvl="0" indent="0" algn="ctr" defTabSz="914400" rtl="0" eaLnBrk="1" fontAlgn="auto" latinLnBrk="0" hangingPunct="1">
+              <a:lnSpc>
+                <a:spcPct val="100000"/>
+              </a:lnSpc>
+              <a:spcBef>
+                <a:spcPts val="0"/>
+              </a:spcBef>
+              <a:spcAft>
+                <a:spcPts val="0"/>
+              </a:spcAft>
+              <a:buClrTx/>
+              <a:buSzTx/>
+              <a:buFontTx/>
+              <a:buNone/>
+              <a:tabLst/>
+              <a:defRPr/>
+            </a:pPr>
+            <a:endParaRPr kumimoji="0" lang="en-US" sz="1800" b="0" i="0" u="none" strike="noStrike" kern="1200" cap="none" spc="0" normalizeH="0" baseline="0" noProof="0">
+              <a:ln>
+                <a:noFill/>
+              </a:ln>
+              <a:solidFill>
+                <a:prstClr val="white"/>
+              </a:solidFill>
+              <a:effectLst/>
+              <a:uLnTx/>
+              <a:uFillTx/>
+              <a:latin typeface="Calibri" panose="020F0502020204030204"/>
+              <a:ea typeface="+mn-ea"/>
+              <a:cs typeface="+mn-cs"/>
+            </a:endParaRPr>
+          </a:p>
+        </p:txBody>
+      </p:sp>
+      <p:sp>
+        <p:nvSpPr>
+          <p:cNvPr id="2" name="Title 1">
+            <a:extLst>
+              <a:ext uri="{FF2B5EF4-FFF2-40B4-BE49-F238E27FC236}">
+                <a16:creationId xmlns:a16="http://schemas.microsoft.com/office/drawing/2014/main" id="{0BD6A324-FF84-C74E-A3DA-1B990E475F33}"/>
+              </a:ext>
+            </a:extLst>
+          </p:cNvPr>
+          <p:cNvSpPr>
+            <a:spLocks noGrp="1"/>
+          </p:cNvSpPr>
+          <p:nvPr>
+            <p:ph type="title"/>
+          </p:nvPr>
+        </p:nvSpPr>
+        <p:spPr>
+          <a:xfrm>
+            <a:off x="1524003" y="1999615"/>
+            <a:ext cx="9144000" cy="2764028"/>
+          </a:xfrm>
+        </p:spPr>
+        <p:txBody>
+          <a:bodyPr vert="horz" lIns="91440" tIns="45720" rIns="91440" bIns="45720" rtlCol="0" anchor="ctr">
+            <a:normAutofit/>
+          </a:bodyPr>
+          <a:lstStyle/>
+          <a:p>
+            <a:pPr algn="ctr"/>
+            <a:r>
+              <a:rPr lang="en-US" sz="4500" b="1" dirty="0"/>
+              <a:t>Algorithmic Bias? An Empirical Study of Apparent Gender-Based Discrimination in the Display of STEM Career Ads</a:t>
+            </a:r>
+          </a:p>
+        </p:txBody>
+      </p:sp>
+      <p:sp>
+        <p:nvSpPr>
+          <p:cNvPr id="17" name="Rectangle 16">
+            <a:extLst>
+              <a:ext uri="{FF2B5EF4-FFF2-40B4-BE49-F238E27FC236}">
+                <a16:creationId xmlns:a16="http://schemas.microsoft.com/office/drawing/2014/main" id="{3629484E-3792-4B3D-89AD-7C8A1ED0E0D4}"/>
+              </a:ext>
+              <a:ext uri="{C183D7F6-B498-43B3-948B-1728B52AA6E4}">
+                <adec:decorative xmlns:adec="http://schemas.microsoft.com/office/drawing/2017/decorative" val="1"/>
+              </a:ext>
+            </a:extLst>
+          </p:cNvPr>
+          <p:cNvSpPr>
+            <a:spLocks noGrp="1" noRot="1" noChangeAspect="1" noMove="1" noResize="1" noEditPoints="1" noAdjustHandles="1" noChangeArrowheads="1" noChangeShapeType="1" noTextEdit="1"/>
+          </p:cNvSpPr>
+          <p:nvPr>
+            <p:extLst>
+              <p:ext uri="{386F3935-93C4-4BCD-93E2-E3B085C9AB24}">
+                <p16:designElem xmlns:p16="http://schemas.microsoft.com/office/powerpoint/2015/main" val="1"/>
+              </p:ext>
+            </p:extLst>
+          </p:nvPr>
+        </p:nvSpPr>
+        <p:spPr>
+          <a:xfrm>
+            <a:off x="3718560" y="5524786"/>
+            <a:ext cx="4754880" cy="27432"/>
+          </a:xfrm>
+          <a:prstGeom prst="rect">
+            <a:avLst/>
+          </a:prstGeom>
+          <a:solidFill>
+            <a:schemeClr val="accent1"/>
+          </a:solidFill>
+          <a:ln>
+            <a:noFill/>
+          </a:ln>
+        </p:spPr>
+        <p:style>
+          <a:lnRef idx="2">
+            <a:schemeClr val="accent1">
+              <a:shade val="50000"/>
+            </a:schemeClr>
+          </a:lnRef>
+          <a:fillRef idx="1">
+            <a:schemeClr val="accent1"/>
+          </a:fillRef>
+          <a:effectRef idx="0">
+            <a:schemeClr val="accent1"/>
+          </a:effectRef>
+          <a:fontRef idx="minor">
+            <a:schemeClr val="lt1"/>
+          </a:fontRef>
+        </p:style>
+        <p:txBody>
+          <a:bodyPr rtlCol="0" anchor="ctr"/>
+          <a:lstStyle/>
+          <a:p>
+            <a:pPr marL="0" marR="0" lvl="0" indent="0" algn="ctr" defTabSz="914400" rtl="0" eaLnBrk="1" fontAlgn="auto" latinLnBrk="0" hangingPunct="1">
+              <a:lnSpc>
+                <a:spcPct val="100000"/>
+              </a:lnSpc>
+              <a:spcBef>
+                <a:spcPts val="0"/>
+              </a:spcBef>
+              <a:spcAft>
+                <a:spcPts val="0"/>
+              </a:spcAft>
+              <a:buClrTx/>
+              <a:buSzTx/>
+              <a:buFontTx/>
+              <a:buNone/>
+              <a:tabLst/>
+              <a:defRPr/>
+            </a:pPr>
+            <a:endParaRPr kumimoji="0" lang="en-US" sz="1800" b="0" i="0" u="none" strike="noStrike" kern="1200" cap="none" spc="0" normalizeH="0" baseline="0" noProof="0">
+              <a:ln>
+                <a:noFill/>
+              </a:ln>
+              <a:solidFill>
+                <a:prstClr val="white"/>
+              </a:solidFill>
+              <a:effectLst/>
+              <a:uLnTx/>
+              <a:uFillTx/>
+              <a:latin typeface="Calibri" panose="020F0502020204030204"/>
+              <a:ea typeface="+mn-ea"/>
+              <a:cs typeface="+mn-cs"/>
+            </a:endParaRPr>
+          </a:p>
+        </p:txBody>
+      </p:sp>
+    </p:spTree>
+    <p:extLst>
+      <p:ext uri="{BB962C8B-B14F-4D97-AF65-F5344CB8AC3E}">
+        <p14:creationId xmlns:p14="http://schemas.microsoft.com/office/powerpoint/2010/main" val="4269972599"/>
+      </p:ext>
+    </p:extLst>
+  </p:cSld>
+  <p:clrMapOvr>
+    <a:masterClrMapping/>
+  </p:clrMapOvr>
+</p:sld>
+</file>
+
+<file path=ppt/slides/slide8.xml><?xml version="1.0" encoding="utf-8"?>
+<p:sld xmlns:a="http://schemas.openxmlformats.org/drawingml/2006/main" xmlns:r="http://schemas.openxmlformats.org/officeDocument/2006/relationships" xmlns:p="http://schemas.openxmlformats.org/presentationml/2006/main">
+  <p:cSld>
+    <p:bg>
+      <p:bgPr>
+        <a:solidFill>
+          <a:schemeClr val="bg1"/>
+        </a:solidFill>
+        <a:effectLst/>
+      </p:bgPr>
+    </p:bg>
+    <p:spTree>
+      <p:nvGrpSpPr>
+        <p:cNvPr id="1" name=""/>
+        <p:cNvGrpSpPr/>
+        <p:nvPr/>
+      </p:nvGrpSpPr>
+      <p:grpSpPr>
+        <a:xfrm>
+          <a:off x="0" y="0"/>
+          <a:ext cx="0" cy="0"/>
+          <a:chOff x="0" y="0"/>
+          <a:chExt cx="0" cy="0"/>
+        </a:xfrm>
+      </p:grpSpPr>
+      <p:sp useBgFill="1">
+        <p:nvSpPr>
+          <p:cNvPr id="27" name="Rectangle 18">
+            <a:extLst>
+              <a:ext uri="{FF2B5EF4-FFF2-40B4-BE49-F238E27FC236}">
+                <a16:creationId xmlns:a16="http://schemas.microsoft.com/office/drawing/2014/main" id="{90D01200-0224-43C5-AB38-FB4D16B73FB7}"/>
+              </a:ext>
+              <a:ext uri="{C183D7F6-B498-43B3-948B-1728B52AA6E4}">
+                <adec:decorative xmlns:adec="http://schemas.microsoft.com/office/drawing/2017/decorative" val="1"/>
+              </a:ext>
+            </a:extLst>
+          </p:cNvPr>
+          <p:cNvSpPr>
+            <a:spLocks noGrp="1" noRot="1" noChangeAspect="1" noMove="1" noResize="1" noEditPoints="1" noAdjustHandles="1" noChangeArrowheads="1" noChangeShapeType="1" noTextEdit="1"/>
+          </p:cNvSpPr>
+          <p:nvPr>
+            <p:extLst>
+              <p:ext uri="{386F3935-93C4-4BCD-93E2-E3B085C9AB24}">
+                <p16:designElem xmlns:p16="http://schemas.microsoft.com/office/powerpoint/2015/main" val="1"/>
+              </p:ext>
+            </p:extLst>
+          </p:nvPr>
+        </p:nvSpPr>
+        <p:spPr>
+          <a:xfrm>
+            <a:off x="0" y="0"/>
+            <a:ext cx="12192000" cy="6858000"/>
+          </a:xfrm>
+          <a:prstGeom prst="rect">
+            <a:avLst/>
+          </a:prstGeom>
+          <a:ln>
+            <a:noFill/>
+          </a:ln>
+        </p:spPr>
+        <p:style>
+          <a:lnRef idx="2">
+            <a:schemeClr val="accent1">
+              <a:shade val="50000"/>
+            </a:schemeClr>
+          </a:lnRef>
+          <a:fillRef idx="1">
+            <a:schemeClr val="accent1"/>
+          </a:fillRef>
+          <a:effectRef idx="0">
+            <a:schemeClr val="accent1"/>
+          </a:effectRef>
+          <a:fontRef idx="minor">
+            <a:schemeClr val="lt1"/>
+          </a:fontRef>
+        </p:style>
+        <p:txBody>
+          <a:bodyPr rtlCol="0" anchor="ctr"/>
+          <a:lstStyle/>
+          <a:p>
+            <a:pPr algn="ctr"/>
+            <a:endParaRPr lang="en-US"/>
+          </a:p>
+        </p:txBody>
+      </p:sp>
+      <p:sp>
+        <p:nvSpPr>
+          <p:cNvPr id="2" name="Title 1">
+            <a:extLst>
+              <a:ext uri="{FF2B5EF4-FFF2-40B4-BE49-F238E27FC236}">
+                <a16:creationId xmlns:a16="http://schemas.microsoft.com/office/drawing/2014/main" id="{B3E86A98-EF47-9643-BEC4-5270BF2B857D}"/>
+              </a:ext>
+            </a:extLst>
+          </p:cNvPr>
+          <p:cNvSpPr>
+            <a:spLocks noGrp="1"/>
+          </p:cNvSpPr>
+          <p:nvPr>
+            <p:ph type="title"/>
+          </p:nvPr>
+        </p:nvSpPr>
+        <p:spPr>
+          <a:xfrm>
+            <a:off x="612648" y="1078992"/>
+            <a:ext cx="6268770" cy="1536192"/>
+          </a:xfrm>
+        </p:spPr>
+        <p:txBody>
+          <a:bodyPr anchor="b">
+            <a:normAutofit/>
+          </a:bodyPr>
+          <a:lstStyle/>
+          <a:p>
+            <a:r>
+              <a:rPr lang="en-US" sz="2500"/>
+              <a:t>Advertisements </a:t>
+            </a:r>
+            <a:r>
+              <a:rPr lang="en-CA" sz="2500"/>
+              <a:t>explicitly intended to be gender neutral in their delivery being shown less to women than men.</a:t>
+            </a:r>
+            <a:endParaRPr lang="en-US" sz="2500"/>
+          </a:p>
+        </p:txBody>
+      </p:sp>
+      <p:sp>
+        <p:nvSpPr>
+          <p:cNvPr id="28" name="Rectangle 20">
+            <a:extLst>
+              <a:ext uri="{FF2B5EF4-FFF2-40B4-BE49-F238E27FC236}">
+                <a16:creationId xmlns:a16="http://schemas.microsoft.com/office/drawing/2014/main" id="{728A44A4-A002-4A88-9FC9-1D0566C97A47}"/>
+              </a:ext>
+              <a:ext uri="{C183D7F6-B498-43B3-948B-1728B52AA6E4}">
+                <adec:decorative xmlns:adec="http://schemas.microsoft.com/office/drawing/2017/decorative" val="1"/>
+              </a:ext>
+            </a:extLst>
+          </p:cNvPr>
+          <p:cNvSpPr>
+            <a:spLocks noGrp="1" noRot="1" noChangeAspect="1" noMove="1" noResize="1" noEditPoints="1" noAdjustHandles="1" noChangeArrowheads="1" noChangeShapeType="1" noTextEdit="1"/>
+          </p:cNvSpPr>
+          <p:nvPr>
+            <p:extLst>
+              <p:ext uri="{386F3935-93C4-4BCD-93E2-E3B085C9AB24}">
+                <p16:designElem xmlns:p16="http://schemas.microsoft.com/office/powerpoint/2015/main" val="1"/>
+              </p:ext>
+            </p:extLst>
+          </p:nvPr>
+        </p:nvSpPr>
+        <p:spPr>
+          <a:xfrm rot="5400000">
+            <a:off x="853202" y="363389"/>
+            <a:ext cx="73152" cy="548640"/>
+          </a:xfrm>
+          <a:prstGeom prst="rect">
+            <a:avLst/>
+          </a:prstGeom>
+          <a:solidFill>
+            <a:schemeClr val="accent1"/>
+          </a:solidFill>
+          <a:ln>
+            <a:noFill/>
+          </a:ln>
+        </p:spPr>
+        <p:style>
+          <a:lnRef idx="2">
+            <a:schemeClr val="accent1">
+              <a:shade val="50000"/>
+            </a:schemeClr>
+          </a:lnRef>
+          <a:fillRef idx="1">
+            <a:schemeClr val="accent1"/>
+          </a:fillRef>
+          <a:effectRef idx="0">
+            <a:schemeClr val="accent1"/>
+          </a:effectRef>
+          <a:fontRef idx="minor">
+            <a:schemeClr val="lt1"/>
+          </a:fontRef>
+        </p:style>
+        <p:txBody>
+          <a:bodyPr rtlCol="0" anchor="ctr"/>
+          <a:lstStyle/>
+          <a:p>
+            <a:pPr marL="0" marR="0" lvl="0" indent="0" algn="ctr" defTabSz="914400" rtl="0" eaLnBrk="1" fontAlgn="auto" latinLnBrk="0" hangingPunct="1">
+              <a:lnSpc>
+                <a:spcPct val="100000"/>
+              </a:lnSpc>
+              <a:spcBef>
+                <a:spcPts val="0"/>
+              </a:spcBef>
+              <a:spcAft>
+                <a:spcPts val="0"/>
+              </a:spcAft>
+              <a:buClrTx/>
+              <a:buSzTx/>
+              <a:buFontTx/>
+              <a:buNone/>
+              <a:tabLst/>
+              <a:defRPr/>
+            </a:pPr>
+            <a:endParaRPr kumimoji="0" lang="en-US" sz="1800" b="0" i="0" u="none" strike="noStrike" kern="1200" cap="none" spc="0" normalizeH="0" baseline="0" noProof="0">
+              <a:ln>
+                <a:noFill/>
+              </a:ln>
+              <a:solidFill>
+                <a:prstClr val="white"/>
+              </a:solidFill>
+              <a:effectLst/>
+              <a:uLnTx/>
+              <a:uFillTx/>
+              <a:latin typeface="Calibri" panose="020F0502020204030204"/>
+              <a:ea typeface="+mn-ea"/>
+              <a:cs typeface="+mn-cs"/>
+            </a:endParaRPr>
+          </a:p>
+        </p:txBody>
+      </p:sp>
+      <p:sp>
+        <p:nvSpPr>
+          <p:cNvPr id="29" name="Rectangle 22">
+            <a:extLst>
+              <a:ext uri="{FF2B5EF4-FFF2-40B4-BE49-F238E27FC236}">
+                <a16:creationId xmlns:a16="http://schemas.microsoft.com/office/drawing/2014/main" id="{3E7D5C7B-DD16-401B-85CE-4AAA2A4F5136}"/>
+              </a:ext>
+              <a:ext uri="{C183D7F6-B498-43B3-948B-1728B52AA6E4}">
+                <adec:decorative xmlns:adec="http://schemas.microsoft.com/office/drawing/2017/decorative" val="1"/>
+              </a:ext>
+            </a:extLst>
+          </p:cNvPr>
+          <p:cNvSpPr>
+            <a:spLocks noGrp="1" noRot="1" noChangeAspect="1" noMove="1" noResize="1" noEditPoints="1" noAdjustHandles="1" noChangeArrowheads="1" noChangeShapeType="1" noTextEdit="1"/>
+          </p:cNvSpPr>
+          <p:nvPr>
+            <p:extLst>
+              <p:ext uri="{386F3935-93C4-4BCD-93E2-E3B085C9AB24}">
+                <p16:designElem xmlns:p16="http://schemas.microsoft.com/office/powerpoint/2015/main" val="1"/>
+              </p:ext>
+            </p:extLst>
+          </p:nvPr>
+        </p:nvSpPr>
+        <p:spPr>
+          <a:xfrm>
+            <a:off x="618506" y="2935541"/>
+            <a:ext cx="6217920" cy="18288"/>
+          </a:xfrm>
+          <a:prstGeom prst="rect">
+            <a:avLst/>
+          </a:prstGeom>
+          <a:solidFill>
+            <a:schemeClr val="tx2">
+              <a:lumMod val="25000"/>
+              <a:lumOff val="75000"/>
+            </a:schemeClr>
+          </a:solidFill>
+          <a:ln w="3175">
+            <a:noFill/>
+          </a:ln>
+          <a:effectLst/>
+        </p:spPr>
+        <p:style>
+          <a:lnRef idx="2">
+            <a:schemeClr val="accent1">
+              <a:shade val="50000"/>
+            </a:schemeClr>
+          </a:lnRef>
+          <a:fillRef idx="1">
+            <a:schemeClr val="accent1"/>
+          </a:fillRef>
+          <a:effectRef idx="0">
+            <a:schemeClr val="accent1"/>
+          </a:effectRef>
+          <a:fontRef idx="minor">
+            <a:schemeClr val="lt1"/>
+          </a:fontRef>
+        </p:style>
+        <p:txBody>
+          <a:bodyPr rtlCol="0" anchor="ctr"/>
+          <a:lstStyle/>
+          <a:p>
+            <a:pPr marL="0" marR="0" lvl="0" indent="0" algn="ctr" defTabSz="914400" rtl="0" eaLnBrk="1" fontAlgn="auto" latinLnBrk="0" hangingPunct="1">
+              <a:lnSpc>
+                <a:spcPct val="100000"/>
+              </a:lnSpc>
+              <a:spcBef>
+                <a:spcPts val="0"/>
+              </a:spcBef>
+              <a:spcAft>
+                <a:spcPts val="0"/>
+              </a:spcAft>
+              <a:buClrTx/>
+              <a:buSzTx/>
+              <a:buFontTx/>
+              <a:buNone/>
+              <a:tabLst/>
+              <a:defRPr/>
+            </a:pPr>
+            <a:endParaRPr kumimoji="0" lang="en-US" sz="1800" b="0" i="0" u="none" strike="noStrike" kern="1200" cap="none" spc="0" normalizeH="0" baseline="0" noProof="0">
+              <a:ln>
+                <a:noFill/>
+              </a:ln>
+              <a:solidFill>
+                <a:prstClr val="white"/>
+              </a:solidFill>
+              <a:effectLst/>
+              <a:uLnTx/>
+              <a:uFillTx/>
+              <a:latin typeface="Calibri" panose="020F0502020204030204"/>
+              <a:ea typeface="+mn-ea"/>
+              <a:cs typeface="+mn-cs"/>
+            </a:endParaRPr>
+          </a:p>
+        </p:txBody>
+      </p:sp>
+      <p:sp>
+        <p:nvSpPr>
+          <p:cNvPr id="3" name="Content Placeholder 2">
+            <a:extLst>
+              <a:ext uri="{FF2B5EF4-FFF2-40B4-BE49-F238E27FC236}">
+                <a16:creationId xmlns:a16="http://schemas.microsoft.com/office/drawing/2014/main" id="{E189F2D2-5EC2-134A-A0F1-A39E609B0E11}"/>
+              </a:ext>
+            </a:extLst>
+          </p:cNvPr>
+          <p:cNvSpPr>
+            <a:spLocks noGrp="1"/>
+          </p:cNvSpPr>
+          <p:nvPr>
+            <p:ph idx="1"/>
+          </p:nvPr>
+        </p:nvSpPr>
+        <p:spPr>
+          <a:xfrm>
+            <a:off x="612648" y="3355848"/>
+            <a:ext cx="6268770" cy="2825496"/>
+          </a:xfrm>
+        </p:spPr>
+        <p:txBody>
+          <a:bodyPr>
+            <a:normAutofit/>
+          </a:bodyPr>
+          <a:lstStyle/>
+          <a:p>
+            <a:pPr>
+              <a:lnSpc>
+                <a:spcPct val="100000"/>
+              </a:lnSpc>
+            </a:pPr>
+            <a:r>
+              <a:rPr lang="en-US" sz="1400"/>
+              <a:t>“</a:t>
+            </a:r>
+            <a:r>
+              <a:rPr lang="en-CA" sz="1400"/>
+              <a:t>We explore data from a field test of how an algorithm delivered ads promoting job opportunities in the science, technology, engineering and math fields. This ad was explicitly intended to be gender neutral in its delivery. Empirically, however, fewer women saw the ad than men. This happened because younger women are a prized demographic and are more expensive to show ads to. An algorithm that simply optimizes cost-effectiveness in ad delivery will deliver ads that were intended to be gender neutral in an apparently discriminatory way, because of crowding out.”</a:t>
+            </a:r>
+          </a:p>
+          <a:p>
+            <a:pPr>
+              <a:lnSpc>
+                <a:spcPct val="100000"/>
+              </a:lnSpc>
+            </a:pPr>
+            <a:r>
+              <a:rPr lang="en-CA" sz="1400"/>
+              <a:t>Since women are generally more expensive to show ads to, they are they are targeted far less by algorithms that optimized based on cost-effectiveness.</a:t>
+            </a:r>
+          </a:p>
+          <a:p>
+            <a:pPr>
+              <a:lnSpc>
+                <a:spcPct val="100000"/>
+              </a:lnSpc>
+            </a:pPr>
+            <a:endParaRPr lang="en-US" sz="1400" dirty="0"/>
+          </a:p>
+        </p:txBody>
+      </p:sp>
+      <p:pic>
+        <p:nvPicPr>
+          <p:cNvPr id="7" name="Graphic 6" descr="Target Audience">
+            <a:extLst>
+              <a:ext uri="{FF2B5EF4-FFF2-40B4-BE49-F238E27FC236}">
+                <a16:creationId xmlns:a16="http://schemas.microsoft.com/office/drawing/2014/main" id="{5253EEB4-3BD4-4F0B-88AE-9E1BF9973DC1}"/>
+              </a:ext>
+            </a:extLst>
+          </p:cNvPr>
+          <p:cNvPicPr>
+            <a:picLocks noChangeAspect="1"/>
+          </p:cNvPicPr>
+          <p:nvPr/>
+        </p:nvPicPr>
+        <p:blipFill>
+          <a:blip r:embed="rId2">
+            <a:extLst>
+              <a:ext uri="{28A0092B-C50C-407E-A947-70E740481C1C}">
+                <a14:useLocalDpi xmlns:a14="http://schemas.microsoft.com/office/drawing/2010/main" val="0"/>
+              </a:ext>
+              <a:ext uri="{96DAC541-7B7A-43D3-8B79-37D633B846F1}">
+                <asvg:svgBlip xmlns:asvg="http://schemas.microsoft.com/office/drawing/2016/SVG/main" r:embed="rId3"/>
+              </a:ext>
+            </a:extLst>
+          </a:blip>
+          <a:stretch>
+            <a:fillRect/>
+          </a:stretch>
+        </p:blipFill>
+        <p:spPr>
+          <a:xfrm>
+            <a:off x="7494066" y="1272395"/>
+            <a:ext cx="4237686" cy="4237686"/>
+          </a:xfrm>
+          <a:prstGeom prst="rect">
+            <a:avLst/>
+          </a:prstGeom>
+        </p:spPr>
+      </p:pic>
+    </p:spTree>
+    <p:extLst>
+      <p:ext uri="{BB962C8B-B14F-4D97-AF65-F5344CB8AC3E}">
+        <p14:creationId xmlns:p14="http://schemas.microsoft.com/office/powerpoint/2010/main" val="2990242687"/>
+      </p:ext>
+    </p:extLst>
+  </p:cSld>
+  <p:clrMapOvr>
+    <a:masterClrMapping/>
+  </p:clrMapOvr>
+</p:sld>
+</file>
+
+<file path=ppt/slides/slide9.xml><?xml version="1.0" encoding="utf-8"?>
 <p:sld xmlns:a="http://schemas.openxmlformats.org/drawingml/2006/main" xmlns:r="http://schemas.openxmlformats.org/officeDocument/2006/relationships" xmlns:p="http://schemas.openxmlformats.org/presentationml/2006/main">
   <p:cSld>
     <p:bg>
@@ -12190,926 +18022,6 @@
     <p:extLst>
       <p:ext uri="{BB962C8B-B14F-4D97-AF65-F5344CB8AC3E}">
         <p14:creationId xmlns:p14="http://schemas.microsoft.com/office/powerpoint/2010/main" val="1660011744"/>
-      </p:ext>
-    </p:extLst>
-  </p:cSld>
-  <p:clrMapOvr>
-    <a:masterClrMapping/>
-  </p:clrMapOvr>
-</p:sld>
-</file>
-
-<file path=ppt/slides/slide5.xml><?xml version="1.0" encoding="utf-8"?>
-<p:sld xmlns:a="http://schemas.openxmlformats.org/drawingml/2006/main" xmlns:r="http://schemas.openxmlformats.org/officeDocument/2006/relationships" xmlns:p="http://schemas.openxmlformats.org/presentationml/2006/main">
-  <p:cSld>
-    <p:spTree>
-      <p:nvGrpSpPr>
-        <p:cNvPr id="1" name=""/>
-        <p:cNvGrpSpPr/>
-        <p:nvPr/>
-      </p:nvGrpSpPr>
-      <p:grpSpPr>
-        <a:xfrm>
-          <a:off x="0" y="0"/>
-          <a:ext cx="0" cy="0"/>
-          <a:chOff x="0" y="0"/>
-          <a:chExt cx="0" cy="0"/>
-        </a:xfrm>
-      </p:grpSpPr>
-      <p:sp>
-        <p:nvSpPr>
-          <p:cNvPr id="2" name="Title 1">
-            <a:extLst>
-              <a:ext uri="{FF2B5EF4-FFF2-40B4-BE49-F238E27FC236}">
-                <a16:creationId xmlns:a16="http://schemas.microsoft.com/office/drawing/2014/main" id="{E6840E2E-FAAB-2F4C-BAD1-47B9783384B5}"/>
-              </a:ext>
-            </a:extLst>
-          </p:cNvPr>
-          <p:cNvSpPr>
-            <a:spLocks noGrp="1"/>
-          </p:cNvSpPr>
-          <p:nvPr>
-            <p:ph type="title"/>
-          </p:nvPr>
-        </p:nvSpPr>
-        <p:spPr/>
-        <p:txBody>
-          <a:bodyPr>
-            <a:normAutofit/>
-          </a:bodyPr>
-          <a:lstStyle/>
-          <a:p>
-            <a:pPr algn="ctr"/>
-            <a:r>
-              <a:rPr lang="en-CA" b="1" dirty="0"/>
-              <a:t>Algorithms Article 1</a:t>
-            </a:r>
-            <a:endParaRPr lang="en-US" dirty="0"/>
-          </a:p>
-        </p:txBody>
-      </p:sp>
-      <p:sp>
-        <p:nvSpPr>
-          <p:cNvPr id="3" name="Content Placeholder 2">
-            <a:extLst>
-              <a:ext uri="{FF2B5EF4-FFF2-40B4-BE49-F238E27FC236}">
-                <a16:creationId xmlns:a16="http://schemas.microsoft.com/office/drawing/2014/main" id="{57EE0645-5299-8C49-B108-0D9BDD55A60A}"/>
-              </a:ext>
-            </a:extLst>
-          </p:cNvPr>
-          <p:cNvSpPr>
-            <a:spLocks noGrp="1"/>
-          </p:cNvSpPr>
-          <p:nvPr>
-            <p:ph idx="1"/>
-          </p:nvPr>
-        </p:nvSpPr>
-        <p:spPr/>
-        <p:txBody>
-          <a:bodyPr/>
-          <a:lstStyle/>
-          <a:p>
-            <a:endParaRPr lang="en-US"/>
-          </a:p>
-        </p:txBody>
-      </p:sp>
-    </p:spTree>
-    <p:extLst>
-      <p:ext uri="{BB962C8B-B14F-4D97-AF65-F5344CB8AC3E}">
-        <p14:creationId xmlns:p14="http://schemas.microsoft.com/office/powerpoint/2010/main" val="3679224293"/>
-      </p:ext>
-    </p:extLst>
-  </p:cSld>
-  <p:clrMapOvr>
-    <a:masterClrMapping/>
-  </p:clrMapOvr>
-</p:sld>
-</file>
-
-<file path=ppt/slides/slide6.xml><?xml version="1.0" encoding="utf-8"?>
-<p:sld xmlns:a="http://schemas.openxmlformats.org/drawingml/2006/main" xmlns:r="http://schemas.openxmlformats.org/officeDocument/2006/relationships" xmlns:p="http://schemas.openxmlformats.org/presentationml/2006/main">
-  <p:cSld>
-    <p:spTree>
-      <p:nvGrpSpPr>
-        <p:cNvPr id="1" name=""/>
-        <p:cNvGrpSpPr/>
-        <p:nvPr/>
-      </p:nvGrpSpPr>
-      <p:grpSpPr>
-        <a:xfrm>
-          <a:off x="0" y="0"/>
-          <a:ext cx="0" cy="0"/>
-          <a:chOff x="0" y="0"/>
-          <a:chExt cx="0" cy="0"/>
-        </a:xfrm>
-      </p:grpSpPr>
-      <p:sp>
-        <p:nvSpPr>
-          <p:cNvPr id="2" name="Title 1">
-            <a:extLst>
-              <a:ext uri="{FF2B5EF4-FFF2-40B4-BE49-F238E27FC236}">
-                <a16:creationId xmlns:a16="http://schemas.microsoft.com/office/drawing/2014/main" id="{3C7DAC33-6D70-2B43-A337-9AC3BA14E673}"/>
-              </a:ext>
-            </a:extLst>
-          </p:cNvPr>
-          <p:cNvSpPr>
-            <a:spLocks noGrp="1"/>
-          </p:cNvSpPr>
-          <p:nvPr>
-            <p:ph type="title"/>
-          </p:nvPr>
-        </p:nvSpPr>
-        <p:spPr/>
-        <p:txBody>
-          <a:bodyPr/>
-          <a:lstStyle/>
-          <a:p>
-            <a:pPr algn="ctr"/>
-            <a:r>
-              <a:rPr lang="en-US" dirty="0"/>
-              <a:t>About Article 1</a:t>
-            </a:r>
-          </a:p>
-        </p:txBody>
-      </p:sp>
-      <p:sp>
-        <p:nvSpPr>
-          <p:cNvPr id="3" name="Content Placeholder 2">
-            <a:extLst>
-              <a:ext uri="{FF2B5EF4-FFF2-40B4-BE49-F238E27FC236}">
-                <a16:creationId xmlns:a16="http://schemas.microsoft.com/office/drawing/2014/main" id="{8DB2F38A-F2F2-FF4E-BCBE-20A027A7082C}"/>
-              </a:ext>
-            </a:extLst>
-          </p:cNvPr>
-          <p:cNvSpPr>
-            <a:spLocks noGrp="1"/>
-          </p:cNvSpPr>
-          <p:nvPr>
-            <p:ph idx="1"/>
-          </p:nvPr>
-        </p:nvSpPr>
-        <p:spPr/>
-        <p:txBody>
-          <a:bodyPr/>
-          <a:lstStyle/>
-          <a:p>
-            <a:endParaRPr lang="en-US"/>
-          </a:p>
-        </p:txBody>
-      </p:sp>
-    </p:spTree>
-    <p:extLst>
-      <p:ext uri="{BB962C8B-B14F-4D97-AF65-F5344CB8AC3E}">
-        <p14:creationId xmlns:p14="http://schemas.microsoft.com/office/powerpoint/2010/main" val="1734771302"/>
-      </p:ext>
-    </p:extLst>
-  </p:cSld>
-  <p:clrMapOvr>
-    <a:masterClrMapping/>
-  </p:clrMapOvr>
-</p:sld>
-</file>
-
-<file path=ppt/slides/slide7.xml><?xml version="1.0" encoding="utf-8"?>
-<p:sld xmlns:a="http://schemas.openxmlformats.org/drawingml/2006/main" xmlns:r="http://schemas.openxmlformats.org/officeDocument/2006/relationships" xmlns:p="http://schemas.openxmlformats.org/presentationml/2006/main">
-  <p:cSld>
-    <p:spTree>
-      <p:nvGrpSpPr>
-        <p:cNvPr id="1" name=""/>
-        <p:cNvGrpSpPr/>
-        <p:nvPr/>
-      </p:nvGrpSpPr>
-      <p:grpSpPr>
-        <a:xfrm>
-          <a:off x="0" y="0"/>
-          <a:ext cx="0" cy="0"/>
-          <a:chOff x="0" y="0"/>
-          <a:chExt cx="0" cy="0"/>
-        </a:xfrm>
-      </p:grpSpPr>
-      <p:sp>
-        <p:nvSpPr>
-          <p:cNvPr id="2" name="Title 1">
-            <a:extLst>
-              <a:ext uri="{FF2B5EF4-FFF2-40B4-BE49-F238E27FC236}">
-                <a16:creationId xmlns:a16="http://schemas.microsoft.com/office/drawing/2014/main" id="{AB304DC3-6224-EF4F-8D9A-25F40BF1737A}"/>
-              </a:ext>
-            </a:extLst>
-          </p:cNvPr>
-          <p:cNvSpPr>
-            <a:spLocks noGrp="1"/>
-          </p:cNvSpPr>
-          <p:nvPr>
-            <p:ph type="title"/>
-          </p:nvPr>
-        </p:nvSpPr>
-        <p:spPr/>
-        <p:txBody>
-          <a:bodyPr/>
-          <a:lstStyle/>
-          <a:p>
-            <a:pPr algn="ctr"/>
-            <a:r>
-              <a:rPr lang="en-US" dirty="0"/>
-              <a:t>About Article 1</a:t>
-            </a:r>
-          </a:p>
-        </p:txBody>
-      </p:sp>
-      <p:sp>
-        <p:nvSpPr>
-          <p:cNvPr id="3" name="Content Placeholder 2">
-            <a:extLst>
-              <a:ext uri="{FF2B5EF4-FFF2-40B4-BE49-F238E27FC236}">
-                <a16:creationId xmlns:a16="http://schemas.microsoft.com/office/drawing/2014/main" id="{14B396CE-CB97-914E-B990-66E39C65B160}"/>
-              </a:ext>
-            </a:extLst>
-          </p:cNvPr>
-          <p:cNvSpPr>
-            <a:spLocks noGrp="1"/>
-          </p:cNvSpPr>
-          <p:nvPr>
-            <p:ph idx="1"/>
-          </p:nvPr>
-        </p:nvSpPr>
-        <p:spPr/>
-        <p:txBody>
-          <a:bodyPr/>
-          <a:lstStyle/>
-          <a:p>
-            <a:endParaRPr lang="en-US"/>
-          </a:p>
-        </p:txBody>
-      </p:sp>
-    </p:spTree>
-    <p:extLst>
-      <p:ext uri="{BB962C8B-B14F-4D97-AF65-F5344CB8AC3E}">
-        <p14:creationId xmlns:p14="http://schemas.microsoft.com/office/powerpoint/2010/main" val="2111611754"/>
-      </p:ext>
-    </p:extLst>
-  </p:cSld>
-  <p:clrMapOvr>
-    <a:masterClrMapping/>
-  </p:clrMapOvr>
-</p:sld>
-</file>
-
-<file path=ppt/slides/slide8.xml><?xml version="1.0" encoding="utf-8"?>
-<p:sld xmlns:a="http://schemas.openxmlformats.org/drawingml/2006/main" xmlns:r="http://schemas.openxmlformats.org/officeDocument/2006/relationships" xmlns:p="http://schemas.openxmlformats.org/presentationml/2006/main">
-  <p:cSld>
-    <p:bg>
-      <p:bgPr>
-        <a:solidFill>
-          <a:schemeClr val="bg1"/>
-        </a:solidFill>
-        <a:effectLst/>
-      </p:bgPr>
-    </p:bg>
-    <p:spTree>
-      <p:nvGrpSpPr>
-        <p:cNvPr id="1" name=""/>
-        <p:cNvGrpSpPr/>
-        <p:nvPr/>
-      </p:nvGrpSpPr>
-      <p:grpSpPr>
-        <a:xfrm>
-          <a:off x="0" y="0"/>
-          <a:ext cx="0" cy="0"/>
-          <a:chOff x="0" y="0"/>
-          <a:chExt cx="0" cy="0"/>
-        </a:xfrm>
-      </p:grpSpPr>
-      <p:sp useBgFill="1">
-        <p:nvSpPr>
-          <p:cNvPr id="19" name="Rectangle 18">
-            <a:extLst>
-              <a:ext uri="{FF2B5EF4-FFF2-40B4-BE49-F238E27FC236}">
-                <a16:creationId xmlns:a16="http://schemas.microsoft.com/office/drawing/2014/main" id="{2C9A9DA9-7DC8-488B-A882-123947B0F3D9}"/>
-              </a:ext>
-              <a:ext uri="{C183D7F6-B498-43B3-948B-1728B52AA6E4}">
-                <adec:decorative xmlns:adec="http://schemas.microsoft.com/office/drawing/2017/decorative" val="1"/>
-              </a:ext>
-            </a:extLst>
-          </p:cNvPr>
-          <p:cNvSpPr>
-            <a:spLocks noGrp="1" noRot="1" noChangeAspect="1" noMove="1" noResize="1" noEditPoints="1" noAdjustHandles="1" noChangeArrowheads="1" noChangeShapeType="1" noTextEdit="1"/>
-          </p:cNvSpPr>
-          <p:nvPr>
-            <p:extLst>
-              <p:ext uri="{386F3935-93C4-4BCD-93E2-E3B085C9AB24}">
-                <p16:designElem xmlns:p16="http://schemas.microsoft.com/office/powerpoint/2015/main" val="1"/>
-              </p:ext>
-            </p:extLst>
-          </p:nvPr>
-        </p:nvSpPr>
-        <p:spPr>
-          <a:xfrm>
-            <a:off x="0" y="0"/>
-            <a:ext cx="12192000" cy="6858000"/>
-          </a:xfrm>
-          <a:prstGeom prst="rect">
-            <a:avLst/>
-          </a:prstGeom>
-          <a:ln>
-            <a:noFill/>
-          </a:ln>
-        </p:spPr>
-        <p:style>
-          <a:lnRef idx="2">
-            <a:schemeClr val="accent1">
-              <a:shade val="50000"/>
-            </a:schemeClr>
-          </a:lnRef>
-          <a:fillRef idx="1">
-            <a:schemeClr val="accent1"/>
-          </a:fillRef>
-          <a:effectRef idx="0">
-            <a:schemeClr val="accent1"/>
-          </a:effectRef>
-          <a:fontRef idx="minor">
-            <a:schemeClr val="lt1"/>
-          </a:fontRef>
-        </p:style>
-        <p:txBody>
-          <a:bodyPr rtlCol="0" anchor="ctr"/>
-          <a:lstStyle/>
-          <a:p>
-            <a:pPr algn="ctr"/>
-            <a:endParaRPr lang="en-US"/>
-          </a:p>
-        </p:txBody>
-      </p:sp>
-      <p:sp useBgFill="1">
-        <p:nvSpPr>
-          <p:cNvPr id="21" name="Rectangle 20">
-            <a:extLst>
-              <a:ext uri="{FF2B5EF4-FFF2-40B4-BE49-F238E27FC236}">
-                <a16:creationId xmlns:a16="http://schemas.microsoft.com/office/drawing/2014/main" id="{57F6BDD4-E066-4008-8011-6CC31AEB4556}"/>
-              </a:ext>
-              <a:ext uri="{C183D7F6-B498-43B3-948B-1728B52AA6E4}">
-                <adec:decorative xmlns:adec="http://schemas.microsoft.com/office/drawing/2017/decorative" val="1"/>
-              </a:ext>
-            </a:extLst>
-          </p:cNvPr>
-          <p:cNvSpPr>
-            <a:spLocks noGrp="1" noRot="1" noChangeAspect="1" noMove="1" noResize="1" noEditPoints="1" noAdjustHandles="1" noChangeArrowheads="1" noChangeShapeType="1" noTextEdit="1"/>
-          </p:cNvSpPr>
-          <p:nvPr>
-            <p:extLst>
-              <p:ext uri="{386F3935-93C4-4BCD-93E2-E3B085C9AB24}">
-                <p16:designElem xmlns:p16="http://schemas.microsoft.com/office/powerpoint/2015/main" val="1"/>
-              </p:ext>
-            </p:extLst>
-          </p:nvPr>
-        </p:nvSpPr>
-        <p:spPr>
-          <a:xfrm>
-            <a:off x="409575" y="633619"/>
-            <a:ext cx="4279383" cy="5495925"/>
-          </a:xfrm>
-          <a:prstGeom prst="rect">
-            <a:avLst/>
-          </a:prstGeom>
-          <a:ln w="9525">
-            <a:solidFill>
-              <a:schemeClr val="tx2">
-                <a:lumMod val="10000"/>
-                <a:lumOff val="90000"/>
-              </a:schemeClr>
-            </a:solidFill>
-          </a:ln>
-          <a:effectLst>
-            <a:outerShdw blurRad="50800" dist="38100" dir="2700000" algn="tl" rotWithShape="0">
-              <a:schemeClr val="bg1">
-                <a:lumMod val="85000"/>
-                <a:alpha val="30000"/>
-              </a:schemeClr>
-            </a:outerShdw>
-          </a:effectLst>
-        </p:spPr>
-        <p:style>
-          <a:lnRef idx="2">
-            <a:schemeClr val="accent1">
-              <a:shade val="50000"/>
-            </a:schemeClr>
-          </a:lnRef>
-          <a:fillRef idx="1">
-            <a:schemeClr val="accent1"/>
-          </a:fillRef>
-          <a:effectRef idx="0">
-            <a:schemeClr val="accent1"/>
-          </a:effectRef>
-          <a:fontRef idx="minor">
-            <a:schemeClr val="lt1"/>
-          </a:fontRef>
-        </p:style>
-        <p:txBody>
-          <a:bodyPr rtlCol="0" anchor="ctr"/>
-          <a:lstStyle/>
-          <a:p>
-            <a:pPr marL="0" marR="0" lvl="0" indent="0" algn="ctr" defTabSz="914400" rtl="0" eaLnBrk="1" fontAlgn="auto" latinLnBrk="0" hangingPunct="1">
-              <a:lnSpc>
-                <a:spcPct val="100000"/>
-              </a:lnSpc>
-              <a:spcBef>
-                <a:spcPts val="0"/>
-              </a:spcBef>
-              <a:spcAft>
-                <a:spcPts val="0"/>
-              </a:spcAft>
-              <a:buClrTx/>
-              <a:buSzTx/>
-              <a:buFontTx/>
-              <a:buNone/>
-              <a:tabLst/>
-              <a:defRPr/>
-            </a:pPr>
-            <a:endParaRPr kumimoji="0" lang="en-US" sz="1800" b="0" i="0" u="none" strike="noStrike" kern="1200" cap="none" spc="0" normalizeH="0" baseline="0" noProof="0">
-              <a:ln>
-                <a:noFill/>
-              </a:ln>
-              <a:solidFill>
-                <a:prstClr val="white"/>
-              </a:solidFill>
-              <a:effectLst/>
-              <a:uLnTx/>
-              <a:uFillTx/>
-              <a:latin typeface="Calibri" panose="020F0502020204030204"/>
-              <a:ea typeface="+mn-ea"/>
-              <a:cs typeface="+mn-cs"/>
-            </a:endParaRPr>
-          </a:p>
-        </p:txBody>
-      </p:sp>
-      <p:sp>
-        <p:nvSpPr>
-          <p:cNvPr id="2" name="Title 1">
-            <a:extLst>
-              <a:ext uri="{FF2B5EF4-FFF2-40B4-BE49-F238E27FC236}">
-                <a16:creationId xmlns:a16="http://schemas.microsoft.com/office/drawing/2014/main" id="{AF0686AD-4ECB-BF46-BB56-DBAD38D8D06C}"/>
-              </a:ext>
-            </a:extLst>
-          </p:cNvPr>
-          <p:cNvSpPr>
-            <a:spLocks noGrp="1"/>
-          </p:cNvSpPr>
-          <p:nvPr>
-            <p:ph type="title"/>
-          </p:nvPr>
-        </p:nvSpPr>
-        <p:spPr>
-          <a:xfrm>
-            <a:off x="841247" y="978619"/>
-            <a:ext cx="3410712" cy="1106424"/>
-          </a:xfrm>
-        </p:spPr>
-        <p:txBody>
-          <a:bodyPr>
-            <a:normAutofit/>
-          </a:bodyPr>
-          <a:lstStyle/>
-          <a:p>
-            <a:r>
-              <a:rPr lang="en-CA" sz="2800"/>
-              <a:t>In your groups</a:t>
-            </a:r>
-            <a:endParaRPr lang="en-US" sz="2800"/>
-          </a:p>
-        </p:txBody>
-      </p:sp>
-      <p:sp>
-        <p:nvSpPr>
-          <p:cNvPr id="23" name="Rectangle 22">
-            <a:extLst>
-              <a:ext uri="{FF2B5EF4-FFF2-40B4-BE49-F238E27FC236}">
-                <a16:creationId xmlns:a16="http://schemas.microsoft.com/office/drawing/2014/main" id="{2711A8FB-68FC-45FC-B01E-38F809E2D439}"/>
-              </a:ext>
-              <a:ext uri="{C183D7F6-B498-43B3-948B-1728B52AA6E4}">
-                <adec:decorative xmlns:adec="http://schemas.microsoft.com/office/drawing/2017/decorative" val="1"/>
-              </a:ext>
-            </a:extLst>
-          </p:cNvPr>
-          <p:cNvSpPr>
-            <a:spLocks noGrp="1" noRot="1" noChangeAspect="1" noMove="1" noResize="1" noEditPoints="1" noAdjustHandles="1" noChangeArrowheads="1" noChangeShapeType="1" noTextEdit="1"/>
-          </p:cNvSpPr>
-          <p:nvPr>
-            <p:extLst>
-              <p:ext uri="{386F3935-93C4-4BCD-93E2-E3B085C9AB24}">
-                <p16:designElem xmlns:p16="http://schemas.microsoft.com/office/powerpoint/2015/main" val="1"/>
-              </p:ext>
-            </p:extLst>
-          </p:nvPr>
-        </p:nvSpPr>
-        <p:spPr>
-          <a:xfrm>
-            <a:off x="345567" y="1171300"/>
-            <a:ext cx="128016" cy="704088"/>
-          </a:xfrm>
-          <a:prstGeom prst="rect">
-            <a:avLst/>
-          </a:prstGeom>
-          <a:solidFill>
-            <a:schemeClr val="accent1"/>
-          </a:solidFill>
-          <a:ln>
-            <a:noFill/>
-          </a:ln>
-        </p:spPr>
-        <p:style>
-          <a:lnRef idx="2">
-            <a:schemeClr val="accent1">
-              <a:shade val="50000"/>
-            </a:schemeClr>
-          </a:lnRef>
-          <a:fillRef idx="1">
-            <a:schemeClr val="accent1"/>
-          </a:fillRef>
-          <a:effectRef idx="0">
-            <a:schemeClr val="accent1"/>
-          </a:effectRef>
-          <a:fontRef idx="minor">
-            <a:schemeClr val="lt1"/>
-          </a:fontRef>
-        </p:style>
-        <p:txBody>
-          <a:bodyPr rtlCol="0" anchor="ctr"/>
-          <a:lstStyle/>
-          <a:p>
-            <a:pPr marL="0" marR="0" lvl="0" indent="0" algn="ctr" defTabSz="914400" rtl="0" eaLnBrk="1" fontAlgn="auto" latinLnBrk="0" hangingPunct="1">
-              <a:lnSpc>
-                <a:spcPct val="100000"/>
-              </a:lnSpc>
-              <a:spcBef>
-                <a:spcPts val="0"/>
-              </a:spcBef>
-              <a:spcAft>
-                <a:spcPts val="0"/>
-              </a:spcAft>
-              <a:buClrTx/>
-              <a:buSzTx/>
-              <a:buFontTx/>
-              <a:buNone/>
-              <a:tabLst/>
-              <a:defRPr/>
-            </a:pPr>
-            <a:endParaRPr kumimoji="0" lang="en-US" sz="1800" b="0" i="0" u="none" strike="noStrike" kern="1200" cap="none" spc="0" normalizeH="0" baseline="0" noProof="0">
-              <a:ln>
-                <a:noFill/>
-              </a:ln>
-              <a:solidFill>
-                <a:prstClr val="white"/>
-              </a:solidFill>
-              <a:effectLst/>
-              <a:uLnTx/>
-              <a:uFillTx/>
-              <a:latin typeface="Calibri" panose="020F0502020204030204"/>
-              <a:ea typeface="+mn-ea"/>
-              <a:cs typeface="+mn-cs"/>
-            </a:endParaRPr>
-          </a:p>
-        </p:txBody>
-      </p:sp>
-      <p:sp>
-        <p:nvSpPr>
-          <p:cNvPr id="25" name="Rectangle 24">
-            <a:extLst>
-              <a:ext uri="{FF2B5EF4-FFF2-40B4-BE49-F238E27FC236}">
-                <a16:creationId xmlns:a16="http://schemas.microsoft.com/office/drawing/2014/main" id="{2A865FE3-5FC9-4049-87CF-30019C46C0F5}"/>
-              </a:ext>
-              <a:ext uri="{C183D7F6-B498-43B3-948B-1728B52AA6E4}">
-                <adec:decorative xmlns:adec="http://schemas.microsoft.com/office/drawing/2017/decorative" val="1"/>
-              </a:ext>
-            </a:extLst>
-          </p:cNvPr>
-          <p:cNvSpPr>
-            <a:spLocks noGrp="1" noRot="1" noChangeAspect="1" noMove="1" noResize="1" noEditPoints="1" noAdjustHandles="1" noChangeArrowheads="1" noChangeShapeType="1" noTextEdit="1"/>
-          </p:cNvSpPr>
-          <p:nvPr>
-            <p:extLst>
-              <p:ext uri="{386F3935-93C4-4BCD-93E2-E3B085C9AB24}">
-                <p16:designElem xmlns:p16="http://schemas.microsoft.com/office/powerpoint/2015/main" val="1"/>
-              </p:ext>
-            </p:extLst>
-          </p:nvPr>
-        </p:nvSpPr>
-        <p:spPr>
-          <a:xfrm>
-            <a:off x="877459" y="2093976"/>
-            <a:ext cx="3328416" cy="9144"/>
-          </a:xfrm>
-          <a:prstGeom prst="rect">
-            <a:avLst/>
-          </a:prstGeom>
-          <a:solidFill>
-            <a:schemeClr val="tx2">
-              <a:lumMod val="25000"/>
-              <a:lumOff val="75000"/>
-            </a:schemeClr>
-          </a:solidFill>
-          <a:ln w="3175">
-            <a:noFill/>
-          </a:ln>
-          <a:effectLst/>
-        </p:spPr>
-        <p:style>
-          <a:lnRef idx="2">
-            <a:schemeClr val="accent1">
-              <a:shade val="50000"/>
-            </a:schemeClr>
-          </a:lnRef>
-          <a:fillRef idx="1">
-            <a:schemeClr val="accent1"/>
-          </a:fillRef>
-          <a:effectRef idx="0">
-            <a:schemeClr val="accent1"/>
-          </a:effectRef>
-          <a:fontRef idx="minor">
-            <a:schemeClr val="lt1"/>
-          </a:fontRef>
-        </p:style>
-        <p:txBody>
-          <a:bodyPr rtlCol="0" anchor="ctr"/>
-          <a:lstStyle/>
-          <a:p>
-            <a:pPr marL="0" marR="0" lvl="0" indent="0" algn="ctr" defTabSz="914400" rtl="0" eaLnBrk="1" fontAlgn="auto" latinLnBrk="0" hangingPunct="1">
-              <a:lnSpc>
-                <a:spcPct val="100000"/>
-              </a:lnSpc>
-              <a:spcBef>
-                <a:spcPts val="0"/>
-              </a:spcBef>
-              <a:spcAft>
-                <a:spcPts val="0"/>
-              </a:spcAft>
-              <a:buClrTx/>
-              <a:buSzTx/>
-              <a:buFontTx/>
-              <a:buNone/>
-              <a:tabLst/>
-              <a:defRPr/>
-            </a:pPr>
-            <a:endParaRPr kumimoji="0" lang="en-US" sz="1800" b="0" i="0" u="none" strike="noStrike" kern="1200" cap="none" spc="0" normalizeH="0" baseline="0" noProof="0">
-              <a:ln>
-                <a:noFill/>
-              </a:ln>
-              <a:solidFill>
-                <a:prstClr val="white"/>
-              </a:solidFill>
-              <a:effectLst/>
-              <a:uLnTx/>
-              <a:uFillTx/>
-              <a:latin typeface="Calibri" panose="020F0502020204030204"/>
-              <a:ea typeface="+mn-ea"/>
-              <a:cs typeface="+mn-cs"/>
-            </a:endParaRPr>
-          </a:p>
-        </p:txBody>
-      </p:sp>
-      <p:sp>
-        <p:nvSpPr>
-          <p:cNvPr id="3" name="Content Placeholder 2">
-            <a:extLst>
-              <a:ext uri="{FF2B5EF4-FFF2-40B4-BE49-F238E27FC236}">
-                <a16:creationId xmlns:a16="http://schemas.microsoft.com/office/drawing/2014/main" id="{C1556BE4-D521-994F-A49A-489950476242}"/>
-              </a:ext>
-            </a:extLst>
-          </p:cNvPr>
-          <p:cNvSpPr>
-            <a:spLocks noGrp="1"/>
-          </p:cNvSpPr>
-          <p:nvPr>
-            <p:ph idx="1"/>
-          </p:nvPr>
-        </p:nvSpPr>
-        <p:spPr>
-          <a:xfrm>
-            <a:off x="841248" y="2252870"/>
-            <a:ext cx="3412219" cy="3560251"/>
-          </a:xfrm>
-        </p:spPr>
-        <p:txBody>
-          <a:bodyPr>
-            <a:normAutofit/>
-          </a:bodyPr>
-          <a:lstStyle/>
-          <a:p>
-            <a:pPr marL="0" indent="0">
-              <a:buNone/>
-            </a:pPr>
-            <a:r>
-              <a:rPr lang="en-CA" sz="1700" dirty="0"/>
-              <a:t>For 10 mins I’ve linked each group to our </a:t>
-            </a:r>
-            <a:r>
-              <a:rPr lang="en-CA" sz="1700" dirty="0" err="1"/>
-              <a:t>padlet</a:t>
-            </a:r>
-            <a:r>
-              <a:rPr lang="en-CA" sz="1700" dirty="0"/>
-              <a:t>. As a group or individually, choose an idea or 2 to add</a:t>
-            </a:r>
-            <a:br>
-              <a:rPr lang="en-CA" sz="1700" dirty="0"/>
-            </a:br>
-            <a:endParaRPr lang="en-US" sz="1700" dirty="0"/>
-          </a:p>
-        </p:txBody>
-      </p:sp>
-      <p:pic>
-        <p:nvPicPr>
-          <p:cNvPr id="7" name="Graphic 6" descr="Onboarding">
-            <a:extLst>
-              <a:ext uri="{FF2B5EF4-FFF2-40B4-BE49-F238E27FC236}">
-                <a16:creationId xmlns:a16="http://schemas.microsoft.com/office/drawing/2014/main" id="{AA432A49-6868-4183-9A19-DE6839F628B1}"/>
-              </a:ext>
-            </a:extLst>
-          </p:cNvPr>
-          <p:cNvPicPr>
-            <a:picLocks noChangeAspect="1"/>
-          </p:cNvPicPr>
-          <p:nvPr/>
-        </p:nvPicPr>
-        <p:blipFill>
-          <a:blip r:embed="rId2">
-            <a:extLst>
-              <a:ext uri="{28A0092B-C50C-407E-A947-70E740481C1C}">
-                <a14:useLocalDpi xmlns:a14="http://schemas.microsoft.com/office/drawing/2010/main" val="0"/>
-              </a:ext>
-              <a:ext uri="{96DAC541-7B7A-43D3-8B79-37D633B846F1}">
-                <asvg:svgBlip xmlns:asvg="http://schemas.microsoft.com/office/drawing/2016/SVG/main" r:embed="rId3"/>
-              </a:ext>
-            </a:extLst>
-          </a:blip>
-          <a:stretch>
-            <a:fillRect/>
-          </a:stretch>
-        </p:blipFill>
-        <p:spPr>
-          <a:xfrm>
-            <a:off x="5701284" y="630936"/>
-            <a:ext cx="5495544" cy="5495544"/>
-          </a:xfrm>
-          <a:prstGeom prst="rect">
-            <a:avLst/>
-          </a:prstGeom>
-        </p:spPr>
-      </p:pic>
-      <p:sp>
-        <p:nvSpPr>
-          <p:cNvPr id="4" name="TextBox 3">
-            <a:extLst>
-              <a:ext uri="{FF2B5EF4-FFF2-40B4-BE49-F238E27FC236}">
-                <a16:creationId xmlns:a16="http://schemas.microsoft.com/office/drawing/2014/main" id="{12E2B7D2-760A-4349-A334-A62B04423167}"/>
-              </a:ext>
-            </a:extLst>
-          </p:cNvPr>
-          <p:cNvSpPr txBox="1"/>
-          <p:nvPr/>
-        </p:nvSpPr>
-        <p:spPr>
-          <a:xfrm>
-            <a:off x="725714" y="4234349"/>
-            <a:ext cx="3672115" cy="1077218"/>
-          </a:xfrm>
-          <a:prstGeom prst="rect">
-            <a:avLst/>
-          </a:prstGeom>
-          <a:noFill/>
-        </p:spPr>
-        <p:txBody>
-          <a:bodyPr wrap="square" rtlCol="0">
-            <a:spAutoFit/>
-          </a:bodyPr>
-          <a:lstStyle/>
-          <a:p>
-            <a:pPr marL="285750" indent="-285750">
-              <a:spcAft>
-                <a:spcPts val="600"/>
-              </a:spcAft>
-              <a:buFont typeface="Arial" panose="020B0604020202020204" pitchFamily="34" charset="0"/>
-              <a:buChar char="•"/>
-            </a:pPr>
-            <a:r>
-              <a:rPr lang="en-US" dirty="0"/>
-              <a:t>Question 1</a:t>
-            </a:r>
-          </a:p>
-          <a:p>
-            <a:pPr marL="285750" indent="-285750">
-              <a:spcAft>
-                <a:spcPts val="600"/>
-              </a:spcAft>
-              <a:buFont typeface="Arial" panose="020B0604020202020204" pitchFamily="34" charset="0"/>
-              <a:buChar char="•"/>
-            </a:pPr>
-            <a:r>
-              <a:rPr lang="en-US" dirty="0"/>
-              <a:t>Question 2</a:t>
-            </a:r>
-          </a:p>
-          <a:p>
-            <a:pPr marL="285750" indent="-285750">
-              <a:spcAft>
-                <a:spcPts val="600"/>
-              </a:spcAft>
-              <a:buFont typeface="Arial" panose="020B0604020202020204" pitchFamily="34" charset="0"/>
-              <a:buChar char="•"/>
-            </a:pPr>
-            <a:r>
-              <a:rPr lang="en-US" dirty="0"/>
-              <a:t>Question 3</a:t>
-            </a:r>
-          </a:p>
-        </p:txBody>
-      </p:sp>
-    </p:spTree>
-    <p:extLst>
-      <p:ext uri="{BB962C8B-B14F-4D97-AF65-F5344CB8AC3E}">
-        <p14:creationId xmlns:p14="http://schemas.microsoft.com/office/powerpoint/2010/main" val="1044838224"/>
-      </p:ext>
-    </p:extLst>
-  </p:cSld>
-  <p:clrMapOvr>
-    <a:masterClrMapping/>
-  </p:clrMapOvr>
-</p:sld>
-</file>
-
-<file path=ppt/slides/slide9.xml><?xml version="1.0" encoding="utf-8"?>
-<p:sld xmlns:a="http://schemas.openxmlformats.org/drawingml/2006/main" xmlns:r="http://schemas.openxmlformats.org/officeDocument/2006/relationships" xmlns:p="http://schemas.openxmlformats.org/presentationml/2006/main">
-  <p:cSld>
-    <p:spTree>
-      <p:nvGrpSpPr>
-        <p:cNvPr id="1" name=""/>
-        <p:cNvGrpSpPr/>
-        <p:nvPr/>
-      </p:nvGrpSpPr>
-      <p:grpSpPr>
-        <a:xfrm>
-          <a:off x="0" y="0"/>
-          <a:ext cx="0" cy="0"/>
-          <a:chOff x="0" y="0"/>
-          <a:chExt cx="0" cy="0"/>
-        </a:xfrm>
-      </p:grpSpPr>
-      <p:sp>
-        <p:nvSpPr>
-          <p:cNvPr id="2" name="Title 1">
-            <a:extLst>
-              <a:ext uri="{FF2B5EF4-FFF2-40B4-BE49-F238E27FC236}">
-                <a16:creationId xmlns:a16="http://schemas.microsoft.com/office/drawing/2014/main" id="{0BD6A324-FF84-C74E-A3DA-1B990E475F33}"/>
-              </a:ext>
-            </a:extLst>
-          </p:cNvPr>
-          <p:cNvSpPr>
-            <a:spLocks noGrp="1"/>
-          </p:cNvSpPr>
-          <p:nvPr>
-            <p:ph type="title"/>
-          </p:nvPr>
-        </p:nvSpPr>
-        <p:spPr/>
-        <p:txBody>
-          <a:bodyPr/>
-          <a:lstStyle/>
-          <a:p>
-            <a:pPr algn="ctr"/>
-            <a:r>
-              <a:rPr lang="en-US" dirty="0"/>
-              <a:t>Algorithms Article 2</a:t>
-            </a:r>
-          </a:p>
-        </p:txBody>
-      </p:sp>
-      <p:sp>
-        <p:nvSpPr>
-          <p:cNvPr id="3" name="Content Placeholder 2">
-            <a:extLst>
-              <a:ext uri="{FF2B5EF4-FFF2-40B4-BE49-F238E27FC236}">
-                <a16:creationId xmlns:a16="http://schemas.microsoft.com/office/drawing/2014/main" id="{5ED1317E-010C-204D-B15B-1D432BA79124}"/>
-              </a:ext>
-            </a:extLst>
-          </p:cNvPr>
-          <p:cNvSpPr>
-            <a:spLocks noGrp="1"/>
-          </p:cNvSpPr>
-          <p:nvPr>
-            <p:ph idx="1"/>
-          </p:nvPr>
-        </p:nvSpPr>
-        <p:spPr/>
-        <p:txBody>
-          <a:bodyPr/>
-          <a:lstStyle/>
-          <a:p>
-            <a:endParaRPr lang="en-US"/>
-          </a:p>
-        </p:txBody>
-      </p:sp>
-    </p:spTree>
-    <p:extLst>
-      <p:ext uri="{BB962C8B-B14F-4D97-AF65-F5344CB8AC3E}">
-        <p14:creationId xmlns:p14="http://schemas.microsoft.com/office/powerpoint/2010/main" val="4269972599"/>
       </p:ext>
     </p:extLst>
   </p:cSld>
